--- a/게시판 발표 자료/게시판-개발.pptx
+++ b/게시판 발표 자료/게시판-개발.pptx
@@ -5,30 +5,32 @@
     <p:sldMasterId id="2147483660" r:id="rId1"/>
   </p:sldMasterIdLst>
   <p:notesMasterIdLst>
-    <p:notesMasterId r:id="rId23"/>
+    <p:notesMasterId r:id="rId25"/>
   </p:notesMasterIdLst>
   <p:sldIdLst>
     <p:sldId id="256" r:id="rId2"/>
     <p:sldId id="257" r:id="rId3"/>
-    <p:sldId id="258" r:id="rId4"/>
-    <p:sldId id="260" r:id="rId5"/>
-    <p:sldId id="276" r:id="rId6"/>
-    <p:sldId id="259" r:id="rId7"/>
-    <p:sldId id="271" r:id="rId8"/>
-    <p:sldId id="269" r:id="rId9"/>
-    <p:sldId id="270" r:id="rId10"/>
-    <p:sldId id="272" r:id="rId11"/>
-    <p:sldId id="268" r:id="rId12"/>
-    <p:sldId id="273" r:id="rId13"/>
-    <p:sldId id="275" r:id="rId14"/>
-    <p:sldId id="274" r:id="rId15"/>
-    <p:sldId id="261" r:id="rId16"/>
-    <p:sldId id="263" r:id="rId17"/>
-    <p:sldId id="264" r:id="rId18"/>
-    <p:sldId id="265" r:id="rId19"/>
-    <p:sldId id="267" r:id="rId20"/>
-    <p:sldId id="266" r:id="rId21"/>
-    <p:sldId id="262" r:id="rId22"/>
+    <p:sldId id="277" r:id="rId4"/>
+    <p:sldId id="258" r:id="rId5"/>
+    <p:sldId id="278" r:id="rId6"/>
+    <p:sldId id="260" r:id="rId7"/>
+    <p:sldId id="276" r:id="rId8"/>
+    <p:sldId id="259" r:id="rId9"/>
+    <p:sldId id="271" r:id="rId10"/>
+    <p:sldId id="269" r:id="rId11"/>
+    <p:sldId id="270" r:id="rId12"/>
+    <p:sldId id="272" r:id="rId13"/>
+    <p:sldId id="268" r:id="rId14"/>
+    <p:sldId id="273" r:id="rId15"/>
+    <p:sldId id="275" r:id="rId16"/>
+    <p:sldId id="274" r:id="rId17"/>
+    <p:sldId id="261" r:id="rId18"/>
+    <p:sldId id="263" r:id="rId19"/>
+    <p:sldId id="264" r:id="rId20"/>
+    <p:sldId id="265" r:id="rId21"/>
+    <p:sldId id="267" r:id="rId22"/>
+    <p:sldId id="266" r:id="rId23"/>
+    <p:sldId id="262" r:id="rId24"/>
   </p:sldIdLst>
   <p:sldSz cx="12192000" cy="6858000"/>
   <p:notesSz cx="6858000" cy="9144000"/>
@@ -220,7 +222,7 @@
           <a:p>
             <a:fld id="{FD05058D-6400-47BA-B0A6-B29BC025E3A9}" type="datetimeFigureOut">
               <a:rPr lang="ko-KR" altLang="en-US" smtClean="0"/>
-              <a:t>2023-10-24</a:t>
+              <a:t>2023-10-25</a:t>
             </a:fld>
             <a:endParaRPr lang="ko-KR" altLang="en-US"/>
           </a:p>
@@ -641,7 +643,7 @@
           <a:p>
             <a:fld id="{498498CC-81E8-4650-B212-4C4658DED90D}" type="slidenum">
               <a:rPr lang="ko-KR" altLang="en-US" smtClean="0"/>
-              <a:t>4</a:t>
+              <a:t>6</a:t>
             </a:fld>
             <a:endParaRPr lang="ko-KR" altLang="en-US"/>
           </a:p>
@@ -725,7 +727,7 @@
           <a:p>
             <a:fld id="{498498CC-81E8-4650-B212-4C4658DED90D}" type="slidenum">
               <a:rPr lang="ko-KR" altLang="en-US" smtClean="0"/>
-              <a:t>20</a:t>
+              <a:t>22</a:t>
             </a:fld>
             <a:endParaRPr lang="ko-KR" altLang="en-US"/>
           </a:p>
@@ -766,7 +768,7 @@
           <p:cNvPr id="2" name="제목 1">
             <a:extLst>
               <a:ext uri="{FF2B5EF4-FFF2-40B4-BE49-F238E27FC236}">
-                <a16:creationId xmlns:a16="http://schemas.microsoft.com/office/drawing/2014/main" xmlns="" id="{EA379291-2302-488C-A12E-390CBAFCC5DD}"/>
+                <a16:creationId xmlns="" xmlns:a16="http://schemas.microsoft.com/office/drawing/2014/main" id="{EA379291-2302-488C-A12E-390CBAFCC5DD}"/>
               </a:ext>
             </a:extLst>
           </p:cNvPr>
@@ -807,7 +809,7 @@
           <p:cNvPr id="3" name="부제목 2">
             <a:extLst>
               <a:ext uri="{FF2B5EF4-FFF2-40B4-BE49-F238E27FC236}">
-                <a16:creationId xmlns:a16="http://schemas.microsoft.com/office/drawing/2014/main" xmlns="" id="{38C49762-5118-4B8D-AAE2-A9A06D9E2CAC}"/>
+                <a16:creationId xmlns="" xmlns:a16="http://schemas.microsoft.com/office/drawing/2014/main" id="{38C49762-5118-4B8D-AAE2-A9A06D9E2CAC}"/>
               </a:ext>
             </a:extLst>
           </p:cNvPr>
@@ -881,7 +883,7 @@
           <p:cNvPr id="4" name="날짜 개체 틀 3">
             <a:extLst>
               <a:ext uri="{FF2B5EF4-FFF2-40B4-BE49-F238E27FC236}">
-                <a16:creationId xmlns:a16="http://schemas.microsoft.com/office/drawing/2014/main" xmlns="" id="{FA689302-1CFA-4033-82D8-F0BFF33BAF75}"/>
+                <a16:creationId xmlns="" xmlns:a16="http://schemas.microsoft.com/office/drawing/2014/main" id="{FA689302-1CFA-4033-82D8-F0BFF33BAF75}"/>
               </a:ext>
             </a:extLst>
           </p:cNvPr>
@@ -907,7 +909,7 @@
           <a:p>
             <a:fld id="{3AADE331-FDB9-45B8-8247-10E54FA6DC10}" type="datetimeFigureOut">
               <a:rPr lang="ko-KR" altLang="en-US" smtClean="0"/>
-              <a:t>2023-10-24</a:t>
+              <a:t>2023-10-25</a:t>
             </a:fld>
             <a:endParaRPr lang="ko-KR" altLang="en-US"/>
           </a:p>
@@ -918,7 +920,7 @@
           <p:cNvPr id="5" name="바닥글 개체 틀 4">
             <a:extLst>
               <a:ext uri="{FF2B5EF4-FFF2-40B4-BE49-F238E27FC236}">
-                <a16:creationId xmlns:a16="http://schemas.microsoft.com/office/drawing/2014/main" xmlns="" id="{A836F51A-49C9-4828-B545-635D6852EDFF}"/>
+                <a16:creationId xmlns="" xmlns:a16="http://schemas.microsoft.com/office/drawing/2014/main" id="{A836F51A-49C9-4828-B545-635D6852EDFF}"/>
               </a:ext>
             </a:extLst>
           </p:cNvPr>
@@ -951,7 +953,7 @@
           <p:cNvPr id="6" name="슬라이드 번호 개체 틀 5">
             <a:extLst>
               <a:ext uri="{FF2B5EF4-FFF2-40B4-BE49-F238E27FC236}">
-                <a16:creationId xmlns:a16="http://schemas.microsoft.com/office/drawing/2014/main" xmlns="" id="{084FEC33-63A6-475D-BDF1-D7FE688E0155}"/>
+                <a16:creationId xmlns="" xmlns:a16="http://schemas.microsoft.com/office/drawing/2014/main" id="{084FEC33-63A6-475D-BDF1-D7FE688E0155}"/>
               </a:ext>
             </a:extLst>
           </p:cNvPr>
@@ -1018,7 +1020,7 @@
           <p:cNvPr id="2" name="제목 1">
             <a:extLst>
               <a:ext uri="{FF2B5EF4-FFF2-40B4-BE49-F238E27FC236}">
-                <a16:creationId xmlns:a16="http://schemas.microsoft.com/office/drawing/2014/main" xmlns="" id="{9CCC29FA-AD36-4C3C-9094-213AE8022957}"/>
+                <a16:creationId xmlns="" xmlns:a16="http://schemas.microsoft.com/office/drawing/2014/main" id="{9CCC29FA-AD36-4C3C-9094-213AE8022957}"/>
               </a:ext>
             </a:extLst>
           </p:cNvPr>
@@ -1047,7 +1049,7 @@
           <p:cNvPr id="3" name="세로 텍스트 개체 틀 2">
             <a:extLst>
               <a:ext uri="{FF2B5EF4-FFF2-40B4-BE49-F238E27FC236}">
-                <a16:creationId xmlns:a16="http://schemas.microsoft.com/office/drawing/2014/main" xmlns="" id="{E26ADB2C-CB0E-4217-8019-A3F673F687BF}"/>
+                <a16:creationId xmlns="" xmlns:a16="http://schemas.microsoft.com/office/drawing/2014/main" id="{E26ADB2C-CB0E-4217-8019-A3F673F687BF}"/>
               </a:ext>
             </a:extLst>
           </p:cNvPr>
@@ -1105,7 +1107,7 @@
           <p:cNvPr id="4" name="날짜 개체 틀 3">
             <a:extLst>
               <a:ext uri="{FF2B5EF4-FFF2-40B4-BE49-F238E27FC236}">
-                <a16:creationId xmlns:a16="http://schemas.microsoft.com/office/drawing/2014/main" xmlns="" id="{979B4C6E-C979-4E76-A3C0-4478D0BBC88A}"/>
+                <a16:creationId xmlns="" xmlns:a16="http://schemas.microsoft.com/office/drawing/2014/main" id="{979B4C6E-C979-4E76-A3C0-4478D0BBC88A}"/>
               </a:ext>
             </a:extLst>
           </p:cNvPr>
@@ -1131,7 +1133,7 @@
           <a:p>
             <a:fld id="{3AADE331-FDB9-45B8-8247-10E54FA6DC10}" type="datetimeFigureOut">
               <a:rPr lang="ko-KR" altLang="en-US" smtClean="0"/>
-              <a:t>2023-10-24</a:t>
+              <a:t>2023-10-25</a:t>
             </a:fld>
             <a:endParaRPr lang="ko-KR" altLang="en-US"/>
           </a:p>
@@ -1142,7 +1144,7 @@
           <p:cNvPr id="5" name="바닥글 개체 틀 4">
             <a:extLst>
               <a:ext uri="{FF2B5EF4-FFF2-40B4-BE49-F238E27FC236}">
-                <a16:creationId xmlns:a16="http://schemas.microsoft.com/office/drawing/2014/main" xmlns="" id="{C1D0EE2A-6BFF-4C49-A0F7-73C3F78F80E6}"/>
+                <a16:creationId xmlns="" xmlns:a16="http://schemas.microsoft.com/office/drawing/2014/main" id="{C1D0EE2A-6BFF-4C49-A0F7-73C3F78F80E6}"/>
               </a:ext>
             </a:extLst>
           </p:cNvPr>
@@ -1175,7 +1177,7 @@
           <p:cNvPr id="6" name="슬라이드 번호 개체 틀 5">
             <a:extLst>
               <a:ext uri="{FF2B5EF4-FFF2-40B4-BE49-F238E27FC236}">
-                <a16:creationId xmlns:a16="http://schemas.microsoft.com/office/drawing/2014/main" xmlns="" id="{26D643DF-5B47-4854-ABE0-9CC63F89A417}"/>
+                <a16:creationId xmlns="" xmlns:a16="http://schemas.microsoft.com/office/drawing/2014/main" id="{26D643DF-5B47-4854-ABE0-9CC63F89A417}"/>
               </a:ext>
             </a:extLst>
           </p:cNvPr>
@@ -1212,7 +1214,7 @@
           <p:cNvPr id="7" name="직사각형 6">
             <a:extLst>
               <a:ext uri="{FF2B5EF4-FFF2-40B4-BE49-F238E27FC236}">
-                <a16:creationId xmlns:a16="http://schemas.microsoft.com/office/drawing/2014/main" xmlns="" id="{C10DBF0A-48F6-485E-8DCA-BBDDD08B9370}"/>
+                <a16:creationId xmlns="" xmlns:a16="http://schemas.microsoft.com/office/drawing/2014/main" id="{C10DBF0A-48F6-485E-8DCA-BBDDD08B9370}"/>
               </a:ext>
             </a:extLst>
           </p:cNvPr>
@@ -1294,7 +1296,7 @@
           <p:cNvPr id="2" name="세로 제목 1">
             <a:extLst>
               <a:ext uri="{FF2B5EF4-FFF2-40B4-BE49-F238E27FC236}">
-                <a16:creationId xmlns:a16="http://schemas.microsoft.com/office/drawing/2014/main" xmlns="" id="{3184E06B-A59A-4762-931F-3E8F26E57F03}"/>
+                <a16:creationId xmlns="" xmlns:a16="http://schemas.microsoft.com/office/drawing/2014/main" id="{3184E06B-A59A-4762-931F-3E8F26E57F03}"/>
               </a:ext>
             </a:extLst>
           </p:cNvPr>
@@ -1328,7 +1330,7 @@
           <p:cNvPr id="3" name="세로 텍스트 개체 틀 2">
             <a:extLst>
               <a:ext uri="{FF2B5EF4-FFF2-40B4-BE49-F238E27FC236}">
-                <a16:creationId xmlns:a16="http://schemas.microsoft.com/office/drawing/2014/main" xmlns="" id="{39159316-0AF9-4294-AC0A-F02A2386D5DE}"/>
+                <a16:creationId xmlns="" xmlns:a16="http://schemas.microsoft.com/office/drawing/2014/main" id="{39159316-0AF9-4294-AC0A-F02A2386D5DE}"/>
               </a:ext>
             </a:extLst>
           </p:cNvPr>
@@ -1391,7 +1393,7 @@
           <p:cNvPr id="4" name="날짜 개체 틀 3">
             <a:extLst>
               <a:ext uri="{FF2B5EF4-FFF2-40B4-BE49-F238E27FC236}">
-                <a16:creationId xmlns:a16="http://schemas.microsoft.com/office/drawing/2014/main" xmlns="" id="{D7A364CE-97BE-4A44-BAE4-6FF6AFD46A9D}"/>
+                <a16:creationId xmlns="" xmlns:a16="http://schemas.microsoft.com/office/drawing/2014/main" id="{D7A364CE-97BE-4A44-BAE4-6FF6AFD46A9D}"/>
               </a:ext>
             </a:extLst>
           </p:cNvPr>
@@ -1417,7 +1419,7 @@
           <a:p>
             <a:fld id="{3AADE331-FDB9-45B8-8247-10E54FA6DC10}" type="datetimeFigureOut">
               <a:rPr lang="ko-KR" altLang="en-US" smtClean="0"/>
-              <a:t>2023-10-24</a:t>
+              <a:t>2023-10-25</a:t>
             </a:fld>
             <a:endParaRPr lang="ko-KR" altLang="en-US"/>
           </a:p>
@@ -1428,7 +1430,7 @@
           <p:cNvPr id="5" name="바닥글 개체 틀 4">
             <a:extLst>
               <a:ext uri="{FF2B5EF4-FFF2-40B4-BE49-F238E27FC236}">
-                <a16:creationId xmlns:a16="http://schemas.microsoft.com/office/drawing/2014/main" xmlns="" id="{6211806D-27E5-45F5-BD64-2516975F9563}"/>
+                <a16:creationId xmlns="" xmlns:a16="http://schemas.microsoft.com/office/drawing/2014/main" id="{6211806D-27E5-45F5-BD64-2516975F9563}"/>
               </a:ext>
             </a:extLst>
           </p:cNvPr>
@@ -1461,7 +1463,7 @@
           <p:cNvPr id="6" name="슬라이드 번호 개체 틀 5">
             <a:extLst>
               <a:ext uri="{FF2B5EF4-FFF2-40B4-BE49-F238E27FC236}">
-                <a16:creationId xmlns:a16="http://schemas.microsoft.com/office/drawing/2014/main" xmlns="" id="{DCC60B8A-481E-4332-929F-777B0E445319}"/>
+                <a16:creationId xmlns="" xmlns:a16="http://schemas.microsoft.com/office/drawing/2014/main" id="{DCC60B8A-481E-4332-929F-777B0E445319}"/>
               </a:ext>
             </a:extLst>
           </p:cNvPr>
@@ -1528,7 +1530,7 @@
           <p:cNvPr id="2" name="제목 1">
             <a:extLst>
               <a:ext uri="{FF2B5EF4-FFF2-40B4-BE49-F238E27FC236}">
-                <a16:creationId xmlns:a16="http://schemas.microsoft.com/office/drawing/2014/main" xmlns="" id="{CD3BD830-BD23-4819-BDFC-85F0EF3C788B}"/>
+                <a16:creationId xmlns="" xmlns:a16="http://schemas.microsoft.com/office/drawing/2014/main" id="{CD3BD830-BD23-4819-BDFC-85F0EF3C788B}"/>
               </a:ext>
             </a:extLst>
           </p:cNvPr>
@@ -1557,7 +1559,7 @@
           <p:cNvPr id="3" name="내용 개체 틀 2">
             <a:extLst>
               <a:ext uri="{FF2B5EF4-FFF2-40B4-BE49-F238E27FC236}">
-                <a16:creationId xmlns:a16="http://schemas.microsoft.com/office/drawing/2014/main" xmlns="" id="{357D60FA-61A3-4435-ABD4-84B24C589429}"/>
+                <a16:creationId xmlns="" xmlns:a16="http://schemas.microsoft.com/office/drawing/2014/main" id="{357D60FA-61A3-4435-ABD4-84B24C589429}"/>
               </a:ext>
             </a:extLst>
           </p:cNvPr>
@@ -1615,7 +1617,7 @@
           <p:cNvPr id="4" name="날짜 개체 틀 3">
             <a:extLst>
               <a:ext uri="{FF2B5EF4-FFF2-40B4-BE49-F238E27FC236}">
-                <a16:creationId xmlns:a16="http://schemas.microsoft.com/office/drawing/2014/main" xmlns="" id="{4CD48281-9EF8-461C-8D7C-C97040A9C4AA}"/>
+                <a16:creationId xmlns="" xmlns:a16="http://schemas.microsoft.com/office/drawing/2014/main" id="{4CD48281-9EF8-461C-8D7C-C97040A9C4AA}"/>
               </a:ext>
             </a:extLst>
           </p:cNvPr>
@@ -1641,7 +1643,7 @@
           <a:p>
             <a:fld id="{3AADE331-FDB9-45B8-8247-10E54FA6DC10}" type="datetimeFigureOut">
               <a:rPr lang="ko-KR" altLang="en-US" smtClean="0"/>
-              <a:t>2023-10-24</a:t>
+              <a:t>2023-10-25</a:t>
             </a:fld>
             <a:endParaRPr lang="ko-KR" altLang="en-US"/>
           </a:p>
@@ -1652,7 +1654,7 @@
           <p:cNvPr id="5" name="바닥글 개체 틀 4">
             <a:extLst>
               <a:ext uri="{FF2B5EF4-FFF2-40B4-BE49-F238E27FC236}">
-                <a16:creationId xmlns:a16="http://schemas.microsoft.com/office/drawing/2014/main" xmlns="" id="{747F96F4-3ED9-4B8C-BF68-37A82AEAC359}"/>
+                <a16:creationId xmlns="" xmlns:a16="http://schemas.microsoft.com/office/drawing/2014/main" id="{747F96F4-3ED9-4B8C-BF68-37A82AEAC359}"/>
               </a:ext>
             </a:extLst>
           </p:cNvPr>
@@ -1685,7 +1687,7 @@
           <p:cNvPr id="6" name="슬라이드 번호 개체 틀 5">
             <a:extLst>
               <a:ext uri="{FF2B5EF4-FFF2-40B4-BE49-F238E27FC236}">
-                <a16:creationId xmlns:a16="http://schemas.microsoft.com/office/drawing/2014/main" xmlns="" id="{C8A8DBBC-B0EA-4B0D-A190-FE74C98864E4}"/>
+                <a16:creationId xmlns="" xmlns:a16="http://schemas.microsoft.com/office/drawing/2014/main" id="{C8A8DBBC-B0EA-4B0D-A190-FE74C98864E4}"/>
               </a:ext>
             </a:extLst>
           </p:cNvPr>
@@ -1722,7 +1724,7 @@
           <p:cNvPr id="7" name="직사각형 6">
             <a:extLst>
               <a:ext uri="{FF2B5EF4-FFF2-40B4-BE49-F238E27FC236}">
-                <a16:creationId xmlns:a16="http://schemas.microsoft.com/office/drawing/2014/main" xmlns="" id="{28932B67-99D3-4139-B6B0-2FFA0D70A876}"/>
+                <a16:creationId xmlns="" xmlns:a16="http://schemas.microsoft.com/office/drawing/2014/main" id="{28932B67-99D3-4139-B6B0-2FFA0D70A876}"/>
               </a:ext>
             </a:extLst>
           </p:cNvPr>
@@ -1804,7 +1806,7 @@
           <p:cNvPr id="2" name="제목 1">
             <a:extLst>
               <a:ext uri="{FF2B5EF4-FFF2-40B4-BE49-F238E27FC236}">
-                <a16:creationId xmlns:a16="http://schemas.microsoft.com/office/drawing/2014/main" xmlns="" id="{CB326E06-3A7D-4CD3-BE4E-080EC1FEDCC0}"/>
+                <a16:creationId xmlns="" xmlns:a16="http://schemas.microsoft.com/office/drawing/2014/main" id="{CB326E06-3A7D-4CD3-BE4E-080EC1FEDCC0}"/>
               </a:ext>
             </a:extLst>
           </p:cNvPr>
@@ -1842,7 +1844,7 @@
           <p:cNvPr id="3" name="텍스트 개체 틀 2">
             <a:extLst>
               <a:ext uri="{FF2B5EF4-FFF2-40B4-BE49-F238E27FC236}">
-                <a16:creationId xmlns:a16="http://schemas.microsoft.com/office/drawing/2014/main" xmlns="" id="{27BABD81-8E7F-4E90-BB1B-79481BF4FB23}"/>
+                <a16:creationId xmlns="" xmlns:a16="http://schemas.microsoft.com/office/drawing/2014/main" id="{27BABD81-8E7F-4E90-BB1B-79481BF4FB23}"/>
               </a:ext>
             </a:extLst>
           </p:cNvPr>
@@ -1967,7 +1969,7 @@
           <p:cNvPr id="4" name="날짜 개체 틀 3">
             <a:extLst>
               <a:ext uri="{FF2B5EF4-FFF2-40B4-BE49-F238E27FC236}">
-                <a16:creationId xmlns:a16="http://schemas.microsoft.com/office/drawing/2014/main" xmlns="" id="{4358EE6A-AD1C-4854-9D2E-F266DC705089}"/>
+                <a16:creationId xmlns="" xmlns:a16="http://schemas.microsoft.com/office/drawing/2014/main" id="{4358EE6A-AD1C-4854-9D2E-F266DC705089}"/>
               </a:ext>
             </a:extLst>
           </p:cNvPr>
@@ -1993,7 +1995,7 @@
           <a:p>
             <a:fld id="{3AADE331-FDB9-45B8-8247-10E54FA6DC10}" type="datetimeFigureOut">
               <a:rPr lang="ko-KR" altLang="en-US" smtClean="0"/>
-              <a:t>2023-10-24</a:t>
+              <a:t>2023-10-25</a:t>
             </a:fld>
             <a:endParaRPr lang="ko-KR" altLang="en-US"/>
           </a:p>
@@ -2004,7 +2006,7 @@
           <p:cNvPr id="5" name="바닥글 개체 틀 4">
             <a:extLst>
               <a:ext uri="{FF2B5EF4-FFF2-40B4-BE49-F238E27FC236}">
-                <a16:creationId xmlns:a16="http://schemas.microsoft.com/office/drawing/2014/main" xmlns="" id="{CEBCE926-1FEA-441F-8B5C-B5850CB5DBA6}"/>
+                <a16:creationId xmlns="" xmlns:a16="http://schemas.microsoft.com/office/drawing/2014/main" id="{CEBCE926-1FEA-441F-8B5C-B5850CB5DBA6}"/>
               </a:ext>
             </a:extLst>
           </p:cNvPr>
@@ -2037,7 +2039,7 @@
           <p:cNvPr id="6" name="슬라이드 번호 개체 틀 5">
             <a:extLst>
               <a:ext uri="{FF2B5EF4-FFF2-40B4-BE49-F238E27FC236}">
-                <a16:creationId xmlns:a16="http://schemas.microsoft.com/office/drawing/2014/main" xmlns="" id="{7FF33A30-5624-43CE-A8A3-BA167384716B}"/>
+                <a16:creationId xmlns="" xmlns:a16="http://schemas.microsoft.com/office/drawing/2014/main" id="{7FF33A30-5624-43CE-A8A3-BA167384716B}"/>
               </a:ext>
             </a:extLst>
           </p:cNvPr>
@@ -2104,7 +2106,7 @@
           <p:cNvPr id="2" name="제목 1">
             <a:extLst>
               <a:ext uri="{FF2B5EF4-FFF2-40B4-BE49-F238E27FC236}">
-                <a16:creationId xmlns:a16="http://schemas.microsoft.com/office/drawing/2014/main" xmlns="" id="{9AA015D0-0863-4A3A-899E-96F4C8ED3680}"/>
+                <a16:creationId xmlns="" xmlns:a16="http://schemas.microsoft.com/office/drawing/2014/main" id="{9AA015D0-0863-4A3A-899E-96F4C8ED3680}"/>
               </a:ext>
             </a:extLst>
           </p:cNvPr>
@@ -2133,7 +2135,7 @@
           <p:cNvPr id="3" name="내용 개체 틀 2">
             <a:extLst>
               <a:ext uri="{FF2B5EF4-FFF2-40B4-BE49-F238E27FC236}">
-                <a16:creationId xmlns:a16="http://schemas.microsoft.com/office/drawing/2014/main" xmlns="" id="{456833A9-E3E3-4B59-A89A-B0661381ADE9}"/>
+                <a16:creationId xmlns="" xmlns:a16="http://schemas.microsoft.com/office/drawing/2014/main" id="{456833A9-E3E3-4B59-A89A-B0661381ADE9}"/>
               </a:ext>
             </a:extLst>
           </p:cNvPr>
@@ -2196,7 +2198,7 @@
           <p:cNvPr id="4" name="내용 개체 틀 3">
             <a:extLst>
               <a:ext uri="{FF2B5EF4-FFF2-40B4-BE49-F238E27FC236}">
-                <a16:creationId xmlns:a16="http://schemas.microsoft.com/office/drawing/2014/main" xmlns="" id="{06149019-0CCB-4692-BBF1-E6D94E46B9E3}"/>
+                <a16:creationId xmlns="" xmlns:a16="http://schemas.microsoft.com/office/drawing/2014/main" id="{06149019-0CCB-4692-BBF1-E6D94E46B9E3}"/>
               </a:ext>
             </a:extLst>
           </p:cNvPr>
@@ -2259,7 +2261,7 @@
           <p:cNvPr id="5" name="날짜 개체 틀 4">
             <a:extLst>
               <a:ext uri="{FF2B5EF4-FFF2-40B4-BE49-F238E27FC236}">
-                <a16:creationId xmlns:a16="http://schemas.microsoft.com/office/drawing/2014/main" xmlns="" id="{1EE2CB57-8B99-4237-B73E-C73822305EFB}"/>
+                <a16:creationId xmlns="" xmlns:a16="http://schemas.microsoft.com/office/drawing/2014/main" id="{1EE2CB57-8B99-4237-B73E-C73822305EFB}"/>
               </a:ext>
             </a:extLst>
           </p:cNvPr>
@@ -2285,7 +2287,7 @@
           <a:p>
             <a:fld id="{3AADE331-FDB9-45B8-8247-10E54FA6DC10}" type="datetimeFigureOut">
               <a:rPr lang="ko-KR" altLang="en-US" smtClean="0"/>
-              <a:t>2023-10-24</a:t>
+              <a:t>2023-10-25</a:t>
             </a:fld>
             <a:endParaRPr lang="ko-KR" altLang="en-US"/>
           </a:p>
@@ -2296,7 +2298,7 @@
           <p:cNvPr id="6" name="바닥글 개체 틀 5">
             <a:extLst>
               <a:ext uri="{FF2B5EF4-FFF2-40B4-BE49-F238E27FC236}">
-                <a16:creationId xmlns:a16="http://schemas.microsoft.com/office/drawing/2014/main" xmlns="" id="{DE8BAE9E-9B49-4095-87D2-CDC182193CDA}"/>
+                <a16:creationId xmlns="" xmlns:a16="http://schemas.microsoft.com/office/drawing/2014/main" id="{DE8BAE9E-9B49-4095-87D2-CDC182193CDA}"/>
               </a:ext>
             </a:extLst>
           </p:cNvPr>
@@ -2329,7 +2331,7 @@
           <p:cNvPr id="8" name="직사각형 7">
             <a:extLst>
               <a:ext uri="{FF2B5EF4-FFF2-40B4-BE49-F238E27FC236}">
-                <a16:creationId xmlns:a16="http://schemas.microsoft.com/office/drawing/2014/main" xmlns="" id="{987A4F9B-09D7-4DD9-8CC5-458FC815FD97}"/>
+                <a16:creationId xmlns="" xmlns:a16="http://schemas.microsoft.com/office/drawing/2014/main" id="{987A4F9B-09D7-4DD9-8CC5-458FC815FD97}"/>
               </a:ext>
             </a:extLst>
           </p:cNvPr>
@@ -2411,7 +2413,7 @@
           <p:cNvPr id="2" name="제목 1">
             <a:extLst>
               <a:ext uri="{FF2B5EF4-FFF2-40B4-BE49-F238E27FC236}">
-                <a16:creationId xmlns:a16="http://schemas.microsoft.com/office/drawing/2014/main" xmlns="" id="{8FFD308B-9CB7-4BFD-BD95-CEC50BD38373}"/>
+                <a16:creationId xmlns="" xmlns:a16="http://schemas.microsoft.com/office/drawing/2014/main" id="{8FFD308B-9CB7-4BFD-BD95-CEC50BD38373}"/>
               </a:ext>
             </a:extLst>
           </p:cNvPr>
@@ -2445,7 +2447,7 @@
           <p:cNvPr id="3" name="텍스트 개체 틀 2">
             <a:extLst>
               <a:ext uri="{FF2B5EF4-FFF2-40B4-BE49-F238E27FC236}">
-                <a16:creationId xmlns:a16="http://schemas.microsoft.com/office/drawing/2014/main" xmlns="" id="{413469A8-61DC-4E88-A6C7-B297D71BE465}"/>
+                <a16:creationId xmlns="" xmlns:a16="http://schemas.microsoft.com/office/drawing/2014/main" id="{413469A8-61DC-4E88-A6C7-B297D71BE465}"/>
               </a:ext>
             </a:extLst>
           </p:cNvPr>
@@ -2516,7 +2518,7 @@
           <p:cNvPr id="4" name="내용 개체 틀 3">
             <a:extLst>
               <a:ext uri="{FF2B5EF4-FFF2-40B4-BE49-F238E27FC236}">
-                <a16:creationId xmlns:a16="http://schemas.microsoft.com/office/drawing/2014/main" xmlns="" id="{6F69338B-1C8E-4D34-BB77-AB3D90A7D282}"/>
+                <a16:creationId xmlns="" xmlns:a16="http://schemas.microsoft.com/office/drawing/2014/main" id="{6F69338B-1C8E-4D34-BB77-AB3D90A7D282}"/>
               </a:ext>
             </a:extLst>
           </p:cNvPr>
@@ -2579,7 +2581,7 @@
           <p:cNvPr id="5" name="텍스트 개체 틀 4">
             <a:extLst>
               <a:ext uri="{FF2B5EF4-FFF2-40B4-BE49-F238E27FC236}">
-                <a16:creationId xmlns:a16="http://schemas.microsoft.com/office/drawing/2014/main" xmlns="" id="{60411F8A-1A4B-48F5-8259-6CBE7C7DF054}"/>
+                <a16:creationId xmlns="" xmlns:a16="http://schemas.microsoft.com/office/drawing/2014/main" id="{60411F8A-1A4B-48F5-8259-6CBE7C7DF054}"/>
               </a:ext>
             </a:extLst>
           </p:cNvPr>
@@ -2650,7 +2652,7 @@
           <p:cNvPr id="6" name="내용 개체 틀 5">
             <a:extLst>
               <a:ext uri="{FF2B5EF4-FFF2-40B4-BE49-F238E27FC236}">
-                <a16:creationId xmlns:a16="http://schemas.microsoft.com/office/drawing/2014/main" xmlns="" id="{57E47B02-17C8-4D72-B6FA-2905D310FAE4}"/>
+                <a16:creationId xmlns="" xmlns:a16="http://schemas.microsoft.com/office/drawing/2014/main" id="{57E47B02-17C8-4D72-B6FA-2905D310FAE4}"/>
               </a:ext>
             </a:extLst>
           </p:cNvPr>
@@ -2713,7 +2715,7 @@
           <p:cNvPr id="7" name="날짜 개체 틀 6">
             <a:extLst>
               <a:ext uri="{FF2B5EF4-FFF2-40B4-BE49-F238E27FC236}">
-                <a16:creationId xmlns:a16="http://schemas.microsoft.com/office/drawing/2014/main" xmlns="" id="{495601FE-1253-4F3F-8ACE-20C69046E74B}"/>
+                <a16:creationId xmlns="" xmlns:a16="http://schemas.microsoft.com/office/drawing/2014/main" id="{495601FE-1253-4F3F-8ACE-20C69046E74B}"/>
               </a:ext>
             </a:extLst>
           </p:cNvPr>
@@ -2739,7 +2741,7 @@
           <a:p>
             <a:fld id="{3AADE331-FDB9-45B8-8247-10E54FA6DC10}" type="datetimeFigureOut">
               <a:rPr lang="ko-KR" altLang="en-US" smtClean="0"/>
-              <a:t>2023-10-24</a:t>
+              <a:t>2023-10-25</a:t>
             </a:fld>
             <a:endParaRPr lang="ko-KR" altLang="en-US"/>
           </a:p>
@@ -2750,7 +2752,7 @@
           <p:cNvPr id="8" name="바닥글 개체 틀 7">
             <a:extLst>
               <a:ext uri="{FF2B5EF4-FFF2-40B4-BE49-F238E27FC236}">
-                <a16:creationId xmlns:a16="http://schemas.microsoft.com/office/drawing/2014/main" xmlns="" id="{890BFA76-95C0-401A-9C2A-B398ADFEA5BF}"/>
+                <a16:creationId xmlns="" xmlns:a16="http://schemas.microsoft.com/office/drawing/2014/main" id="{890BFA76-95C0-401A-9C2A-B398ADFEA5BF}"/>
               </a:ext>
             </a:extLst>
           </p:cNvPr>
@@ -2783,7 +2785,7 @@
           <p:cNvPr id="9" name="슬라이드 번호 개체 틀 8">
             <a:extLst>
               <a:ext uri="{FF2B5EF4-FFF2-40B4-BE49-F238E27FC236}">
-                <a16:creationId xmlns:a16="http://schemas.microsoft.com/office/drawing/2014/main" xmlns="" id="{346269C6-3AAA-4D0D-AA98-A100A6EE14B7}"/>
+                <a16:creationId xmlns="" xmlns:a16="http://schemas.microsoft.com/office/drawing/2014/main" id="{346269C6-3AAA-4D0D-AA98-A100A6EE14B7}"/>
               </a:ext>
             </a:extLst>
           </p:cNvPr>
@@ -2820,7 +2822,7 @@
           <p:cNvPr id="10" name="직사각형 9">
             <a:extLst>
               <a:ext uri="{FF2B5EF4-FFF2-40B4-BE49-F238E27FC236}">
-                <a16:creationId xmlns:a16="http://schemas.microsoft.com/office/drawing/2014/main" xmlns="" id="{5FD03D1C-F43A-4DE6-94D1-C82F62D0C498}"/>
+                <a16:creationId xmlns="" xmlns:a16="http://schemas.microsoft.com/office/drawing/2014/main" id="{5FD03D1C-F43A-4DE6-94D1-C82F62D0C498}"/>
               </a:ext>
             </a:extLst>
           </p:cNvPr>
@@ -2904,7 +2906,7 @@
           <p:cNvPr id="2" name="제목 1">
             <a:extLst>
               <a:ext uri="{FF2B5EF4-FFF2-40B4-BE49-F238E27FC236}">
-                <a16:creationId xmlns:a16="http://schemas.microsoft.com/office/drawing/2014/main" xmlns="" id="{BA7B8E47-7CCB-4BA2-8BEC-FBEB99B520D8}"/>
+                <a16:creationId xmlns="" xmlns:a16="http://schemas.microsoft.com/office/drawing/2014/main" id="{BA7B8E47-7CCB-4BA2-8BEC-FBEB99B520D8}"/>
               </a:ext>
             </a:extLst>
           </p:cNvPr>
@@ -2933,7 +2935,7 @@
           <p:cNvPr id="3" name="날짜 개체 틀 2">
             <a:extLst>
               <a:ext uri="{FF2B5EF4-FFF2-40B4-BE49-F238E27FC236}">
-                <a16:creationId xmlns:a16="http://schemas.microsoft.com/office/drawing/2014/main" xmlns="" id="{3106C2AA-2091-457A-80D3-1641FE90EFEE}"/>
+                <a16:creationId xmlns="" xmlns:a16="http://schemas.microsoft.com/office/drawing/2014/main" id="{3106C2AA-2091-457A-80D3-1641FE90EFEE}"/>
               </a:ext>
             </a:extLst>
           </p:cNvPr>
@@ -2959,7 +2961,7 @@
           <a:p>
             <a:fld id="{3AADE331-FDB9-45B8-8247-10E54FA6DC10}" type="datetimeFigureOut">
               <a:rPr lang="ko-KR" altLang="en-US" smtClean="0"/>
-              <a:t>2023-10-24</a:t>
+              <a:t>2023-10-25</a:t>
             </a:fld>
             <a:endParaRPr lang="ko-KR" altLang="en-US"/>
           </a:p>
@@ -2970,7 +2972,7 @@
           <p:cNvPr id="4" name="바닥글 개체 틀 3">
             <a:extLst>
               <a:ext uri="{FF2B5EF4-FFF2-40B4-BE49-F238E27FC236}">
-                <a16:creationId xmlns:a16="http://schemas.microsoft.com/office/drawing/2014/main" xmlns="" id="{44A9E256-593A-4421-A02B-1CD54051514D}"/>
+                <a16:creationId xmlns="" xmlns:a16="http://schemas.microsoft.com/office/drawing/2014/main" id="{44A9E256-593A-4421-A02B-1CD54051514D}"/>
               </a:ext>
             </a:extLst>
           </p:cNvPr>
@@ -3003,7 +3005,7 @@
           <p:cNvPr id="5" name="슬라이드 번호 개체 틀 4">
             <a:extLst>
               <a:ext uri="{FF2B5EF4-FFF2-40B4-BE49-F238E27FC236}">
-                <a16:creationId xmlns:a16="http://schemas.microsoft.com/office/drawing/2014/main" xmlns="" id="{373B2086-90FF-41AE-8B21-77848F24876F}"/>
+                <a16:creationId xmlns="" xmlns:a16="http://schemas.microsoft.com/office/drawing/2014/main" id="{373B2086-90FF-41AE-8B21-77848F24876F}"/>
               </a:ext>
             </a:extLst>
           </p:cNvPr>
@@ -3040,7 +3042,7 @@
           <p:cNvPr id="6" name="직사각형 5">
             <a:extLst>
               <a:ext uri="{FF2B5EF4-FFF2-40B4-BE49-F238E27FC236}">
-                <a16:creationId xmlns:a16="http://schemas.microsoft.com/office/drawing/2014/main" xmlns="" id="{9688C2C3-A621-4701-8C14-73CEC30FA59D}"/>
+                <a16:creationId xmlns="" xmlns:a16="http://schemas.microsoft.com/office/drawing/2014/main" id="{9688C2C3-A621-4701-8C14-73CEC30FA59D}"/>
               </a:ext>
             </a:extLst>
           </p:cNvPr>
@@ -3122,7 +3124,7 @@
           <p:cNvPr id="2" name="날짜 개체 틀 1">
             <a:extLst>
               <a:ext uri="{FF2B5EF4-FFF2-40B4-BE49-F238E27FC236}">
-                <a16:creationId xmlns:a16="http://schemas.microsoft.com/office/drawing/2014/main" xmlns="" id="{94802A7D-0180-4B0D-A685-2CE628D6CE71}"/>
+                <a16:creationId xmlns="" xmlns:a16="http://schemas.microsoft.com/office/drawing/2014/main" id="{94802A7D-0180-4B0D-A685-2CE628D6CE71}"/>
               </a:ext>
             </a:extLst>
           </p:cNvPr>
@@ -3148,7 +3150,7 @@
           <a:p>
             <a:fld id="{3AADE331-FDB9-45B8-8247-10E54FA6DC10}" type="datetimeFigureOut">
               <a:rPr lang="ko-KR" altLang="en-US" smtClean="0"/>
-              <a:t>2023-10-24</a:t>
+              <a:t>2023-10-25</a:t>
             </a:fld>
             <a:endParaRPr lang="ko-KR" altLang="en-US"/>
           </a:p>
@@ -3159,7 +3161,7 @@
           <p:cNvPr id="3" name="바닥글 개체 틀 2">
             <a:extLst>
               <a:ext uri="{FF2B5EF4-FFF2-40B4-BE49-F238E27FC236}">
-                <a16:creationId xmlns:a16="http://schemas.microsoft.com/office/drawing/2014/main" xmlns="" id="{6A4D9FC9-8150-42D9-B2CD-B3DE0A81C12F}"/>
+                <a16:creationId xmlns="" xmlns:a16="http://schemas.microsoft.com/office/drawing/2014/main" id="{6A4D9FC9-8150-42D9-B2CD-B3DE0A81C12F}"/>
               </a:ext>
             </a:extLst>
           </p:cNvPr>
@@ -3192,7 +3194,7 @@
           <p:cNvPr id="4" name="슬라이드 번호 개체 틀 3">
             <a:extLst>
               <a:ext uri="{FF2B5EF4-FFF2-40B4-BE49-F238E27FC236}">
-                <a16:creationId xmlns:a16="http://schemas.microsoft.com/office/drawing/2014/main" xmlns="" id="{27A030E6-7A2C-4679-8A35-FCC6FE4A2C58}"/>
+                <a16:creationId xmlns="" xmlns:a16="http://schemas.microsoft.com/office/drawing/2014/main" id="{27A030E6-7A2C-4679-8A35-FCC6FE4A2C58}"/>
               </a:ext>
             </a:extLst>
           </p:cNvPr>
@@ -3259,7 +3261,7 @@
           <p:cNvPr id="2" name="제목 1">
             <a:extLst>
               <a:ext uri="{FF2B5EF4-FFF2-40B4-BE49-F238E27FC236}">
-                <a16:creationId xmlns:a16="http://schemas.microsoft.com/office/drawing/2014/main" xmlns="" id="{4D6EFA30-CDF6-4E9B-9492-3FFB38E9EB1A}"/>
+                <a16:creationId xmlns="" xmlns:a16="http://schemas.microsoft.com/office/drawing/2014/main" id="{4D6EFA30-CDF6-4E9B-9492-3FFB38E9EB1A}"/>
               </a:ext>
             </a:extLst>
           </p:cNvPr>
@@ -3297,7 +3299,7 @@
           <p:cNvPr id="3" name="내용 개체 틀 2">
             <a:extLst>
               <a:ext uri="{FF2B5EF4-FFF2-40B4-BE49-F238E27FC236}">
-                <a16:creationId xmlns:a16="http://schemas.microsoft.com/office/drawing/2014/main" xmlns="" id="{36586A65-384B-430B-8AB5-7D69DC786F8D}"/>
+                <a16:creationId xmlns="" xmlns:a16="http://schemas.microsoft.com/office/drawing/2014/main" id="{36586A65-384B-430B-8AB5-7D69DC786F8D}"/>
               </a:ext>
             </a:extLst>
           </p:cNvPr>
@@ -3388,7 +3390,7 @@
           <p:cNvPr id="4" name="텍스트 개체 틀 3">
             <a:extLst>
               <a:ext uri="{FF2B5EF4-FFF2-40B4-BE49-F238E27FC236}">
-                <a16:creationId xmlns:a16="http://schemas.microsoft.com/office/drawing/2014/main" xmlns="" id="{559A1A60-118C-4992-9A8C-ED79136D9159}"/>
+                <a16:creationId xmlns="" xmlns:a16="http://schemas.microsoft.com/office/drawing/2014/main" id="{559A1A60-118C-4992-9A8C-ED79136D9159}"/>
               </a:ext>
             </a:extLst>
           </p:cNvPr>
@@ -3459,7 +3461,7 @@
           <p:cNvPr id="5" name="날짜 개체 틀 4">
             <a:extLst>
               <a:ext uri="{FF2B5EF4-FFF2-40B4-BE49-F238E27FC236}">
-                <a16:creationId xmlns:a16="http://schemas.microsoft.com/office/drawing/2014/main" xmlns="" id="{CA4E95FF-B4A5-4DE4-A532-6059FFFC1585}"/>
+                <a16:creationId xmlns="" xmlns:a16="http://schemas.microsoft.com/office/drawing/2014/main" id="{CA4E95FF-B4A5-4DE4-A532-6059FFFC1585}"/>
               </a:ext>
             </a:extLst>
           </p:cNvPr>
@@ -3485,7 +3487,7 @@
           <a:p>
             <a:fld id="{3AADE331-FDB9-45B8-8247-10E54FA6DC10}" type="datetimeFigureOut">
               <a:rPr lang="ko-KR" altLang="en-US" smtClean="0"/>
-              <a:t>2023-10-24</a:t>
+              <a:t>2023-10-25</a:t>
             </a:fld>
             <a:endParaRPr lang="ko-KR" altLang="en-US"/>
           </a:p>
@@ -3496,7 +3498,7 @@
           <p:cNvPr id="6" name="바닥글 개체 틀 5">
             <a:extLst>
               <a:ext uri="{FF2B5EF4-FFF2-40B4-BE49-F238E27FC236}">
-                <a16:creationId xmlns:a16="http://schemas.microsoft.com/office/drawing/2014/main" xmlns="" id="{AB4F53A0-BA53-4A0E-A7D0-56BAD70284FA}"/>
+                <a16:creationId xmlns="" xmlns:a16="http://schemas.microsoft.com/office/drawing/2014/main" id="{AB4F53A0-BA53-4A0E-A7D0-56BAD70284FA}"/>
               </a:ext>
             </a:extLst>
           </p:cNvPr>
@@ -3529,7 +3531,7 @@
           <p:cNvPr id="7" name="슬라이드 번호 개체 틀 6">
             <a:extLst>
               <a:ext uri="{FF2B5EF4-FFF2-40B4-BE49-F238E27FC236}">
-                <a16:creationId xmlns:a16="http://schemas.microsoft.com/office/drawing/2014/main" xmlns="" id="{9C168F3E-0B40-497E-99D8-8B77D3BC3DD3}"/>
+                <a16:creationId xmlns="" xmlns:a16="http://schemas.microsoft.com/office/drawing/2014/main" id="{9C168F3E-0B40-497E-99D8-8B77D3BC3DD3}"/>
               </a:ext>
             </a:extLst>
           </p:cNvPr>
@@ -3596,7 +3598,7 @@
           <p:cNvPr id="2" name="제목 1">
             <a:extLst>
               <a:ext uri="{FF2B5EF4-FFF2-40B4-BE49-F238E27FC236}">
-                <a16:creationId xmlns:a16="http://schemas.microsoft.com/office/drawing/2014/main" xmlns="" id="{4F130DD0-184A-4DDF-943F-11E436B86507}"/>
+                <a16:creationId xmlns="" xmlns:a16="http://schemas.microsoft.com/office/drawing/2014/main" id="{4F130DD0-184A-4DDF-943F-11E436B86507}"/>
               </a:ext>
             </a:extLst>
           </p:cNvPr>
@@ -3634,7 +3636,7 @@
           <p:cNvPr id="3" name="그림 개체 틀 2">
             <a:extLst>
               <a:ext uri="{FF2B5EF4-FFF2-40B4-BE49-F238E27FC236}">
-                <a16:creationId xmlns:a16="http://schemas.microsoft.com/office/drawing/2014/main" xmlns="" id="{B62E53E7-05DB-4205-A660-4132EB3AAE46}"/>
+                <a16:creationId xmlns="" xmlns:a16="http://schemas.microsoft.com/office/drawing/2014/main" id="{B62E53E7-05DB-4205-A660-4132EB3AAE46}"/>
               </a:ext>
             </a:extLst>
           </p:cNvPr>
@@ -3705,7 +3707,7 @@
           <p:cNvPr id="4" name="텍스트 개체 틀 3">
             <a:extLst>
               <a:ext uri="{FF2B5EF4-FFF2-40B4-BE49-F238E27FC236}">
-                <a16:creationId xmlns:a16="http://schemas.microsoft.com/office/drawing/2014/main" xmlns="" id="{AF424894-9E1D-4758-8974-428F655AF7A0}"/>
+                <a16:creationId xmlns="" xmlns:a16="http://schemas.microsoft.com/office/drawing/2014/main" id="{AF424894-9E1D-4758-8974-428F655AF7A0}"/>
               </a:ext>
             </a:extLst>
           </p:cNvPr>
@@ -3776,7 +3778,7 @@
           <p:cNvPr id="5" name="날짜 개체 틀 4">
             <a:extLst>
               <a:ext uri="{FF2B5EF4-FFF2-40B4-BE49-F238E27FC236}">
-                <a16:creationId xmlns:a16="http://schemas.microsoft.com/office/drawing/2014/main" xmlns="" id="{1E8E60CB-D975-4F6A-9F8E-1A65D8EA932F}"/>
+                <a16:creationId xmlns="" xmlns:a16="http://schemas.microsoft.com/office/drawing/2014/main" id="{1E8E60CB-D975-4F6A-9F8E-1A65D8EA932F}"/>
               </a:ext>
             </a:extLst>
           </p:cNvPr>
@@ -3802,7 +3804,7 @@
           <a:p>
             <a:fld id="{3AADE331-FDB9-45B8-8247-10E54FA6DC10}" type="datetimeFigureOut">
               <a:rPr lang="ko-KR" altLang="en-US" smtClean="0"/>
-              <a:t>2023-10-24</a:t>
+              <a:t>2023-10-25</a:t>
             </a:fld>
             <a:endParaRPr lang="ko-KR" altLang="en-US"/>
           </a:p>
@@ -3813,7 +3815,7 @@
           <p:cNvPr id="6" name="바닥글 개체 틀 5">
             <a:extLst>
               <a:ext uri="{FF2B5EF4-FFF2-40B4-BE49-F238E27FC236}">
-                <a16:creationId xmlns:a16="http://schemas.microsoft.com/office/drawing/2014/main" xmlns="" id="{EC1F0167-24B3-4FC1-B2C3-3A5D3A1A32F1}"/>
+                <a16:creationId xmlns="" xmlns:a16="http://schemas.microsoft.com/office/drawing/2014/main" id="{EC1F0167-24B3-4FC1-B2C3-3A5D3A1A32F1}"/>
               </a:ext>
             </a:extLst>
           </p:cNvPr>
@@ -3846,7 +3848,7 @@
           <p:cNvPr id="7" name="슬라이드 번호 개체 틀 6">
             <a:extLst>
               <a:ext uri="{FF2B5EF4-FFF2-40B4-BE49-F238E27FC236}">
-                <a16:creationId xmlns:a16="http://schemas.microsoft.com/office/drawing/2014/main" xmlns="" id="{B63F048A-E048-4EAE-A7B4-94F8E5541109}"/>
+                <a16:creationId xmlns="" xmlns:a16="http://schemas.microsoft.com/office/drawing/2014/main" id="{B63F048A-E048-4EAE-A7B4-94F8E5541109}"/>
               </a:ext>
             </a:extLst>
           </p:cNvPr>
@@ -3921,7 +3923,7 @@
           <p:cNvPr id="2" name="제목 개체 틀 1">
             <a:extLst>
               <a:ext uri="{FF2B5EF4-FFF2-40B4-BE49-F238E27FC236}">
-                <a16:creationId xmlns:a16="http://schemas.microsoft.com/office/drawing/2014/main" xmlns="" id="{7B3A24ED-CC85-4A97-850F-EE8BA5FF35C5}"/>
+                <a16:creationId xmlns="" xmlns:a16="http://schemas.microsoft.com/office/drawing/2014/main" id="{7B3A24ED-CC85-4A97-850F-EE8BA5FF35C5}"/>
               </a:ext>
             </a:extLst>
           </p:cNvPr>
@@ -3959,7 +3961,7 @@
           <p:cNvPr id="3" name="텍스트 개체 틀 2">
             <a:extLst>
               <a:ext uri="{FF2B5EF4-FFF2-40B4-BE49-F238E27FC236}">
-                <a16:creationId xmlns:a16="http://schemas.microsoft.com/office/drawing/2014/main" xmlns="" id="{CF553279-0F18-49E9-BB07-5D230CCAB303}"/>
+                <a16:creationId xmlns="" xmlns:a16="http://schemas.microsoft.com/office/drawing/2014/main" id="{CF553279-0F18-49E9-BB07-5D230CCAB303}"/>
               </a:ext>
             </a:extLst>
           </p:cNvPr>
@@ -4026,7 +4028,7 @@
           <p:cNvPr id="6" name="TextBox 5">
             <a:extLst>
               <a:ext uri="{FF2B5EF4-FFF2-40B4-BE49-F238E27FC236}">
-                <a16:creationId xmlns:a16="http://schemas.microsoft.com/office/drawing/2014/main" xmlns="" id="{7D8A9AFB-E82F-4E6E-AA64-B6D475202942}"/>
+                <a16:creationId xmlns="" xmlns:a16="http://schemas.microsoft.com/office/drawing/2014/main" id="{7D8A9AFB-E82F-4E6E-AA64-B6D475202942}"/>
               </a:ext>
             </a:extLst>
           </p:cNvPr>
@@ -4094,7 +4096,7 @@
           <p:cNvPr id="5" name="그림 4">
             <a:extLst>
               <a:ext uri="{FF2B5EF4-FFF2-40B4-BE49-F238E27FC236}">
-                <a16:creationId xmlns:a16="http://schemas.microsoft.com/office/drawing/2014/main" xmlns="" id="{5C5B17E3-10BE-48A4-B466-AC29018345F4}"/>
+                <a16:creationId xmlns="" xmlns:a16="http://schemas.microsoft.com/office/drawing/2014/main" id="{5C5B17E3-10BE-48A4-B466-AC29018345F4}"/>
               </a:ext>
             </a:extLst>
           </p:cNvPr>
@@ -4563,7 +4565,7 @@
           <a:p>
             <a:r>
               <a:rPr lang="en-US" altLang="ko-KR" dirty="0" smtClean="0"/>
-              <a:t>Modify Page</a:t>
+              <a:t>Register Page</a:t>
             </a:r>
             <a:endParaRPr lang="ko-KR" altLang="en-US" dirty="0"/>
           </a:p>
@@ -4577,8 +4579,8 @@
         </p:nvSpPr>
         <p:spPr>
           <a:xfrm>
-            <a:off x="502574" y="2087599"/>
-            <a:ext cx="5487785" cy="2531783"/>
+            <a:off x="510581" y="2318270"/>
+            <a:ext cx="5554286" cy="2116285"/>
           </a:xfrm>
           <a:prstGeom prst="rect">
             <a:avLst/>
@@ -4603,8 +4605,675 @@
                 </a:solidFill>
                 <a:ea typeface="배달의민족 한나는 열한살" panose="020B0600000101010101"/>
               </a:rPr>
+              <a:t>Register </a:t>
+            </a:r>
+            <a:r>
+              <a:rPr lang="en-US" altLang="ko-KR" dirty="0">
+                <a:solidFill>
+                  <a:schemeClr val="bg1"/>
+                </a:solidFill>
+                <a:ea typeface="배달의민족 한나는 열한살" panose="020B0600000101010101"/>
+              </a:rPr>
+              <a:t>Page</a:t>
+            </a:r>
+            <a:r>
+              <a:rPr lang="ko-KR" altLang="en-US" dirty="0">
+                <a:solidFill>
+                  <a:schemeClr val="bg1"/>
+                </a:solidFill>
+                <a:ea typeface="배달의민족 한나는 열한살" panose="020B0600000101010101"/>
+              </a:rPr>
+              <a:t>를 불러오기 위해 </a:t>
+            </a:r>
+            <a:r>
+              <a:rPr lang="en-US" altLang="ko-KR" dirty="0" err="1" smtClean="0">
+                <a:solidFill>
+                  <a:schemeClr val="bg1"/>
+                </a:solidFill>
+                <a:ea typeface="배달의민족 한나는 열한살" panose="020B0600000101010101"/>
+              </a:rPr>
+              <a:t>ModelAndView</a:t>
+            </a:r>
+            <a:r>
+              <a:rPr lang="ko-KR" altLang="en-US" dirty="0">
+                <a:solidFill>
+                  <a:schemeClr val="bg1"/>
+                </a:solidFill>
+                <a:ea typeface="배달의민족 한나는 열한살" panose="020B0600000101010101"/>
+              </a:rPr>
+              <a:t>를 </a:t>
+            </a:r>
+            <a:r>
+              <a:rPr lang="en-US" altLang="ko-KR" dirty="0" smtClean="0">
+                <a:solidFill>
+                  <a:schemeClr val="bg1"/>
+                </a:solidFill>
+                <a:ea typeface="배달의민족 한나는 열한살" panose="020B0600000101010101"/>
+              </a:rPr>
+              <a:t/>
+            </a:r>
+            <a:br>
+              <a:rPr lang="en-US" altLang="ko-KR" dirty="0" smtClean="0">
+                <a:solidFill>
+                  <a:schemeClr val="bg1"/>
+                </a:solidFill>
+                <a:ea typeface="배달의민족 한나는 열한살" panose="020B0600000101010101"/>
+              </a:rPr>
+            </a:br>
+            <a:r>
+              <a:rPr lang="ko-KR" altLang="en-US" dirty="0" smtClean="0">
+                <a:solidFill>
+                  <a:schemeClr val="bg1"/>
+                </a:solidFill>
+                <a:ea typeface="배달의민족 한나는 열한살" panose="020B0600000101010101"/>
+              </a:rPr>
+              <a:t>사용하여 </a:t>
+            </a:r>
+            <a:r>
+              <a:rPr lang="en-US" altLang="ko-KR" dirty="0" err="1" smtClean="0">
+                <a:solidFill>
+                  <a:schemeClr val="bg1"/>
+                </a:solidFill>
+                <a:ea typeface="배달의민족 한나는 열한살" panose="020B0600000101010101"/>
+              </a:rPr>
+              <a:t>register.jsp</a:t>
+            </a:r>
+            <a:r>
+              <a:rPr lang="ko-KR" altLang="en-US" dirty="0">
+                <a:solidFill>
+                  <a:schemeClr val="bg1"/>
+                </a:solidFill>
+                <a:ea typeface="배달의민족 한나는 열한살" panose="020B0600000101010101"/>
+              </a:rPr>
+              <a:t>를 </a:t>
+            </a:r>
+            <a:r>
+              <a:rPr lang="ko-KR" altLang="en-US" dirty="0" smtClean="0">
+                <a:solidFill>
+                  <a:schemeClr val="bg1"/>
+                </a:solidFill>
+                <a:ea typeface="배달의민족 한나는 열한살" panose="020B0600000101010101"/>
+              </a:rPr>
+              <a:t>불러왔습니다</a:t>
+            </a:r>
+            <a:r>
+              <a:rPr lang="en-US" altLang="ko-KR" dirty="0" smtClean="0">
+                <a:solidFill>
+                  <a:schemeClr val="bg1"/>
+                </a:solidFill>
+                <a:ea typeface="배달의민족 한나는 열한살" panose="020B0600000101010101"/>
+              </a:rPr>
+              <a:t>.</a:t>
+            </a:r>
+            <a:endParaRPr lang="en-US" altLang="ko-KR" dirty="0">
+              <a:solidFill>
+                <a:schemeClr val="bg1"/>
+              </a:solidFill>
+              <a:ea typeface="배달의민족 한나는 열한살" panose="020B0600000101010101"/>
+            </a:endParaRPr>
+          </a:p>
+          <a:p>
+            <a:pPr>
+              <a:lnSpc>
+                <a:spcPct val="150000"/>
+              </a:lnSpc>
+            </a:pPr>
+            <a:endParaRPr lang="en-US" altLang="ko-KR" dirty="0">
+              <a:solidFill>
+                <a:schemeClr val="bg1"/>
+              </a:solidFill>
+              <a:ea typeface="배달의민족 한나는 열한살" panose="020B0600000101010101"/>
+            </a:endParaRPr>
+          </a:p>
+          <a:p>
+            <a:pPr>
+              <a:lnSpc>
+                <a:spcPct val="150000"/>
+              </a:lnSpc>
+            </a:pPr>
+            <a:r>
+              <a:rPr lang="ko-KR" altLang="en-US" dirty="0" smtClean="0">
+                <a:solidFill>
+                  <a:schemeClr val="bg1"/>
+                </a:solidFill>
+                <a:ea typeface="배달의민족 한나는 열한살" panose="020B0600000101010101"/>
+              </a:rPr>
+              <a:t>데이터를 서버에 </a:t>
+            </a:r>
+            <a:r>
+              <a:rPr lang="ko-KR" altLang="en-US" dirty="0" err="1" smtClean="0">
+                <a:solidFill>
+                  <a:schemeClr val="bg1"/>
+                </a:solidFill>
+                <a:ea typeface="배달의민족 한나는 열한살" panose="020B0600000101010101"/>
+              </a:rPr>
+              <a:t>넘기기위해</a:t>
+            </a:r>
+            <a:r>
+              <a:rPr lang="ko-KR" altLang="en-US" dirty="0" smtClean="0">
+                <a:solidFill>
+                  <a:schemeClr val="bg1"/>
+                </a:solidFill>
+                <a:ea typeface="배달의민족 한나는 열한살" panose="020B0600000101010101"/>
+              </a:rPr>
+              <a:t> </a:t>
+            </a:r>
+            <a:r>
+              <a:rPr lang="en-US" altLang="ko-KR" dirty="0" smtClean="0">
+                <a:solidFill>
+                  <a:schemeClr val="bg1"/>
+                </a:solidFill>
+                <a:ea typeface="배달의민족 한나는 열한살" panose="020B0600000101010101"/>
+              </a:rPr>
+              <a:t>Post</a:t>
+            </a:r>
+            <a:r>
+              <a:rPr lang="ko-KR" altLang="en-US" dirty="0" smtClean="0">
+                <a:solidFill>
+                  <a:schemeClr val="bg1"/>
+                </a:solidFill>
+                <a:ea typeface="배달의민족 한나는 열한살" panose="020B0600000101010101"/>
+              </a:rPr>
+              <a:t>를 사용하여</a:t>
+            </a:r>
+            <a:r>
+              <a:rPr lang="en-US" altLang="ko-KR" dirty="0" smtClean="0">
+                <a:solidFill>
+                  <a:schemeClr val="bg1"/>
+                </a:solidFill>
+                <a:ea typeface="배달의민족 한나는 열한살" panose="020B0600000101010101"/>
+              </a:rPr>
+              <a:t/>
+            </a:r>
+            <a:br>
+              <a:rPr lang="en-US" altLang="ko-KR" dirty="0" smtClean="0">
+                <a:solidFill>
+                  <a:schemeClr val="bg1"/>
+                </a:solidFill>
+                <a:ea typeface="배달의민족 한나는 열한살" panose="020B0600000101010101"/>
+              </a:rPr>
+            </a:br>
+            <a:r>
+              <a:rPr lang="en-US" altLang="ko-KR" dirty="0" smtClean="0">
+                <a:solidFill>
+                  <a:schemeClr val="bg1"/>
+                </a:solidFill>
+                <a:ea typeface="배달의민족 한나는 열한살" panose="020B0600000101010101"/>
+              </a:rPr>
+              <a:t>board </a:t>
+            </a:r>
+            <a:r>
+              <a:rPr lang="ko-KR" altLang="en-US" dirty="0" smtClean="0">
+                <a:solidFill>
+                  <a:schemeClr val="bg1"/>
+                </a:solidFill>
+                <a:ea typeface="배달의민족 한나는 열한살" panose="020B0600000101010101"/>
+              </a:rPr>
+              <a:t>데이터를 넘겼습니다</a:t>
+            </a:r>
+            <a:r>
+              <a:rPr lang="en-US" altLang="ko-KR" dirty="0" smtClean="0">
+                <a:solidFill>
+                  <a:schemeClr val="bg1"/>
+                </a:solidFill>
+                <a:ea typeface="배달의민족 한나는 열한살" panose="020B0600000101010101"/>
+              </a:rPr>
+              <a:t>.</a:t>
+            </a:r>
+            <a:endParaRPr lang="en-US" altLang="ko-KR" dirty="0">
+              <a:solidFill>
+                <a:schemeClr val="bg1"/>
+              </a:solidFill>
+              <a:ea typeface="배달의민족 한나는 열한살" panose="020B0600000101010101"/>
+            </a:endParaRPr>
+          </a:p>
+        </p:txBody>
+      </p:sp>
+      <p:pic>
+        <p:nvPicPr>
+          <p:cNvPr id="8" name="그림 7"/>
+          <p:cNvPicPr>
+            <a:picLocks noChangeAspect="1"/>
+          </p:cNvPicPr>
+          <p:nvPr/>
+        </p:nvPicPr>
+        <p:blipFill>
+          <a:blip r:embed="rId2"/>
+          <a:stretch>
+            <a:fillRect/>
+          </a:stretch>
+        </p:blipFill>
+        <p:spPr>
+          <a:xfrm>
+            <a:off x="5737247" y="1206067"/>
+            <a:ext cx="6329681" cy="4064202"/>
+          </a:xfrm>
+          <a:prstGeom prst="rect">
+            <a:avLst/>
+          </a:prstGeom>
+        </p:spPr>
+      </p:pic>
+    </p:spTree>
+    <p:extLst>
+      <p:ext uri="{BB962C8B-B14F-4D97-AF65-F5344CB8AC3E}">
+        <p14:creationId xmlns:p14="http://schemas.microsoft.com/office/powerpoint/2010/main" val="780426907"/>
+      </p:ext>
+    </p:extLst>
+  </p:cSld>
+  <p:clrMapOvr>
+    <a:masterClrMapping/>
+  </p:clrMapOvr>
+  <p:timing>
+    <p:tnLst>
+      <p:par>
+        <p:cTn id="1" dur="indefinite" restart="never" nodeType="tmRoot"/>
+      </p:par>
+    </p:tnLst>
+  </p:timing>
+</p:sld>
+</file>
+
+<file path=ppt/slides/slide11.xml><?xml version="1.0" encoding="utf-8"?>
+<p:sld xmlns:a="http://schemas.openxmlformats.org/drawingml/2006/main" xmlns:r="http://schemas.openxmlformats.org/officeDocument/2006/relationships" xmlns:p="http://schemas.openxmlformats.org/presentationml/2006/main">
+  <p:cSld>
+    <p:spTree>
+      <p:nvGrpSpPr>
+        <p:cNvPr id="1" name=""/>
+        <p:cNvGrpSpPr/>
+        <p:nvPr/>
+      </p:nvGrpSpPr>
+      <p:grpSpPr>
+        <a:xfrm>
+          <a:off x="0" y="0"/>
+          <a:ext cx="0" cy="0"/>
+          <a:chOff x="0" y="0"/>
+          <a:chExt cx="0" cy="0"/>
+        </a:xfrm>
+      </p:grpSpPr>
+      <p:sp>
+        <p:nvSpPr>
+          <p:cNvPr id="2" name="제목 1"/>
+          <p:cNvSpPr>
+            <a:spLocks noGrp="1"/>
+          </p:cNvSpPr>
+          <p:nvPr>
+            <p:ph type="title"/>
+          </p:nvPr>
+        </p:nvSpPr>
+        <p:spPr>
+          <a:xfrm>
+            <a:off x="838200" y="365125"/>
+            <a:ext cx="5678978" cy="1325563"/>
+          </a:xfrm>
+        </p:spPr>
+        <p:txBody>
+          <a:bodyPr/>
+          <a:lstStyle/>
+          <a:p>
+            <a:r>
+              <a:rPr lang="en-US" altLang="ko-KR" dirty="0" smtClean="0"/>
+              <a:t>Detail Page</a:t>
+            </a:r>
+            <a:endParaRPr lang="ko-KR" altLang="en-US" dirty="0"/>
+          </a:p>
+        </p:txBody>
+      </p:sp>
+      <p:sp>
+        <p:nvSpPr>
+          <p:cNvPr id="5" name="TextBox 4"/>
+          <p:cNvSpPr txBox="1"/>
+          <p:nvPr/>
+        </p:nvSpPr>
+        <p:spPr>
+          <a:xfrm>
+            <a:off x="592374" y="1756042"/>
+            <a:ext cx="4834847" cy="2947282"/>
+          </a:xfrm>
+          <a:prstGeom prst="rect">
+            <a:avLst/>
+          </a:prstGeom>
+          <a:noFill/>
+        </p:spPr>
+        <p:txBody>
+          <a:bodyPr wrap="square" rtlCol="0">
+            <a:spAutoFit/>
+          </a:bodyPr>
+          <a:lstStyle/>
+          <a:p>
+            <a:pPr>
+              <a:lnSpc>
+                <a:spcPct val="150000"/>
+              </a:lnSpc>
+            </a:pPr>
+            <a:r>
+              <a:rPr lang="en-US" altLang="ko-KR" dirty="0">
+                <a:solidFill>
+                  <a:schemeClr val="bg1"/>
+                </a:solidFill>
+                <a:ea typeface="배달의민족 한나는 열한살" panose="020B0600000101010101"/>
+              </a:rPr>
+              <a:t>Register Page</a:t>
+            </a:r>
+            <a:r>
+              <a:rPr lang="ko-KR" altLang="en-US" dirty="0">
+                <a:solidFill>
+                  <a:schemeClr val="bg1"/>
+                </a:solidFill>
+                <a:ea typeface="배달의민족 한나는 열한살" panose="020B0600000101010101"/>
+              </a:rPr>
+              <a:t>를 불러오기 위해 </a:t>
+            </a:r>
+            <a:r>
+              <a:rPr lang="en-US" altLang="ko-KR" dirty="0" err="1">
+                <a:solidFill>
+                  <a:schemeClr val="bg1"/>
+                </a:solidFill>
+                <a:ea typeface="배달의민족 한나는 열한살" panose="020B0600000101010101"/>
+              </a:rPr>
+              <a:t>ModelAndView</a:t>
+            </a:r>
+            <a:r>
+              <a:rPr lang="ko-KR" altLang="en-US" dirty="0">
+                <a:solidFill>
+                  <a:schemeClr val="bg1"/>
+                </a:solidFill>
+                <a:ea typeface="배달의민족 한나는 열한살" panose="020B0600000101010101"/>
+              </a:rPr>
+              <a:t>를 </a:t>
+            </a:r>
+            <a:r>
+              <a:rPr lang="ko-KR" altLang="en-US" dirty="0" smtClean="0">
+                <a:solidFill>
+                  <a:schemeClr val="bg1"/>
+                </a:solidFill>
+                <a:ea typeface="배달의민족 한나는 열한살" panose="020B0600000101010101"/>
+              </a:rPr>
+              <a:t>사용하여 </a:t>
+            </a:r>
+            <a:r>
+              <a:rPr lang="en-US" altLang="ko-KR" dirty="0" smtClean="0">
+                <a:solidFill>
+                  <a:schemeClr val="bg1"/>
+                </a:solidFill>
+                <a:ea typeface="배달의민족 한나는 열한살" panose="020B0600000101010101"/>
+              </a:rPr>
+              <a:t/>
+            </a:r>
+            <a:br>
+              <a:rPr lang="en-US" altLang="ko-KR" dirty="0" smtClean="0">
+                <a:solidFill>
+                  <a:schemeClr val="bg1"/>
+                </a:solidFill>
+                <a:ea typeface="배달의민족 한나는 열한살" panose="020B0600000101010101"/>
+              </a:rPr>
+            </a:br>
+            <a:r>
+              <a:rPr lang="en-US" altLang="ko-KR" dirty="0" err="1" smtClean="0">
+                <a:solidFill>
+                  <a:schemeClr val="bg1"/>
+                </a:solidFill>
+                <a:ea typeface="배달의민족 한나는 열한살" panose="020B0600000101010101"/>
+              </a:rPr>
+              <a:t>detail.jsp</a:t>
+            </a:r>
+            <a:r>
+              <a:rPr lang="ko-KR" altLang="en-US" dirty="0">
+                <a:solidFill>
+                  <a:schemeClr val="bg1"/>
+                </a:solidFill>
+                <a:ea typeface="배달의민족 한나는 열한살" panose="020B0600000101010101"/>
+              </a:rPr>
+              <a:t>를 </a:t>
+            </a:r>
+            <a:r>
+              <a:rPr lang="ko-KR" altLang="en-US" dirty="0" smtClean="0">
+                <a:solidFill>
+                  <a:schemeClr val="bg1"/>
+                </a:solidFill>
+                <a:ea typeface="배달의민족 한나는 열한살" panose="020B0600000101010101"/>
+              </a:rPr>
+              <a:t>불러오면서 </a:t>
+            </a:r>
+            <a:r>
+              <a:rPr lang="en-US" altLang="ko-KR" dirty="0" smtClean="0">
+                <a:solidFill>
+                  <a:schemeClr val="bg1"/>
+                </a:solidFill>
+                <a:ea typeface="배달의민족 한나는 열한살" panose="020B0600000101010101"/>
+              </a:rPr>
+              <a:t/>
+            </a:r>
+            <a:br>
+              <a:rPr lang="en-US" altLang="ko-KR" dirty="0" smtClean="0">
+                <a:solidFill>
+                  <a:schemeClr val="bg1"/>
+                </a:solidFill>
+                <a:ea typeface="배달의민족 한나는 열한살" panose="020B0600000101010101"/>
+              </a:rPr>
+            </a:br>
+            <a:r>
+              <a:rPr lang="ko-KR" altLang="en-US" dirty="0" smtClean="0">
+                <a:solidFill>
+                  <a:schemeClr val="bg1"/>
+                </a:solidFill>
+                <a:ea typeface="배달의민족 한나는 열한살" panose="020B0600000101010101"/>
+              </a:rPr>
+              <a:t>조회할 번호까지 같이 넘겨 줬습니다</a:t>
+            </a:r>
+            <a:r>
+              <a:rPr lang="en-US" altLang="ko-KR" dirty="0" smtClean="0">
+                <a:solidFill>
+                  <a:schemeClr val="bg1"/>
+                </a:solidFill>
+                <a:ea typeface="배달의민족 한나는 열한살" panose="020B0600000101010101"/>
+              </a:rPr>
+              <a:t>.</a:t>
+            </a:r>
+          </a:p>
+          <a:p>
+            <a:pPr>
+              <a:lnSpc>
+                <a:spcPct val="150000"/>
+              </a:lnSpc>
+            </a:pPr>
+            <a:endParaRPr lang="en-US" altLang="ko-KR" dirty="0">
+              <a:solidFill>
+                <a:schemeClr val="bg1"/>
+              </a:solidFill>
+              <a:ea typeface="배달의민족 한나는 열한살" panose="020B0600000101010101"/>
+            </a:endParaRPr>
+          </a:p>
+          <a:p>
+            <a:pPr>
+              <a:lnSpc>
+                <a:spcPct val="150000"/>
+              </a:lnSpc>
+            </a:pPr>
+            <a:r>
+              <a:rPr lang="en-US" altLang="ko-KR" dirty="0" smtClean="0">
+                <a:solidFill>
+                  <a:schemeClr val="bg1"/>
+                </a:solidFill>
+                <a:ea typeface="배달의민족 한나는 열한살" panose="020B0600000101010101"/>
+              </a:rPr>
+              <a:t>Get</a:t>
+            </a:r>
+            <a:r>
+              <a:rPr lang="ko-KR" altLang="en-US" dirty="0" smtClean="0">
+                <a:solidFill>
+                  <a:schemeClr val="bg1"/>
+                </a:solidFill>
+                <a:ea typeface="배달의민족 한나는 열한살" panose="020B0600000101010101"/>
+              </a:rPr>
+              <a:t>을 사용하여 번호에 해당하는 데이터를 가져왔습니다</a:t>
+            </a:r>
+            <a:r>
+              <a:rPr lang="en-US" altLang="ko-KR" dirty="0" smtClean="0">
+                <a:solidFill>
+                  <a:schemeClr val="bg1"/>
+                </a:solidFill>
+                <a:ea typeface="배달의민족 한나는 열한살" panose="020B0600000101010101"/>
+              </a:rPr>
+              <a:t>.</a:t>
+            </a:r>
+            <a:endParaRPr lang="en-US" altLang="ko-KR" dirty="0">
+              <a:solidFill>
+                <a:schemeClr val="bg1"/>
+              </a:solidFill>
+              <a:ea typeface="배달의민족 한나는 열한살" panose="020B0600000101010101"/>
+            </a:endParaRPr>
+          </a:p>
+        </p:txBody>
+      </p:sp>
+      <p:pic>
+        <p:nvPicPr>
+          <p:cNvPr id="8" name="그림 7"/>
+          <p:cNvPicPr>
+            <a:picLocks noChangeAspect="1"/>
+          </p:cNvPicPr>
+          <p:nvPr/>
+        </p:nvPicPr>
+        <p:blipFill>
+          <a:blip r:embed="rId2"/>
+          <a:stretch>
+            <a:fillRect/>
+          </a:stretch>
+        </p:blipFill>
+        <p:spPr>
+          <a:xfrm>
+            <a:off x="2432511" y="4369258"/>
+            <a:ext cx="2490355" cy="2074034"/>
+          </a:xfrm>
+          <a:prstGeom prst="rect">
+            <a:avLst/>
+          </a:prstGeom>
+        </p:spPr>
+      </p:pic>
+      <p:pic>
+        <p:nvPicPr>
+          <p:cNvPr id="10" name="그림 9"/>
+          <p:cNvPicPr>
+            <a:picLocks noChangeAspect="1"/>
+          </p:cNvPicPr>
+          <p:nvPr/>
+        </p:nvPicPr>
+        <p:blipFill>
+          <a:blip r:embed="rId3"/>
+          <a:stretch>
+            <a:fillRect/>
+          </a:stretch>
+        </p:blipFill>
+        <p:spPr>
+          <a:xfrm>
+            <a:off x="5181395" y="365126"/>
+            <a:ext cx="6848796" cy="5354030"/>
+          </a:xfrm>
+          <a:prstGeom prst="rect">
+            <a:avLst/>
+          </a:prstGeom>
+        </p:spPr>
+      </p:pic>
+    </p:spTree>
+    <p:extLst>
+      <p:ext uri="{BB962C8B-B14F-4D97-AF65-F5344CB8AC3E}">
+        <p14:creationId xmlns:p14="http://schemas.microsoft.com/office/powerpoint/2010/main" val="1427287141"/>
+      </p:ext>
+    </p:extLst>
+  </p:cSld>
+  <p:clrMapOvr>
+    <a:masterClrMapping/>
+  </p:clrMapOvr>
+  <p:timing>
+    <p:tnLst>
+      <p:par>
+        <p:cTn id="1" dur="indefinite" restart="never" nodeType="tmRoot"/>
+      </p:par>
+    </p:tnLst>
+  </p:timing>
+</p:sld>
+</file>
+
+<file path=ppt/slides/slide12.xml><?xml version="1.0" encoding="utf-8"?>
+<p:sld xmlns:a="http://schemas.openxmlformats.org/drawingml/2006/main" xmlns:r="http://schemas.openxmlformats.org/officeDocument/2006/relationships" xmlns:p="http://schemas.openxmlformats.org/presentationml/2006/main">
+  <p:cSld>
+    <p:spTree>
+      <p:nvGrpSpPr>
+        <p:cNvPr id="1" name=""/>
+        <p:cNvGrpSpPr/>
+        <p:nvPr/>
+      </p:nvGrpSpPr>
+      <p:grpSpPr>
+        <a:xfrm>
+          <a:off x="0" y="0"/>
+          <a:ext cx="0" cy="0"/>
+          <a:chOff x="0" y="0"/>
+          <a:chExt cx="0" cy="0"/>
+        </a:xfrm>
+      </p:grpSpPr>
+      <p:sp>
+        <p:nvSpPr>
+          <p:cNvPr id="2" name="제목 1"/>
+          <p:cNvSpPr>
+            <a:spLocks noGrp="1"/>
+          </p:cNvSpPr>
+          <p:nvPr>
+            <p:ph type="title"/>
+          </p:nvPr>
+        </p:nvSpPr>
+        <p:spPr>
+          <a:xfrm>
+            <a:off x="838200" y="365125"/>
+            <a:ext cx="5678978" cy="1325563"/>
+          </a:xfrm>
+        </p:spPr>
+        <p:txBody>
+          <a:bodyPr/>
+          <a:lstStyle/>
+          <a:p>
+            <a:r>
+              <a:rPr lang="en-US" altLang="ko-KR" dirty="0" smtClean="0"/>
               <a:t>Modify Page</a:t>
             </a:r>
+            <a:endParaRPr lang="ko-KR" altLang="en-US" dirty="0"/>
+          </a:p>
+        </p:txBody>
+      </p:sp>
+      <p:sp>
+        <p:nvSpPr>
+          <p:cNvPr id="5" name="TextBox 4"/>
+          <p:cNvSpPr txBox="1"/>
+          <p:nvPr/>
+        </p:nvSpPr>
+        <p:spPr>
+          <a:xfrm>
+            <a:off x="502574" y="2087599"/>
+            <a:ext cx="5487785" cy="2585323"/>
+          </a:xfrm>
+          <a:prstGeom prst="rect">
+            <a:avLst/>
+          </a:prstGeom>
+          <a:noFill/>
+        </p:spPr>
+        <p:txBody>
+          <a:bodyPr wrap="square" rtlCol="0">
+            <a:spAutoFit/>
+          </a:bodyPr>
+          <a:lstStyle/>
+          <a:p>
+            <a:pPr>
+              <a:lnSpc>
+                <a:spcPct val="150000"/>
+              </a:lnSpc>
+            </a:pPr>
+            <a:r>
+              <a:rPr lang="en-US" altLang="ko-KR" dirty="0" smtClean="0">
+                <a:solidFill>
+                  <a:schemeClr val="bg1"/>
+                </a:solidFill>
+                <a:ea typeface="배달의민족 한나는 열한살" panose="020B0600000101010101"/>
+              </a:rPr>
+              <a:t>Modify Page</a:t>
+            </a:r>
             <a:r>
               <a:rPr lang="ko-KR" altLang="en-US" dirty="0">
                 <a:solidFill>
@@ -4642,13 +5311,39 @@
               <a:t>를 </a:t>
             </a:r>
             <a:r>
+              <a:rPr lang="en-US" altLang="ko-KR" dirty="0" smtClean="0">
+                <a:solidFill>
+                  <a:schemeClr val="bg1"/>
+                </a:solidFill>
+                <a:ea typeface="배달의민족 한나는 열한살" panose="020B0600000101010101"/>
+              </a:rPr>
+              <a:t/>
+            </a:r>
+            <a:br>
+              <a:rPr lang="en-US" altLang="ko-KR" dirty="0" smtClean="0">
+                <a:solidFill>
+                  <a:schemeClr val="bg1"/>
+                </a:solidFill>
+                <a:ea typeface="배달의민족 한나는 열한살" panose="020B0600000101010101"/>
+              </a:rPr>
+            </a:br>
+            <a:r>
               <a:rPr lang="ko-KR" altLang="en-US" dirty="0" smtClean="0">
                 <a:solidFill>
                   <a:schemeClr val="bg1"/>
                 </a:solidFill>
                 <a:ea typeface="배달의민족 한나는 열한살" panose="020B0600000101010101"/>
               </a:rPr>
-              <a:t>사용하여 불러오면서</a:t>
+              <a:t>사용하여 </a:t>
+            </a:r>
+            <a:r>
+              <a:rPr lang="ko-KR" altLang="en-US" dirty="0" smtClean="0">
+                <a:solidFill>
+                  <a:schemeClr val="bg1"/>
+                </a:solidFill>
+                <a:ea typeface="배달의민족 한나는 열한살" panose="020B0600000101010101"/>
+              </a:rPr>
+              <a:t>불러오면서</a:t>
             </a:r>
             <a:r>
               <a:rPr lang="en-US" altLang="ko-KR" dirty="0" smtClean="0">
@@ -4848,7 +5543,7 @@
 </p:sld>
 </file>
 
-<file path=ppt/slides/slide11.xml><?xml version="1.0" encoding="utf-8"?>
+<file path=ppt/slides/slide13.xml><?xml version="1.0" encoding="utf-8"?>
 <p:sld xmlns:a="http://schemas.openxmlformats.org/drawingml/2006/main" xmlns:r="http://schemas.openxmlformats.org/officeDocument/2006/relationships" xmlns:p="http://schemas.openxmlformats.org/presentationml/2006/main">
   <p:cSld>
     <p:spTree>
@@ -4956,7 +5651,7 @@
 </p:sld>
 </file>
 
-<file path=ppt/slides/slide12.xml><?xml version="1.0" encoding="utf-8"?>
+<file path=ppt/slides/slide14.xml><?xml version="1.0" encoding="utf-8"?>
 <p:sld xmlns:a="http://schemas.openxmlformats.org/drawingml/2006/main" xmlns:r="http://schemas.openxmlformats.org/officeDocument/2006/relationships" xmlns:p="http://schemas.openxmlformats.org/presentationml/2006/main">
   <p:cSld>
     <p:spTree>
@@ -5323,7 +6018,7 @@
 </p:sld>
 </file>
 
-<file path=ppt/slides/slide13.xml><?xml version="1.0" encoding="utf-8"?>
+<file path=ppt/slides/slide15.xml><?xml version="1.0" encoding="utf-8"?>
 <p:sld xmlns:a="http://schemas.openxmlformats.org/drawingml/2006/main" xmlns:r="http://schemas.openxmlformats.org/officeDocument/2006/relationships" xmlns:p="http://schemas.openxmlformats.org/presentationml/2006/main">
   <p:cSld>
     <p:spTree>
@@ -5433,8 +6128,27 @@
                 </a:solidFill>
                 <a:ea typeface="배달의민족 한나는 열한살" panose="020B0600000101010101"/>
               </a:rPr>
-              <a:t>파일을 </a:t>
-            </a:r>
+              <a:t>파일을 삭제합니다</a:t>
+            </a:r>
+            <a:r>
+              <a:rPr lang="en-US" altLang="ko-KR" dirty="0" smtClean="0">
+                <a:solidFill>
+                  <a:schemeClr val="bg1"/>
+                </a:solidFill>
+                <a:ea typeface="배달의민족 한나는 열한살" panose="020B0600000101010101"/>
+              </a:rPr>
+              <a:t>.</a:t>
+            </a:r>
+          </a:p>
+          <a:p>
+            <a:endParaRPr lang="en-US" altLang="ko-KR" dirty="0">
+              <a:solidFill>
+                <a:schemeClr val="bg1"/>
+              </a:solidFill>
+              <a:ea typeface="배달의민족 한나는 열한살" panose="020B0600000101010101"/>
+            </a:endParaRPr>
+          </a:p>
+          <a:p>
             <a:r>
               <a:rPr lang="ko-KR" altLang="en-US" dirty="0" smtClean="0">
                 <a:solidFill>
@@ -5442,16 +6156,7 @@
                 </a:solidFill>
                 <a:ea typeface="배달의민족 한나는 열한살" panose="020B0600000101010101"/>
               </a:rPr>
-              <a:t>삭제합니다</a:t>
-            </a:r>
-            <a:r>
-              <a:rPr lang="en-US" altLang="ko-KR" dirty="0" smtClean="0">
-                <a:solidFill>
-                  <a:schemeClr val="bg1"/>
-                </a:solidFill>
-                <a:ea typeface="배달의민족 한나는 열한살" panose="020B0600000101010101"/>
-              </a:rPr>
-              <a:t>.</a:t>
+              <a:t>파일을 가지고 올 때에는</a:t>
             </a:r>
             <a:endParaRPr lang="en-US" altLang="ko-KR" dirty="0" smtClean="0">
               <a:solidFill>
@@ -5461,14 +6166,6 @@
             </a:endParaRPr>
           </a:p>
           <a:p>
-            <a:endParaRPr lang="en-US" altLang="ko-KR" dirty="0">
-              <a:solidFill>
-                <a:schemeClr val="bg1"/>
-              </a:solidFill>
-              <a:ea typeface="배달의민족 한나는 열한살" panose="020B0600000101010101"/>
-            </a:endParaRPr>
-          </a:p>
-          <a:p>
             <a:r>
               <a:rPr lang="ko-KR" altLang="en-US" dirty="0" smtClean="0">
                 <a:solidFill>
@@ -5476,7 +6173,7 @@
                 </a:solidFill>
                 <a:ea typeface="배달의민족 한나는 열한살" panose="020B0600000101010101"/>
               </a:rPr>
-              <a:t>파일을 가지고 올 때에는</a:t>
+              <a:t>파일 번호가 아닌 게시물 번호를 사용하여</a:t>
             </a:r>
             <a:endParaRPr lang="en-US" altLang="ko-KR" dirty="0" smtClean="0">
               <a:solidFill>
@@ -5493,16 +6190,17 @@
                 </a:solidFill>
                 <a:ea typeface="배달의민족 한나는 열한살" panose="020B0600000101010101"/>
               </a:rPr>
-              <a:t>파일 번호가 아닌 게시물 번호를 사용하여</a:t>
-            </a:r>
-            <a:endParaRPr lang="en-US" altLang="ko-KR" dirty="0" smtClean="0">
-              <a:solidFill>
-                <a:schemeClr val="bg1"/>
-              </a:solidFill>
-              <a:ea typeface="배달의민족 한나는 열한살" panose="020B0600000101010101"/>
-            </a:endParaRPr>
-          </a:p>
-          <a:p>
+              <a:t>데이터를 </a:t>
+            </a:r>
+            <a:r>
+              <a:rPr lang="en-US" altLang="ko-KR" dirty="0" smtClean="0">
+                <a:solidFill>
+                  <a:schemeClr val="bg1"/>
+                </a:solidFill>
+                <a:ea typeface="배달의민족 한나는 열한살" panose="020B0600000101010101"/>
+              </a:rPr>
+              <a:t>List </a:t>
+            </a:r>
             <a:r>
               <a:rPr lang="ko-KR" altLang="en-US" dirty="0" smtClean="0">
                 <a:solidFill>
@@ -5510,7 +6208,7 @@
                 </a:solidFill>
                 <a:ea typeface="배달의민족 한나는 열한살" panose="020B0600000101010101"/>
               </a:rPr>
-              <a:t>데이터를 </a:t>
+              <a:t>형태로 가져옵니다</a:t>
             </a:r>
             <a:r>
               <a:rPr lang="en-US" altLang="ko-KR" dirty="0" smtClean="0">
@@ -5519,41 +6217,8 @@
                 </a:solidFill>
                 <a:ea typeface="배달의민족 한나는 열한살" panose="020B0600000101010101"/>
               </a:rPr>
-              <a:t>List </a:t>
-            </a:r>
-            <a:r>
-              <a:rPr lang="ko-KR" altLang="en-US" dirty="0" smtClean="0">
-                <a:solidFill>
-                  <a:schemeClr val="bg1"/>
-                </a:solidFill>
-                <a:ea typeface="배달의민족 한나는 열한살" panose="020B0600000101010101"/>
-              </a:rPr>
-              <a:t>형태로 </a:t>
-            </a:r>
-            <a:r>
-              <a:rPr lang="ko-KR" altLang="en-US" dirty="0" smtClean="0">
-                <a:solidFill>
-                  <a:schemeClr val="bg1"/>
-                </a:solidFill>
-                <a:ea typeface="배달의민족 한나는 열한살" panose="020B0600000101010101"/>
-              </a:rPr>
-              <a:t>가져옵니다</a:t>
-            </a:r>
-            <a:r>
-              <a:rPr lang="en-US" altLang="ko-KR" dirty="0" smtClean="0">
-                <a:solidFill>
-                  <a:schemeClr val="bg1"/>
-                </a:solidFill>
-                <a:ea typeface="배달의민족 한나는 열한살" panose="020B0600000101010101"/>
-              </a:rPr>
               <a:t>.</a:t>
             </a:r>
-            <a:endParaRPr lang="en-US" altLang="ko-KR" dirty="0" smtClean="0">
-              <a:solidFill>
-                <a:schemeClr val="bg1"/>
-              </a:solidFill>
-              <a:ea typeface="배달의민족 한나는 열한살" panose="020B0600000101010101"/>
-            </a:endParaRPr>
           </a:p>
           <a:p>
             <a:endParaRPr lang="ko-KR" altLang="en-US" dirty="0">
@@ -5569,385 +6234,6 @@
     <p:extLst>
       <p:ext uri="{BB962C8B-B14F-4D97-AF65-F5344CB8AC3E}">
         <p14:creationId xmlns:p14="http://schemas.microsoft.com/office/powerpoint/2010/main" val="3868828707"/>
-      </p:ext>
-    </p:extLst>
-  </p:cSld>
-  <p:clrMapOvr>
-    <a:masterClrMapping/>
-  </p:clrMapOvr>
-  <p:timing>
-    <p:tnLst>
-      <p:par>
-        <p:cTn id="1" dur="indefinite" restart="never" nodeType="tmRoot"/>
-      </p:par>
-    </p:tnLst>
-  </p:timing>
-</p:sld>
-</file>
-
-<file path=ppt/slides/slide14.xml><?xml version="1.0" encoding="utf-8"?>
-<p:sld xmlns:a="http://schemas.openxmlformats.org/drawingml/2006/main" xmlns:r="http://schemas.openxmlformats.org/officeDocument/2006/relationships" xmlns:p="http://schemas.openxmlformats.org/presentationml/2006/main">
-  <p:cSld>
-    <p:spTree>
-      <p:nvGrpSpPr>
-        <p:cNvPr id="1" name=""/>
-        <p:cNvGrpSpPr/>
-        <p:nvPr/>
-      </p:nvGrpSpPr>
-      <p:grpSpPr>
-        <a:xfrm>
-          <a:off x="0" y="0"/>
-          <a:ext cx="0" cy="0"/>
-          <a:chOff x="0" y="0"/>
-          <a:chExt cx="0" cy="0"/>
-        </a:xfrm>
-      </p:grpSpPr>
-      <p:sp>
-        <p:nvSpPr>
-          <p:cNvPr id="2" name="제목 1"/>
-          <p:cNvSpPr>
-            <a:spLocks noGrp="1"/>
-          </p:cNvSpPr>
-          <p:nvPr>
-            <p:ph type="title"/>
-          </p:nvPr>
-        </p:nvSpPr>
-        <p:spPr/>
-        <p:txBody>
-          <a:bodyPr/>
-          <a:lstStyle/>
-          <a:p>
-            <a:r>
-              <a:rPr lang="en-US" altLang="ko-KR" dirty="0" smtClean="0"/>
-              <a:t>File Download</a:t>
-            </a:r>
-            <a:endParaRPr lang="ko-KR" altLang="en-US" dirty="0"/>
-          </a:p>
-        </p:txBody>
-      </p:sp>
-      <p:pic>
-        <p:nvPicPr>
-          <p:cNvPr id="4" name="그림 3"/>
-          <p:cNvPicPr>
-            <a:picLocks noChangeAspect="1"/>
-          </p:cNvPicPr>
-          <p:nvPr/>
-        </p:nvPicPr>
-        <p:blipFill>
-          <a:blip r:embed="rId2"/>
-          <a:stretch>
-            <a:fillRect/>
-          </a:stretch>
-        </p:blipFill>
-        <p:spPr>
-          <a:xfrm>
-            <a:off x="5893723" y="1458473"/>
-            <a:ext cx="6159525" cy="4526690"/>
-          </a:xfrm>
-          <a:prstGeom prst="rect">
-            <a:avLst/>
-          </a:prstGeom>
-        </p:spPr>
-      </p:pic>
-      <p:sp>
-        <p:nvSpPr>
-          <p:cNvPr id="5" name="TextBox 4"/>
-          <p:cNvSpPr txBox="1"/>
-          <p:nvPr/>
-        </p:nvSpPr>
-        <p:spPr>
-          <a:xfrm>
-            <a:off x="216130" y="2069651"/>
-            <a:ext cx="5519652" cy="2169825"/>
-          </a:xfrm>
-          <a:prstGeom prst="rect">
-            <a:avLst/>
-          </a:prstGeom>
-          <a:noFill/>
-        </p:spPr>
-        <p:txBody>
-          <a:bodyPr wrap="square" rtlCol="0">
-            <a:spAutoFit/>
-          </a:bodyPr>
-          <a:lstStyle/>
-          <a:p>
-            <a:pPr>
-              <a:lnSpc>
-                <a:spcPct val="150000"/>
-              </a:lnSpc>
-            </a:pPr>
-            <a:r>
-              <a:rPr lang="en-US" altLang="ko-KR" dirty="0" err="1" smtClean="0">
-                <a:solidFill>
-                  <a:schemeClr val="bg1"/>
-                </a:solidFill>
-                <a:ea typeface="배달의민족 한나는 열한살" panose="020B0600000101010101"/>
-              </a:rPr>
-              <a:t>serverName</a:t>
-            </a:r>
-            <a:r>
-              <a:rPr lang="ko-KR" altLang="en-US" dirty="0" smtClean="0">
-                <a:solidFill>
-                  <a:schemeClr val="bg1"/>
-                </a:solidFill>
-                <a:ea typeface="배달의민족 한나는 열한살" panose="020B0600000101010101"/>
-              </a:rPr>
-              <a:t>으로 다운로드를 호출하기 때문에</a:t>
-            </a:r>
-            <a:endParaRPr lang="en-US" altLang="ko-KR" dirty="0" smtClean="0">
-              <a:solidFill>
-                <a:schemeClr val="bg1"/>
-              </a:solidFill>
-              <a:ea typeface="배달의민족 한나는 열한살" panose="020B0600000101010101"/>
-            </a:endParaRPr>
-          </a:p>
-          <a:p>
-            <a:pPr>
-              <a:lnSpc>
-                <a:spcPct val="150000"/>
-              </a:lnSpc>
-            </a:pPr>
-            <a:r>
-              <a:rPr lang="en-US" altLang="ko-KR" dirty="0" err="1" smtClean="0">
-                <a:solidFill>
-                  <a:schemeClr val="bg1"/>
-                </a:solidFill>
-                <a:ea typeface="배달의민족 한나는 열한살" panose="020B0600000101010101"/>
-              </a:rPr>
-              <a:t>serverName</a:t>
-            </a:r>
-            <a:r>
-              <a:rPr lang="ko-KR" altLang="en-US" dirty="0" smtClean="0">
-                <a:solidFill>
-                  <a:schemeClr val="bg1"/>
-                </a:solidFill>
-                <a:ea typeface="배달의민족 한나는 열한살" panose="020B0600000101010101"/>
-              </a:rPr>
-              <a:t>으로 파일 내용들을 </a:t>
-            </a:r>
-            <a:r>
-              <a:rPr lang="en-US" altLang="ko-KR" dirty="0" smtClean="0">
-                <a:solidFill>
-                  <a:schemeClr val="bg1"/>
-                </a:solidFill>
-                <a:ea typeface="배달의민족 한나는 열한살" panose="020B0600000101010101"/>
-              </a:rPr>
-              <a:t>DB</a:t>
-            </a:r>
-            <a:r>
-              <a:rPr lang="ko-KR" altLang="en-US" dirty="0" smtClean="0">
-                <a:solidFill>
-                  <a:schemeClr val="bg1"/>
-                </a:solidFill>
-                <a:ea typeface="배달의민족 한나는 열한살" panose="020B0600000101010101"/>
-              </a:rPr>
-              <a:t>에서 </a:t>
-            </a:r>
-            <a:r>
-              <a:rPr lang="ko-KR" altLang="en-US" dirty="0" smtClean="0">
-                <a:solidFill>
-                  <a:schemeClr val="bg1"/>
-                </a:solidFill>
-                <a:ea typeface="배달의민족 한나는 열한살" panose="020B0600000101010101"/>
-              </a:rPr>
-              <a:t>호출합니다</a:t>
-            </a:r>
-            <a:r>
-              <a:rPr lang="en-US" altLang="ko-KR" dirty="0" smtClean="0">
-                <a:solidFill>
-                  <a:schemeClr val="bg1"/>
-                </a:solidFill>
-                <a:ea typeface="배달의민족 한나는 열한살" panose="020B0600000101010101"/>
-              </a:rPr>
-              <a:t>.</a:t>
-            </a:r>
-            <a:r>
-              <a:rPr lang="ko-KR" altLang="en-US" dirty="0" smtClean="0">
-                <a:solidFill>
-                  <a:schemeClr val="bg1"/>
-                </a:solidFill>
-                <a:ea typeface="배달의민족 한나는 열한살" panose="020B0600000101010101"/>
-              </a:rPr>
-              <a:t> </a:t>
-            </a:r>
-            <a:endParaRPr lang="en-US" altLang="ko-KR" dirty="0" smtClean="0">
-              <a:solidFill>
-                <a:schemeClr val="bg1"/>
-              </a:solidFill>
-              <a:ea typeface="배달의민족 한나는 열한살" panose="020B0600000101010101"/>
-            </a:endParaRPr>
-          </a:p>
-          <a:p>
-            <a:pPr>
-              <a:lnSpc>
-                <a:spcPct val="150000"/>
-              </a:lnSpc>
-            </a:pPr>
-            <a:endParaRPr lang="en-US" altLang="ko-KR" dirty="0">
-              <a:solidFill>
-                <a:schemeClr val="bg1"/>
-              </a:solidFill>
-              <a:ea typeface="배달의민족 한나는 열한살" panose="020B0600000101010101"/>
-            </a:endParaRPr>
-          </a:p>
-          <a:p>
-            <a:pPr>
-              <a:lnSpc>
-                <a:spcPct val="150000"/>
-              </a:lnSpc>
-            </a:pPr>
-            <a:r>
-              <a:rPr lang="ko-KR" altLang="en-US" dirty="0" smtClean="0">
-                <a:solidFill>
-                  <a:schemeClr val="bg1"/>
-                </a:solidFill>
-                <a:ea typeface="배달의민족 한나는 열한살" panose="020B0600000101010101"/>
-              </a:rPr>
-              <a:t>호출 후 </a:t>
-            </a:r>
-            <a:r>
-              <a:rPr lang="en-US" altLang="ko-KR" dirty="0" err="1" smtClean="0">
-                <a:solidFill>
-                  <a:schemeClr val="bg1"/>
-                </a:solidFill>
-                <a:ea typeface="배달의민족 한나는 열한살" panose="020B0600000101010101"/>
-              </a:rPr>
-              <a:t>FileSystemResource</a:t>
-            </a:r>
-            <a:r>
-              <a:rPr lang="ko-KR" altLang="en-US" dirty="0" smtClean="0">
-                <a:solidFill>
-                  <a:schemeClr val="bg1"/>
-                </a:solidFill>
-                <a:ea typeface="배달의민족 한나는 열한살" panose="020B0600000101010101"/>
-              </a:rPr>
-              <a:t>를 사용하여</a:t>
-            </a:r>
-            <a:endParaRPr lang="en-US" altLang="ko-KR" dirty="0" smtClean="0">
-              <a:solidFill>
-                <a:schemeClr val="bg1"/>
-              </a:solidFill>
-              <a:ea typeface="배달의민족 한나는 열한살" panose="020B0600000101010101"/>
-            </a:endParaRPr>
-          </a:p>
-          <a:p>
-            <a:pPr>
-              <a:lnSpc>
-                <a:spcPct val="150000"/>
-              </a:lnSpc>
-            </a:pPr>
-            <a:r>
-              <a:rPr lang="ko-KR" altLang="en-US" dirty="0" smtClean="0">
-                <a:solidFill>
-                  <a:schemeClr val="bg1"/>
-                </a:solidFill>
-                <a:ea typeface="배달의민족 한나는 열한살" panose="020B0600000101010101"/>
-              </a:rPr>
-              <a:t>파일을 가져와 다운로드 </a:t>
-            </a:r>
-            <a:r>
-              <a:rPr lang="ko-KR" altLang="en-US" dirty="0" smtClean="0">
-                <a:solidFill>
-                  <a:schemeClr val="bg1"/>
-                </a:solidFill>
-                <a:ea typeface="배달의민족 한나는 열한살" panose="020B0600000101010101"/>
-              </a:rPr>
-              <a:t>합니다</a:t>
-            </a:r>
-            <a:r>
-              <a:rPr lang="en-US" altLang="ko-KR" dirty="0" smtClean="0">
-                <a:solidFill>
-                  <a:schemeClr val="bg1"/>
-                </a:solidFill>
-                <a:ea typeface="배달의민족 한나는 열한살" panose="020B0600000101010101"/>
-              </a:rPr>
-              <a:t>.</a:t>
-            </a:r>
-            <a:endParaRPr lang="ko-KR" altLang="en-US" dirty="0">
-              <a:solidFill>
-                <a:schemeClr val="bg1"/>
-              </a:solidFill>
-              <a:ea typeface="배달의민족 한나는 열한살" panose="020B0600000101010101"/>
-            </a:endParaRPr>
-          </a:p>
-        </p:txBody>
-      </p:sp>
-    </p:spTree>
-    <p:extLst>
-      <p:ext uri="{BB962C8B-B14F-4D97-AF65-F5344CB8AC3E}">
-        <p14:creationId xmlns:p14="http://schemas.microsoft.com/office/powerpoint/2010/main" val="2910524344"/>
-      </p:ext>
-    </p:extLst>
-  </p:cSld>
-  <p:clrMapOvr>
-    <a:masterClrMapping/>
-  </p:clrMapOvr>
-  <p:timing>
-    <p:tnLst>
-      <p:par>
-        <p:cTn id="1" dur="indefinite" restart="never" nodeType="tmRoot"/>
-      </p:par>
-    </p:tnLst>
-  </p:timing>
-</p:sld>
-</file>
-
-<file path=ppt/slides/slide15.xml><?xml version="1.0" encoding="utf-8"?>
-<p:sld xmlns:a="http://schemas.openxmlformats.org/drawingml/2006/main" xmlns:r="http://schemas.openxmlformats.org/officeDocument/2006/relationships" xmlns:p="http://schemas.openxmlformats.org/presentationml/2006/main">
-  <p:cSld>
-    <p:spTree>
-      <p:nvGrpSpPr>
-        <p:cNvPr id="1" name=""/>
-        <p:cNvGrpSpPr/>
-        <p:nvPr/>
-      </p:nvGrpSpPr>
-      <p:grpSpPr>
-        <a:xfrm>
-          <a:off x="0" y="0"/>
-          <a:ext cx="0" cy="0"/>
-          <a:chOff x="0" y="0"/>
-          <a:chExt cx="0" cy="0"/>
-        </a:xfrm>
-      </p:grpSpPr>
-      <p:sp>
-        <p:nvSpPr>
-          <p:cNvPr id="6" name="TextBox 5"/>
-          <p:cNvSpPr txBox="1"/>
-          <p:nvPr/>
-        </p:nvSpPr>
-        <p:spPr>
-          <a:xfrm>
-            <a:off x="1418329" y="2609972"/>
-            <a:ext cx="9897763" cy="1015663"/>
-          </a:xfrm>
-          <a:prstGeom prst="rect">
-            <a:avLst/>
-          </a:prstGeom>
-          <a:noFill/>
-        </p:spPr>
-        <p:txBody>
-          <a:bodyPr wrap="square" numCol="2" rtlCol="0">
-            <a:spAutoFit/>
-          </a:bodyPr>
-          <a:lstStyle/>
-          <a:p>
-            <a:pPr algn="ctr"/>
-            <a:r>
-              <a:rPr lang="ko-KR" altLang="en-US" sz="6000" dirty="0">
-                <a:solidFill>
-                  <a:schemeClr val="bg1"/>
-                </a:solidFill>
-                <a:ea typeface="배달의민족 한나는 열한살" panose="020B0600000101010101"/>
-              </a:rPr>
-              <a:t>어려웠던 부분 및 해결 방안</a:t>
-            </a:r>
-          </a:p>
-        </p:txBody>
-      </p:sp>
-    </p:spTree>
-    <p:extLst>
-      <p:ext uri="{BB962C8B-B14F-4D97-AF65-F5344CB8AC3E}">
-        <p14:creationId xmlns:p14="http://schemas.microsoft.com/office/powerpoint/2010/main" val="252940775"/>
       </p:ext>
     </p:extLst>
   </p:cSld>
@@ -5983,7 +6269,7 @@
       </p:grpSpPr>
       <p:sp>
         <p:nvSpPr>
-          <p:cNvPr id="4" name="제목 3"/>
+          <p:cNvPr id="2" name="제목 1"/>
           <p:cNvSpPr>
             <a:spLocks noGrp="1"/>
           </p:cNvSpPr>
@@ -5998,220 +6284,236 @@
           <a:p>
             <a:r>
               <a:rPr lang="en-US" altLang="ko-KR" dirty="0" smtClean="0"/>
-              <a:t>DB </a:t>
-            </a:r>
-            <a:r>
-              <a:rPr lang="ko-KR" altLang="en-US" dirty="0" smtClean="0"/>
-              <a:t>연결</a:t>
+              <a:t>File Download</a:t>
             </a:r>
             <a:endParaRPr lang="ko-KR" altLang="en-US" dirty="0"/>
           </a:p>
         </p:txBody>
       </p:sp>
-      <p:sp>
-        <p:nvSpPr>
-          <p:cNvPr id="5" name="내용 개체 틀 4"/>
-          <p:cNvSpPr>
-            <a:spLocks noGrp="1"/>
-          </p:cNvSpPr>
-          <p:nvPr>
-            <p:ph idx="1"/>
-          </p:nvPr>
-        </p:nvSpPr>
+      <p:pic>
+        <p:nvPicPr>
+          <p:cNvPr id="4" name="그림 3"/>
+          <p:cNvPicPr>
+            <a:picLocks noChangeAspect="1"/>
+          </p:cNvPicPr>
+          <p:nvPr/>
+        </p:nvPicPr>
+        <p:blipFill>
+          <a:blip r:embed="rId2"/>
+          <a:stretch>
+            <a:fillRect/>
+          </a:stretch>
+        </p:blipFill>
         <p:spPr>
           <a:xfrm>
-            <a:off x="838200" y="1825625"/>
-            <a:ext cx="10641676" cy="4351338"/>
+            <a:off x="5893723" y="1458473"/>
+            <a:ext cx="6159525" cy="4526690"/>
           </a:xfrm>
+          <a:prstGeom prst="rect">
+            <a:avLst/>
+          </a:prstGeom>
         </p:spPr>
-        <p:txBody>
-          <a:bodyPr>
-            <a:normAutofit fontScale="92500"/>
+      </p:pic>
+      <p:sp>
+        <p:nvSpPr>
+          <p:cNvPr id="5" name="TextBox 4"/>
+          <p:cNvSpPr txBox="1"/>
+          <p:nvPr/>
+        </p:nvSpPr>
+        <p:spPr>
+          <a:xfrm>
+            <a:off x="216130" y="2069651"/>
+            <a:ext cx="5519652" cy="2169825"/>
+          </a:xfrm>
+          <a:prstGeom prst="rect">
+            <a:avLst/>
+          </a:prstGeom>
+          <a:noFill/>
+        </p:spPr>
+        <p:txBody>
+          <a:bodyPr wrap="square" rtlCol="0">
+            <a:spAutoFit/>
           </a:bodyPr>
           <a:lstStyle/>
           <a:p>
-            <a:pPr marL="457200" lvl="1" indent="0">
+            <a:pPr>
               <a:lnSpc>
                 <a:spcPct val="150000"/>
               </a:lnSpc>
-              <a:buNone/>
             </a:pPr>
             <a:r>
-              <a:rPr lang="ko-KR" altLang="en-US" sz="3600" dirty="0" smtClean="0">
-                <a:ea typeface="배달의민족 한나는 열한살" panose="020B0600000101010101"/>
-              </a:rPr>
-              <a:t>문제</a:t>
-            </a:r>
-            <a:endParaRPr lang="en-US" altLang="ko-KR" sz="3600" dirty="0" smtClean="0">
+              <a:rPr lang="en-US" altLang="ko-KR" dirty="0" err="1" smtClean="0">
+                <a:solidFill>
+                  <a:schemeClr val="bg1"/>
+                </a:solidFill>
+                <a:ea typeface="배달의민족 한나는 열한살" panose="020B0600000101010101"/>
+              </a:rPr>
+              <a:t>serverName</a:t>
+            </a:r>
+            <a:r>
+              <a:rPr lang="ko-KR" altLang="en-US" dirty="0" smtClean="0">
+                <a:solidFill>
+                  <a:schemeClr val="bg1"/>
+                </a:solidFill>
+                <a:ea typeface="배달의민족 한나는 열한살" panose="020B0600000101010101"/>
+              </a:rPr>
+              <a:t>으로 다운로드를 호출하기 때문에</a:t>
+            </a:r>
+            <a:endParaRPr lang="en-US" altLang="ko-KR" dirty="0" smtClean="0">
+              <a:solidFill>
+                <a:schemeClr val="bg1"/>
+              </a:solidFill>
               <a:ea typeface="배달의민족 한나는 열한살" panose="020B0600000101010101"/>
             </a:endParaRPr>
           </a:p>
           <a:p>
-            <a:pPr lvl="1">
+            <a:pPr>
               <a:lnSpc>
                 <a:spcPct val="150000"/>
               </a:lnSpc>
-              <a:buFont typeface="Wingdings" panose="05000000000000000000" pitchFamily="2" charset="2"/>
-              <a:buChar char="§"/>
             </a:pPr>
             <a:r>
+              <a:rPr lang="en-US" altLang="ko-KR" dirty="0" err="1" smtClean="0">
+                <a:solidFill>
+                  <a:schemeClr val="bg1"/>
+                </a:solidFill>
+                <a:ea typeface="배달의민족 한나는 열한살" panose="020B0600000101010101"/>
+              </a:rPr>
+              <a:t>serverName</a:t>
+            </a:r>
+            <a:r>
+              <a:rPr lang="ko-KR" altLang="en-US" dirty="0" smtClean="0">
+                <a:solidFill>
+                  <a:schemeClr val="bg1"/>
+                </a:solidFill>
+                <a:ea typeface="배달의민족 한나는 열한살" panose="020B0600000101010101"/>
+              </a:rPr>
+              <a:t>으로 파일 내용들을 </a:t>
+            </a:r>
+            <a:r>
               <a:rPr lang="en-US" altLang="ko-KR" dirty="0" smtClean="0">
-                <a:ea typeface="배달의민족 한나는 열한살" panose="020B0600000101010101"/>
-              </a:rPr>
-              <a:t>Oracle </a:t>
-            </a:r>
-            <a:r>
-              <a:rPr lang="en-US" altLang="ko-KR" dirty="0">
-                <a:ea typeface="배달의민족 한나는 열한살" panose="020B0600000101010101"/>
-              </a:rPr>
-              <a:t>10g</a:t>
-            </a:r>
-            <a:r>
-              <a:rPr lang="ko-KR" altLang="en-US" dirty="0">
-                <a:ea typeface="배달의민족 한나는 열한살" panose="020B0600000101010101"/>
-              </a:rPr>
-              <a:t>는 대소문자를 구별 하지 않지만 </a:t>
+                <a:solidFill>
+                  <a:schemeClr val="bg1"/>
+                </a:solidFill>
+                <a:ea typeface="배달의민족 한나는 열한살" panose="020B0600000101010101"/>
+              </a:rPr>
+              <a:t>DB</a:t>
+            </a:r>
+            <a:r>
+              <a:rPr lang="ko-KR" altLang="en-US" dirty="0" smtClean="0">
+                <a:solidFill>
+                  <a:schemeClr val="bg1"/>
+                </a:solidFill>
+                <a:ea typeface="배달의민족 한나는 열한살" panose="020B0600000101010101"/>
+              </a:rPr>
+              <a:t>에서 호출합니다</a:t>
             </a:r>
             <a:r>
               <a:rPr lang="en-US" altLang="ko-KR" dirty="0" smtClean="0">
-                <a:ea typeface="배달의민족 한나는 열한살" panose="020B0600000101010101"/>
-              </a:rPr>
-              <a:t/>
-            </a:r>
-            <a:br>
-              <a:rPr lang="en-US" altLang="ko-KR" dirty="0" smtClean="0">
-                <a:ea typeface="배달의민족 한나는 열한살" panose="020B0600000101010101"/>
-              </a:rPr>
-            </a:br>
-            <a:r>
-              <a:rPr lang="en-US" altLang="ko-KR" dirty="0" smtClean="0">
-                <a:ea typeface="배달의민족 한나는 열한살" panose="020B0600000101010101"/>
-              </a:rPr>
-              <a:t>11g</a:t>
-            </a:r>
-            <a:r>
-              <a:rPr lang="ko-KR" altLang="en-US" dirty="0">
-                <a:ea typeface="배달의민족 한나는 열한살" panose="020B0600000101010101"/>
-              </a:rPr>
-              <a:t>는 구별하여 연결에 문제가 </a:t>
+                <a:solidFill>
+                  <a:schemeClr val="bg1"/>
+                </a:solidFill>
+                <a:ea typeface="배달의민족 한나는 열한살" panose="020B0600000101010101"/>
+              </a:rPr>
+              <a:t>.</a:t>
             </a:r>
             <a:r>
               <a:rPr lang="ko-KR" altLang="en-US" dirty="0" smtClean="0">
-                <a:ea typeface="배달의민족 한나는 열한살" panose="020B0600000101010101"/>
-              </a:rPr>
-              <a:t>생겼습니다</a:t>
-            </a:r>
-            <a:r>
-              <a:rPr lang="en-US" altLang="ko-KR" dirty="0" smtClean="0">
-                <a:ea typeface="배달의민족 한나는 열한살" panose="020B0600000101010101"/>
-              </a:rPr>
-              <a:t>.</a:t>
+                <a:solidFill>
+                  <a:schemeClr val="bg1"/>
+                </a:solidFill>
+                <a:ea typeface="배달의민족 한나는 열한살" panose="020B0600000101010101"/>
+              </a:rPr>
+              <a:t> </a:t>
             </a:r>
             <a:endParaRPr lang="en-US" altLang="ko-KR" dirty="0" smtClean="0">
+              <a:solidFill>
+                <a:schemeClr val="bg1"/>
+              </a:solidFill>
               <a:ea typeface="배달의민족 한나는 열한살" panose="020B0600000101010101"/>
             </a:endParaRPr>
           </a:p>
           <a:p>
-            <a:pPr marL="457200" lvl="1" indent="0">
+            <a:pPr>
               <a:lnSpc>
                 <a:spcPct val="150000"/>
               </a:lnSpc>
-              <a:buNone/>
             </a:pPr>
-            <a:r>
-              <a:rPr lang="ko-KR" altLang="en-US" sz="3600" dirty="0" smtClean="0">
-                <a:ea typeface="배달의민족 한나는 열한살" panose="020B0600000101010101"/>
-              </a:rPr>
-              <a:t>해결 방법</a:t>
-            </a:r>
-            <a:endParaRPr lang="en-US" altLang="ko-KR" sz="3600" dirty="0">
+            <a:endParaRPr lang="en-US" altLang="ko-KR" dirty="0">
+              <a:solidFill>
+                <a:schemeClr val="bg1"/>
+              </a:solidFill>
               <a:ea typeface="배달의민족 한나는 열한살" panose="020B0600000101010101"/>
             </a:endParaRPr>
           </a:p>
           <a:p>
-            <a:pPr lvl="1">
+            <a:pPr>
               <a:lnSpc>
                 <a:spcPct val="150000"/>
               </a:lnSpc>
-              <a:buFont typeface="Wingdings" panose="05000000000000000000" pitchFamily="2" charset="2"/>
-              <a:buChar char="§"/>
             </a:pPr>
             <a:r>
-              <a:rPr lang="en-US" altLang="ko-KR" dirty="0" smtClean="0">
-                <a:ea typeface="배달의민족 한나는 열한살" panose="020B0600000101010101"/>
-              </a:rPr>
-              <a:t>DB </a:t>
-            </a:r>
-            <a:r>
               <a:rPr lang="ko-KR" altLang="en-US" dirty="0" smtClean="0">
-                <a:ea typeface="배달의민족 한나는 열한살" panose="020B0600000101010101"/>
-              </a:rPr>
-              <a:t>설정으로</a:t>
-            </a:r>
-            <a:r>
-              <a:rPr lang="en-US" altLang="ko-KR" dirty="0">
-                <a:ea typeface="배달의민족 한나는 열한살" panose="020B0600000101010101"/>
-              </a:rPr>
-              <a:t/>
-            </a:r>
-            <a:br>
-              <a:rPr lang="en-US" altLang="ko-KR" dirty="0">
-                <a:ea typeface="배달의민족 한나는 열한살" panose="020B0600000101010101"/>
-              </a:rPr>
-            </a:br>
-            <a:r>
-              <a:rPr lang="en-US" altLang="ko-KR" dirty="0" smtClean="0">
-                <a:ea typeface="배달의민족 한나는 열한살" panose="020B0600000101010101"/>
-              </a:rPr>
-              <a:t>“alter </a:t>
-            </a:r>
-            <a:r>
-              <a:rPr lang="en-US" altLang="ko-KR" dirty="0">
-                <a:ea typeface="배달의민족 한나는 열한살" panose="020B0600000101010101"/>
-              </a:rPr>
-              <a:t>system set </a:t>
+                <a:solidFill>
+                  <a:schemeClr val="bg1"/>
+                </a:solidFill>
+                <a:ea typeface="배달의민족 한나는 열한살" panose="020B0600000101010101"/>
+              </a:rPr>
+              <a:t>호출 후 </a:t>
             </a:r>
             <a:r>
               <a:rPr lang="en-US" altLang="ko-KR" dirty="0" err="1" smtClean="0">
-                <a:ea typeface="배달의민족 한나는 열한살" panose="020B0600000101010101"/>
-              </a:rPr>
-              <a:t>sec_case_sensitive_logon</a:t>
-            </a:r>
-            <a:r>
-              <a:rPr lang="en-US" altLang="ko-KR" dirty="0" smtClean="0">
-                <a:ea typeface="배달의민족 한나는 열한살" panose="020B0600000101010101"/>
-              </a:rPr>
-              <a:t>=false”</a:t>
-            </a:r>
-            <a:br>
-              <a:rPr lang="en-US" altLang="ko-KR" dirty="0" smtClean="0">
-                <a:ea typeface="배달의민족 한나는 열한살" panose="020B0600000101010101"/>
-              </a:rPr>
-            </a:br>
+                <a:solidFill>
+                  <a:schemeClr val="bg1"/>
+                </a:solidFill>
+                <a:ea typeface="배달의민족 한나는 열한살" panose="020B0600000101010101"/>
+              </a:rPr>
+              <a:t>FileSystemResource</a:t>
+            </a:r>
             <a:r>
               <a:rPr lang="ko-KR" altLang="en-US" dirty="0" smtClean="0">
-                <a:ea typeface="배달의민족 한나는 열한살" panose="020B0600000101010101"/>
-              </a:rPr>
-              <a:t>해당 쿼리를 사용하여 대소문자 구별을 사용하지 않게 해서 </a:t>
-            </a:r>
-            <a:r>
-              <a:rPr lang="ko-KR" altLang="en-US" dirty="0" smtClean="0">
-                <a:ea typeface="배달의민족 한나는 열한살" panose="020B0600000101010101"/>
-              </a:rPr>
-              <a:t>해결했습니다</a:t>
-            </a:r>
-            <a:r>
-              <a:rPr lang="en-US" altLang="ko-KR" dirty="0" smtClean="0">
-                <a:ea typeface="배달의민족 한나는 열한살" panose="020B0600000101010101"/>
-              </a:rPr>
-              <a:t>.</a:t>
-            </a:r>
-            <a:endParaRPr lang="ko-KR" altLang="en-US" dirty="0">
+                <a:solidFill>
+                  <a:schemeClr val="bg1"/>
+                </a:solidFill>
+                <a:ea typeface="배달의민족 한나는 열한살" panose="020B0600000101010101"/>
+              </a:rPr>
+              <a:t>를 사용하여</a:t>
+            </a:r>
+            <a:endParaRPr lang="en-US" altLang="ko-KR" dirty="0" smtClean="0">
+              <a:solidFill>
+                <a:schemeClr val="bg1"/>
+              </a:solidFill>
               <a:ea typeface="배달의민족 한나는 열한살" panose="020B0600000101010101"/>
             </a:endParaRPr>
           </a:p>
           <a:p>
+            <a:pPr>
+              <a:lnSpc>
+                <a:spcPct val="150000"/>
+              </a:lnSpc>
+            </a:pPr>
+            <a:r>
+              <a:rPr lang="ko-KR" altLang="en-US" dirty="0" smtClean="0">
+                <a:solidFill>
+                  <a:schemeClr val="bg1"/>
+                </a:solidFill>
+                <a:ea typeface="배달의민족 한나는 열한살" panose="020B0600000101010101"/>
+              </a:rPr>
+              <a:t>파일을 가져와 다운로드 합니다</a:t>
+            </a:r>
+            <a:r>
+              <a:rPr lang="en-US" altLang="ko-KR" dirty="0" smtClean="0">
+                <a:solidFill>
+                  <a:schemeClr val="bg1"/>
+                </a:solidFill>
+                <a:ea typeface="배달의민족 한나는 열한살" panose="020B0600000101010101"/>
+              </a:rPr>
+              <a:t>.</a:t>
+            </a:r>
             <a:endParaRPr lang="ko-KR" altLang="en-US" dirty="0">
+              <a:solidFill>
+                <a:schemeClr val="bg1"/>
+              </a:solidFill>
               <a:ea typeface="배달의민족 한나는 열한살" panose="020B0600000101010101"/>
             </a:endParaRPr>
           </a:p>
@@ -6220,7 +6522,7 @@
     </p:spTree>
     <p:extLst>
       <p:ext uri="{BB962C8B-B14F-4D97-AF65-F5344CB8AC3E}">
-        <p14:creationId xmlns:p14="http://schemas.microsoft.com/office/powerpoint/2010/main" val="3482620454"/>
+        <p14:creationId xmlns:p14="http://schemas.microsoft.com/office/powerpoint/2010/main" val="2910524344"/>
       </p:ext>
     </p:extLst>
   </p:cSld>
@@ -6256,206 +6558,43 @@
       </p:grpSpPr>
       <p:sp>
         <p:nvSpPr>
-          <p:cNvPr id="2" name="제목 1"/>
-          <p:cNvSpPr>
-            <a:spLocks noGrp="1"/>
-          </p:cNvSpPr>
-          <p:nvPr>
-            <p:ph type="title"/>
-          </p:nvPr>
-        </p:nvSpPr>
-        <p:spPr/>
-        <p:txBody>
-          <a:bodyPr/>
-          <a:lstStyle/>
-          <a:p>
-            <a:r>
-              <a:rPr lang="en-US" altLang="ko-KR" dirty="0" smtClean="0"/>
-              <a:t>DB </a:t>
-            </a:r>
-            <a:r>
-              <a:rPr lang="ko-KR" altLang="en-US" dirty="0" smtClean="0"/>
-              <a:t>시퀀스 문제</a:t>
-            </a:r>
-            <a:endParaRPr lang="ko-KR" altLang="en-US" dirty="0"/>
-          </a:p>
-        </p:txBody>
-      </p:sp>
-      <p:sp>
-        <p:nvSpPr>
-          <p:cNvPr id="3" name="내용 개체 틀 2"/>
-          <p:cNvSpPr>
-            <a:spLocks noGrp="1"/>
-          </p:cNvSpPr>
-          <p:nvPr>
-            <p:ph idx="1"/>
-          </p:nvPr>
-        </p:nvSpPr>
-        <p:spPr/>
-        <p:txBody>
-          <a:bodyPr>
-            <a:normAutofit/>
+          <p:cNvPr id="6" name="TextBox 5"/>
+          <p:cNvSpPr txBox="1"/>
+          <p:nvPr/>
+        </p:nvSpPr>
+        <p:spPr>
+          <a:xfrm>
+            <a:off x="1418329" y="2609972"/>
+            <a:ext cx="9897763" cy="1015663"/>
+          </a:xfrm>
+          <a:prstGeom prst="rect">
+            <a:avLst/>
+          </a:prstGeom>
+          <a:noFill/>
+        </p:spPr>
+        <p:txBody>
+          <a:bodyPr wrap="square" numCol="2" rtlCol="0">
+            <a:spAutoFit/>
           </a:bodyPr>
           <a:lstStyle/>
           <a:p>
-            <a:pPr marL="457200" lvl="1" indent="0">
-              <a:lnSpc>
-                <a:spcPct val="150000"/>
-              </a:lnSpc>
-              <a:buNone/>
-            </a:pPr>
-            <a:r>
-              <a:rPr lang="ko-KR" altLang="en-US" sz="3600" dirty="0">
-                <a:ea typeface="배달의민족 한나는 열한살" panose="020B0600000101010101"/>
-              </a:rPr>
-              <a:t>문제</a:t>
-            </a:r>
-            <a:endParaRPr lang="en-US" altLang="ko-KR" sz="3600" dirty="0">
-              <a:ea typeface="배달의민족 한나는 열한살" panose="020B0600000101010101"/>
-            </a:endParaRPr>
-          </a:p>
-          <a:p>
-            <a:pPr lvl="1">
-              <a:lnSpc>
-                <a:spcPct val="150000"/>
-              </a:lnSpc>
-              <a:buFont typeface="Wingdings" panose="05000000000000000000" pitchFamily="2" charset="2"/>
-              <a:buChar char="§"/>
-            </a:pPr>
-            <a:r>
-              <a:rPr lang="ko-KR" altLang="en-US" dirty="0" smtClean="0">
-                <a:ea typeface="배달의민족 한나는 열한살" panose="020B0600000101010101"/>
-              </a:rPr>
-              <a:t>시퀀스 사용시 번호를 하나씩 뛰어넘는 문제가 </a:t>
-            </a:r>
-            <a:r>
-              <a:rPr lang="ko-KR" altLang="en-US" dirty="0" smtClean="0">
-                <a:ea typeface="배달의민족 한나는 열한살" panose="020B0600000101010101"/>
-              </a:rPr>
-              <a:t>발생했습니다</a:t>
-            </a:r>
-            <a:r>
-              <a:rPr lang="en-US" altLang="ko-KR" dirty="0" smtClean="0">
-                <a:ea typeface="배달의민족 한나는 열한살" panose="020B0600000101010101"/>
-              </a:rPr>
-              <a:t>.</a:t>
-            </a:r>
-            <a:endParaRPr lang="en-US" altLang="ko-KR" dirty="0" smtClean="0">
-              <a:ea typeface="배달의민족 한나는 열한살" panose="020B0600000101010101"/>
-            </a:endParaRPr>
-          </a:p>
-          <a:p>
-            <a:pPr marL="457200" lvl="1" indent="0">
-              <a:lnSpc>
-                <a:spcPct val="150000"/>
-              </a:lnSpc>
-              <a:buNone/>
-            </a:pPr>
-            <a:r>
-              <a:rPr lang="ko-KR" altLang="en-US" sz="3600" dirty="0" smtClean="0">
-                <a:ea typeface="배달의민족 한나는 열한살" panose="020B0600000101010101"/>
-              </a:rPr>
-              <a:t>해결 </a:t>
-            </a:r>
-            <a:r>
-              <a:rPr lang="ko-KR" altLang="en-US" sz="3600" dirty="0">
-                <a:ea typeface="배달의민족 한나는 열한살" panose="020B0600000101010101"/>
-              </a:rPr>
-              <a:t>방법</a:t>
-            </a:r>
-            <a:endParaRPr lang="en-US" altLang="ko-KR" sz="3600" dirty="0">
-              <a:ea typeface="배달의민족 한나는 열한살" panose="020B0600000101010101"/>
-            </a:endParaRPr>
-          </a:p>
-          <a:p>
-            <a:pPr lvl="1">
-              <a:lnSpc>
-                <a:spcPct val="150000"/>
-              </a:lnSpc>
-              <a:buFont typeface="Wingdings" panose="05000000000000000000" pitchFamily="2" charset="2"/>
-              <a:buChar char="§"/>
-            </a:pPr>
-            <a:r>
-              <a:rPr lang="ko-KR" altLang="en-US" dirty="0" smtClean="0">
-                <a:ea typeface="배달의민족 한나는 열한살" panose="020B0600000101010101"/>
-              </a:rPr>
-              <a:t>시퀀스 </a:t>
-            </a:r>
-            <a:r>
-              <a:rPr lang="ko-KR" altLang="en-US" dirty="0" err="1" smtClean="0">
-                <a:ea typeface="배달의민족 한나는 열한살" panose="020B0600000101010101"/>
-              </a:rPr>
-              <a:t>구현시</a:t>
-            </a:r>
-            <a:r>
-              <a:rPr lang="ko-KR" altLang="en-US" dirty="0" smtClean="0">
-                <a:ea typeface="배달의민족 한나는 열한살" panose="020B0600000101010101"/>
-              </a:rPr>
-              <a:t> </a:t>
-            </a:r>
-            <a:r>
-              <a:rPr lang="en-US" altLang="ko-KR" dirty="0" smtClean="0">
-                <a:ea typeface="배달의민족 한나는 열한살" panose="020B0600000101010101"/>
-              </a:rPr>
-              <a:t>“ORDER” </a:t>
-            </a:r>
-            <a:r>
-              <a:rPr lang="ko-KR" altLang="en-US" dirty="0" smtClean="0">
-                <a:ea typeface="배달의민족 한나는 열한살" panose="020B0600000101010101"/>
-              </a:rPr>
-              <a:t>옵션을 사용해야 하지만 </a:t>
-            </a:r>
-            <a:r>
-              <a:rPr lang="en-US" altLang="ko-KR" dirty="0" smtClean="0">
-                <a:ea typeface="배달의민족 한나는 열한살" panose="020B0600000101010101"/>
-              </a:rPr>
-              <a:t/>
-            </a:r>
-            <a:br>
-              <a:rPr lang="en-US" altLang="ko-KR" dirty="0" smtClean="0">
-                <a:ea typeface="배달의민족 한나는 열한살" panose="020B0600000101010101"/>
-              </a:rPr>
-            </a:br>
-            <a:r>
-              <a:rPr lang="en-US" altLang="ko-KR" dirty="0" smtClean="0">
-                <a:ea typeface="배달의민족 한나는 열한살" panose="020B0600000101010101"/>
-              </a:rPr>
-              <a:t>“NOORDER” </a:t>
-            </a:r>
-            <a:r>
-              <a:rPr lang="ko-KR" altLang="en-US" dirty="0" err="1" smtClean="0">
-                <a:ea typeface="배달의민족 한나는 열한살" panose="020B0600000101010101"/>
-              </a:rPr>
-              <a:t>명령를</a:t>
-            </a:r>
-            <a:r>
-              <a:rPr lang="ko-KR" altLang="en-US" dirty="0" smtClean="0">
-                <a:ea typeface="배달의민족 한나는 열한살" panose="020B0600000101010101"/>
-              </a:rPr>
-              <a:t> 사용한 것이 </a:t>
-            </a:r>
-            <a:r>
-              <a:rPr lang="ko-KR" altLang="en-US" dirty="0" err="1" smtClean="0">
-                <a:ea typeface="배달의민족 한나는 열한살" panose="020B0600000101010101"/>
-              </a:rPr>
-              <a:t>원인이였습니다</a:t>
-            </a:r>
-            <a:r>
-              <a:rPr lang="en-US" altLang="ko-KR" dirty="0" smtClean="0">
-                <a:ea typeface="배달의민족 한나는 열한살" panose="020B0600000101010101"/>
-              </a:rPr>
-              <a:t>.</a:t>
-            </a:r>
-            <a:endParaRPr lang="ko-KR" altLang="en-US" dirty="0">
-              <a:ea typeface="배달의민족 한나는 열한살" panose="020B0600000101010101"/>
-            </a:endParaRPr>
+            <a:pPr algn="ctr"/>
+            <a:r>
+              <a:rPr lang="ko-KR" altLang="en-US" sz="6000" dirty="0">
+                <a:solidFill>
+                  <a:schemeClr val="bg1"/>
+                </a:solidFill>
+                <a:ea typeface="배달의민족 한나는 열한살" panose="020B0600000101010101"/>
+              </a:rPr>
+              <a:t>어려웠던 부분 및 해결 방안</a:t>
+            </a:r>
           </a:p>
         </p:txBody>
       </p:sp>
     </p:spTree>
     <p:extLst>
       <p:ext uri="{BB962C8B-B14F-4D97-AF65-F5344CB8AC3E}">
-        <p14:creationId xmlns:p14="http://schemas.microsoft.com/office/powerpoint/2010/main" val="38606277"/>
+        <p14:creationId xmlns:p14="http://schemas.microsoft.com/office/powerpoint/2010/main" val="252940775"/>
       </p:ext>
     </p:extLst>
   </p:cSld>
@@ -6491,7 +6630,7 @@
       </p:grpSpPr>
       <p:sp>
         <p:nvSpPr>
-          <p:cNvPr id="2" name="제목 1"/>
+          <p:cNvPr id="4" name="제목 3"/>
           <p:cNvSpPr>
             <a:spLocks noGrp="1"/>
           </p:cNvSpPr>
@@ -6505,8 +6644,12 @@
           <a:lstStyle/>
           <a:p>
             <a:r>
+              <a:rPr lang="en-US" altLang="ko-KR" dirty="0" smtClean="0"/>
+              <a:t>DB </a:t>
+            </a:r>
+            <a:r>
               <a:rPr lang="ko-KR" altLang="en-US" dirty="0" smtClean="0"/>
-              <a:t>등록 문제</a:t>
+              <a:t>연결</a:t>
             </a:r>
             <a:endParaRPr lang="ko-KR" altLang="en-US" dirty="0"/>
           </a:p>
@@ -6514,7 +6657,7 @@
       </p:sp>
       <p:sp>
         <p:nvSpPr>
-          <p:cNvPr id="3" name="내용 개체 틀 2"/>
+          <p:cNvPr id="5" name="내용 개체 틀 4"/>
           <p:cNvSpPr>
             <a:spLocks noGrp="1"/>
           </p:cNvSpPr>
@@ -6522,10 +6665,15 @@
             <p:ph idx="1"/>
           </p:nvPr>
         </p:nvSpPr>
-        <p:spPr/>
+        <p:spPr>
+          <a:xfrm>
+            <a:off x="838200" y="1825625"/>
+            <a:ext cx="10641676" cy="4351338"/>
+          </a:xfrm>
+        </p:spPr>
         <p:txBody>
           <a:bodyPr>
-            <a:normAutofit/>
+            <a:normAutofit fontScale="92500"/>
           </a:bodyPr>
           <a:lstStyle/>
           <a:p>
@@ -6536,12 +6684,12 @@
               <a:buNone/>
             </a:pPr>
             <a:r>
-              <a:rPr lang="ko-KR" altLang="en-US" sz="3600" dirty="0">
+              <a:rPr lang="ko-KR" altLang="en-US" sz="3600" dirty="0" smtClean="0">
                 <a:ea typeface="배달의민족 한나는 열한살" panose="020B0600000101010101"/>
               </a:rPr>
               <a:t>문제</a:t>
             </a:r>
-            <a:endParaRPr lang="en-US" altLang="ko-KR" sz="3600" dirty="0">
+            <a:endParaRPr lang="en-US" altLang="ko-KR" sz="3600" dirty="0" smtClean="0">
               <a:ea typeface="배달의민족 한나는 열한살" panose="020B0600000101010101"/>
             </a:endParaRPr>
           </a:p>
@@ -6554,34 +6702,22 @@
               <a:buChar char="§"/>
             </a:pPr>
             <a:r>
-              <a:rPr lang="ko-KR" altLang="en-US" dirty="0" smtClean="0">
-                <a:ea typeface="배달의민족 한나는 열한살" panose="020B0600000101010101"/>
-              </a:rPr>
-              <a:t>글 </a:t>
-            </a:r>
-            <a:r>
-              <a:rPr lang="ko-KR" altLang="en-US" dirty="0" err="1" smtClean="0">
-                <a:ea typeface="배달의민족 한나는 열한살" panose="020B0600000101010101"/>
-              </a:rPr>
-              <a:t>등록시</a:t>
-            </a:r>
-            <a:r>
-              <a:rPr lang="ko-KR" altLang="en-US" dirty="0" smtClean="0">
-                <a:ea typeface="배달의민족 한나는 열한살" panose="020B0600000101010101"/>
-              </a:rPr>
-              <a:t> </a:t>
-            </a:r>
-            <a:r>
               <a:rPr lang="en-US" altLang="ko-KR" dirty="0" smtClean="0">
                 <a:ea typeface="배달의민족 한나는 열한살" panose="020B0600000101010101"/>
               </a:rPr>
-              <a:t>Title</a:t>
-            </a:r>
-            <a:r>
-              <a:rPr lang="ko-KR" altLang="en-US" dirty="0" smtClean="0">
-                <a:ea typeface="배달의민족 한나는 열한살" panose="020B0600000101010101"/>
-              </a:rPr>
-              <a:t>에 공백문자가 들어가게 된다면 </a:t>
+              <a:t>Oracle </a:t>
+            </a:r>
+            <a:r>
+              <a:rPr lang="en-US" altLang="ko-KR" dirty="0">
+                <a:ea typeface="배달의민족 한나는 열한살" panose="020B0600000101010101"/>
+              </a:rPr>
+              <a:t>10g</a:t>
+            </a:r>
+            <a:r>
+              <a:rPr lang="ko-KR" altLang="en-US" dirty="0">
+                <a:ea typeface="배달의민족 한나는 열한살" panose="020B0600000101010101"/>
+              </a:rPr>
+              <a:t>는 대소문자를 구별 하지 않지만 </a:t>
             </a:r>
             <a:r>
               <a:rPr lang="en-US" altLang="ko-KR" dirty="0" smtClean="0">
@@ -6598,19 +6734,19 @@
               <a:rPr lang="en-US" altLang="ko-KR" dirty="0" smtClean="0">
                 <a:ea typeface="배달의민족 한나는 열한살" panose="020B0600000101010101"/>
               </a:rPr>
-              <a:t>SQL </a:t>
+              <a:t>11g</a:t>
+            </a:r>
+            <a:r>
+              <a:rPr lang="ko-KR" altLang="en-US" dirty="0">
+                <a:ea typeface="배달의민족 한나는 열한살" panose="020B0600000101010101"/>
+              </a:rPr>
+              <a:t>는 구별하여 연결에 문제가 </a:t>
             </a:r>
             <a:r>
               <a:rPr lang="ko-KR" altLang="en-US" dirty="0" smtClean="0">
                 <a:ea typeface="배달의민족 한나는 열한살" panose="020B0600000101010101"/>
               </a:rPr>
-              <a:t>오류나 조회 페이지로 이동 못하는 상황이 </a:t>
-            </a:r>
-            <a:r>
-              <a:rPr lang="ko-KR" altLang="en-US" dirty="0" smtClean="0">
-                <a:ea typeface="배달의민족 한나는 열한살" panose="020B0600000101010101"/>
-              </a:rPr>
-              <a:t>발생했습니다</a:t>
+              <a:t>생겼습니다</a:t>
             </a:r>
             <a:r>
               <a:rPr lang="en-US" altLang="ko-KR" dirty="0" smtClean="0">
@@ -6618,9 +6754,6 @@
               </a:rPr>
               <a:t>.</a:t>
             </a:r>
-            <a:endParaRPr lang="en-US" altLang="ko-KR" dirty="0" smtClean="0">
-              <a:ea typeface="배달의민족 한나는 열한살" panose="020B0600000101010101"/>
-            </a:endParaRPr>
           </a:p>
           <a:p>
             <a:pPr marL="457200" lvl="1" indent="0">
@@ -6633,13 +6766,7 @@
               <a:rPr lang="ko-KR" altLang="en-US" sz="3600" dirty="0" smtClean="0">
                 <a:ea typeface="배달의민족 한나는 열한살" panose="020B0600000101010101"/>
               </a:rPr>
-              <a:t>해결 </a:t>
-            </a:r>
-            <a:r>
-              <a:rPr lang="ko-KR" altLang="en-US" sz="3600" dirty="0">
-                <a:ea typeface="배달의민족 한나는 열한살" panose="020B0600000101010101"/>
-              </a:rPr>
-              <a:t>방법</a:t>
+              <a:t>해결 방법</a:t>
             </a:r>
             <a:endParaRPr lang="en-US" altLang="ko-KR" sz="3600" dirty="0">
               <a:ea typeface="배달의민족 한나는 열한살" panose="020B0600000101010101"/>
@@ -6654,40 +6781,62 @@
               <a:buChar char="§"/>
             </a:pPr>
             <a:r>
+              <a:rPr lang="en-US" altLang="ko-KR" dirty="0" smtClean="0">
+                <a:ea typeface="배달의민족 한나는 열한살" panose="020B0600000101010101"/>
+              </a:rPr>
+              <a:t>DB </a:t>
+            </a:r>
+            <a:r>
               <a:rPr lang="ko-KR" altLang="en-US" dirty="0" smtClean="0">
                 <a:ea typeface="배달의민족 한나는 열한살" panose="020B0600000101010101"/>
               </a:rPr>
-              <a:t>글 </a:t>
-            </a:r>
-            <a:r>
-              <a:rPr lang="ko-KR" altLang="en-US" dirty="0" err="1" smtClean="0">
-                <a:ea typeface="배달의민족 한나는 열한살" panose="020B0600000101010101"/>
-              </a:rPr>
-              <a:t>등록시</a:t>
-            </a:r>
+              <a:t>설정으로</a:t>
+            </a:r>
+            <a:r>
+              <a:rPr lang="en-US" altLang="ko-KR" dirty="0">
+                <a:ea typeface="배달의민족 한나는 열한살" panose="020B0600000101010101"/>
+              </a:rPr>
+              <a:t/>
+            </a:r>
+            <a:br>
+              <a:rPr lang="en-US" altLang="ko-KR" dirty="0">
+                <a:ea typeface="배달의민족 한나는 열한살" panose="020B0600000101010101"/>
+              </a:rPr>
+            </a:br>
+            <a:r>
+              <a:rPr lang="en-US" altLang="ko-KR" dirty="0" smtClean="0">
+                <a:ea typeface="배달의민족 한나는 열한살" panose="020B0600000101010101"/>
+              </a:rPr>
+              <a:t>“alter </a:t>
+            </a:r>
+            <a:r>
+              <a:rPr lang="en-US" altLang="ko-KR" dirty="0">
+                <a:ea typeface="배달의민족 한나는 열한살" panose="020B0600000101010101"/>
+              </a:rPr>
+              <a:t>system set </a:t>
+            </a:r>
+            <a:r>
+              <a:rPr lang="en-US" altLang="ko-KR" dirty="0" err="1" smtClean="0">
+                <a:ea typeface="배달의민족 한나는 열한살" panose="020B0600000101010101"/>
+              </a:rPr>
+              <a:t>sec_case_sensitive_logon</a:t>
+            </a:r>
+            <a:r>
+              <a:rPr lang="en-US" altLang="ko-KR" dirty="0" smtClean="0">
+                <a:ea typeface="배달의민족 한나는 열한살" panose="020B0600000101010101"/>
+              </a:rPr>
+              <a:t>=false”</a:t>
+            </a:r>
+            <a:br>
+              <a:rPr lang="en-US" altLang="ko-KR" dirty="0" smtClean="0">
+                <a:ea typeface="배달의민족 한나는 열한살" panose="020B0600000101010101"/>
+              </a:rPr>
+            </a:br>
             <a:r>
               <a:rPr lang="ko-KR" altLang="en-US" dirty="0" smtClean="0">
                 <a:ea typeface="배달의민족 한나는 열한살" panose="020B0600000101010101"/>
               </a:rPr>
-              <a:t> </a:t>
-            </a:r>
-            <a:r>
-              <a:rPr lang="en-US" altLang="ko-KR" dirty="0" smtClean="0">
-                <a:ea typeface="배달의민족 한나는 열한살" panose="020B0600000101010101"/>
-              </a:rPr>
-              <a:t>“trim()” </a:t>
-            </a:r>
-            <a:r>
-              <a:rPr lang="ko-KR" altLang="en-US" dirty="0" smtClean="0">
-                <a:ea typeface="배달의민족 한나는 열한살" panose="020B0600000101010101"/>
-              </a:rPr>
-              <a:t>함수를 사용하여 공백을 </a:t>
-            </a:r>
-            <a:r>
-              <a:rPr lang="ko-KR" altLang="en-US" dirty="0" smtClean="0">
-                <a:ea typeface="배달의민족 한나는 열한살" panose="020B0600000101010101"/>
-              </a:rPr>
-              <a:t>방지했습니다</a:t>
+              <a:t>해당 쿼리를 사용하여 대소문자 구별을 사용하지 않게 해서 해결했습니다</a:t>
             </a:r>
             <a:r>
               <a:rPr lang="en-US" altLang="ko-KR" dirty="0" smtClean="0">
@@ -6699,12 +6848,17 @@
               <a:ea typeface="배달의민족 한나는 열한살" panose="020B0600000101010101"/>
             </a:endParaRPr>
           </a:p>
+          <a:p>
+            <a:endParaRPr lang="ko-KR" altLang="en-US" dirty="0">
+              <a:ea typeface="배달의민족 한나는 열한살" panose="020B0600000101010101"/>
+            </a:endParaRPr>
+          </a:p>
         </p:txBody>
       </p:sp>
     </p:spTree>
     <p:extLst>
       <p:ext uri="{BB962C8B-B14F-4D97-AF65-F5344CB8AC3E}">
-        <p14:creationId xmlns:p14="http://schemas.microsoft.com/office/powerpoint/2010/main" val="3548614160"/>
+        <p14:creationId xmlns:p14="http://schemas.microsoft.com/office/powerpoint/2010/main" val="3482620454"/>
       </p:ext>
     </p:extLst>
   </p:cSld>
@@ -6754,8 +6908,12 @@
           <a:lstStyle/>
           <a:p>
             <a:r>
+              <a:rPr lang="en-US" altLang="ko-KR" dirty="0" smtClean="0"/>
+              <a:t>DB </a:t>
+            </a:r>
+            <a:r>
               <a:rPr lang="ko-KR" altLang="en-US" dirty="0" smtClean="0"/>
-              <a:t>등록 문제</a:t>
+              <a:t>시퀀스 문제</a:t>
             </a:r>
             <a:endParaRPr lang="ko-KR" altLang="en-US" dirty="0"/>
           </a:p>
@@ -6806,77 +6964,14 @@
               <a:rPr lang="ko-KR" altLang="en-US" dirty="0" smtClean="0">
                 <a:ea typeface="배달의민족 한나는 열한살" panose="020B0600000101010101"/>
               </a:rPr>
-              <a:t>글 </a:t>
-            </a:r>
-            <a:r>
-              <a:rPr lang="ko-KR" altLang="en-US" dirty="0" err="1" smtClean="0">
-                <a:ea typeface="배달의민족 한나는 열한살" panose="020B0600000101010101"/>
-              </a:rPr>
-              <a:t>등록시</a:t>
-            </a:r>
-            <a:r>
-              <a:rPr lang="ko-KR" altLang="en-US" dirty="0" smtClean="0">
-                <a:ea typeface="배달의민족 한나는 열한살" panose="020B0600000101010101"/>
-              </a:rPr>
-              <a:t> </a:t>
+              <a:t>시퀀스 사용시 번호를 하나씩 뛰어넘는 문제가 발생했습니다</a:t>
             </a:r>
             <a:r>
               <a:rPr lang="en-US" altLang="ko-KR" dirty="0" smtClean="0">
                 <a:ea typeface="배달의민족 한나는 열한살" panose="020B0600000101010101"/>
               </a:rPr>
-              <a:t>DB</a:t>
-            </a:r>
-            <a:r>
-              <a:rPr lang="ko-KR" altLang="en-US" dirty="0" smtClean="0">
-                <a:ea typeface="배달의민족 한나는 열한살" panose="020B0600000101010101"/>
-              </a:rPr>
-              <a:t>에서 정의한 </a:t>
-            </a:r>
-            <a:r>
-              <a:rPr lang="en-US" altLang="ko-KR" dirty="0" smtClean="0">
-                <a:ea typeface="배달의민족 한나는 열한살" panose="020B0600000101010101"/>
-              </a:rPr>
-              <a:t>Byte</a:t>
-            </a:r>
-            <a:r>
-              <a:rPr lang="ko-KR" altLang="en-US" dirty="0" smtClean="0">
-                <a:ea typeface="배달의민족 한나는 열한살" panose="020B0600000101010101"/>
-              </a:rPr>
-              <a:t>보다 크면 </a:t>
-            </a:r>
-            <a:r>
-              <a:rPr lang="en-US" altLang="ko-KR" dirty="0" smtClean="0">
-                <a:ea typeface="배달의민족 한나는 열한살" panose="020B0600000101010101"/>
-              </a:rPr>
-              <a:t>SQL </a:t>
-            </a:r>
-            <a:r>
-              <a:rPr lang="ko-KR" altLang="en-US" dirty="0" smtClean="0">
-                <a:ea typeface="배달의민족 한나는 열한살" panose="020B0600000101010101"/>
-              </a:rPr>
-              <a:t>오류 </a:t>
-            </a:r>
-            <a:r>
-              <a:rPr lang="ko-KR" altLang="en-US" dirty="0" smtClean="0">
-                <a:ea typeface="배달의민족 한나는 열한살" panose="020B0600000101010101"/>
-              </a:rPr>
-              <a:t>발생했습니다</a:t>
-            </a:r>
-            <a:r>
-              <a:rPr lang="en-US" altLang="ko-KR" dirty="0" smtClean="0">
-                <a:ea typeface="배달의민족 한나는 열한살" panose="020B0600000101010101"/>
-              </a:rPr>
               <a:t>.</a:t>
             </a:r>
-            <a:r>
-              <a:rPr lang="ko-KR" altLang="en-US" dirty="0" smtClean="0">
-                <a:ea typeface="배달의민족 한나는 열한살" panose="020B0600000101010101"/>
-              </a:rPr>
-              <a:t> </a:t>
-            </a:r>
-            <a:endParaRPr lang="en-US" altLang="ko-KR" dirty="0" smtClean="0">
-              <a:ea typeface="배달의민족 한나는 열한살" panose="020B0600000101010101"/>
-            </a:endParaRPr>
           </a:p>
           <a:p>
             <a:pPr marL="457200" lvl="1" indent="0">
@@ -6889,9 +6984,15 @@
               <a:rPr lang="ko-KR" altLang="en-US" sz="3600" dirty="0" smtClean="0">
                 <a:ea typeface="배달의민족 한나는 열한살" panose="020B0600000101010101"/>
               </a:rPr>
-              <a:t>해결 방법</a:t>
-            </a:r>
-            <a:endParaRPr lang="en-US" altLang="ko-KR" sz="3600" dirty="0" smtClean="0">
+              <a:t>해결 </a:t>
+            </a:r>
+            <a:r>
+              <a:rPr lang="ko-KR" altLang="en-US" sz="3600" dirty="0">
+                <a:ea typeface="배달의민족 한나는 열한살" panose="020B0600000101010101"/>
+              </a:rPr>
+              <a:t>방법</a:t>
+            </a:r>
+            <a:endParaRPr lang="en-US" altLang="ko-KR" sz="3600" dirty="0">
               <a:ea typeface="배달의민족 한나는 열한살" panose="020B0600000101010101"/>
             </a:endParaRPr>
           </a:p>
@@ -6904,52 +7005,34 @@
               <a:buChar char="§"/>
             </a:pPr>
             <a:r>
+              <a:rPr lang="ko-KR" altLang="en-US" dirty="0" smtClean="0">
+                <a:ea typeface="배달의민족 한나는 열한살" panose="020B0600000101010101"/>
+              </a:rPr>
+              <a:t>시퀀스 </a:t>
+            </a:r>
+            <a:r>
+              <a:rPr lang="ko-KR" altLang="en-US" dirty="0" err="1" smtClean="0">
+                <a:ea typeface="배달의민족 한나는 열한살" panose="020B0600000101010101"/>
+              </a:rPr>
+              <a:t>구현시</a:t>
+            </a:r>
+            <a:r>
+              <a:rPr lang="ko-KR" altLang="en-US" dirty="0" smtClean="0">
+                <a:ea typeface="배달의민족 한나는 열한살" panose="020B0600000101010101"/>
+              </a:rPr>
+              <a:t> </a:t>
+            </a:r>
+            <a:r>
               <a:rPr lang="en-US" altLang="ko-KR" dirty="0" smtClean="0">
                 <a:ea typeface="배달의민족 한나는 열한살" panose="020B0600000101010101"/>
               </a:rPr>
-              <a:t>“Input” </a:t>
+              <a:t>“ORDER” </a:t>
             </a:r>
             <a:r>
               <a:rPr lang="ko-KR" altLang="en-US" dirty="0" smtClean="0">
                 <a:ea typeface="배달의민족 한나는 열한살" panose="020B0600000101010101"/>
               </a:rPr>
-              <a:t>태그와 </a:t>
-            </a:r>
-            <a:r>
-              <a:rPr lang="en-US" altLang="ko-KR" dirty="0" smtClean="0">
-                <a:ea typeface="배달의민족 한나는 열한살" panose="020B0600000101010101"/>
-              </a:rPr>
-              <a:t>“</a:t>
-            </a:r>
-            <a:r>
-              <a:rPr lang="en-US" altLang="ko-KR" dirty="0" err="1" smtClean="0">
-                <a:ea typeface="배달의민족 한나는 열한살" panose="020B0600000101010101"/>
-              </a:rPr>
-              <a:t>Textarea</a:t>
-            </a:r>
-            <a:r>
-              <a:rPr lang="en-US" altLang="ko-KR" dirty="0" smtClean="0">
-                <a:ea typeface="배달의민족 한나는 열한살" panose="020B0600000101010101"/>
-              </a:rPr>
-              <a:t>” </a:t>
-            </a:r>
-            <a:r>
-              <a:rPr lang="ko-KR" altLang="en-US" dirty="0" smtClean="0">
-                <a:ea typeface="배달의민족 한나는 열한살" panose="020B0600000101010101"/>
-              </a:rPr>
-              <a:t>태그에 </a:t>
-            </a:r>
-            <a:r>
-              <a:rPr lang="en-US" altLang="ko-KR" dirty="0" smtClean="0">
-                <a:ea typeface="배달의민족 한나는 열한살" panose="020B0600000101010101"/>
-              </a:rPr>
-              <a:t>limit</a:t>
-            </a:r>
-            <a:r>
-              <a:rPr lang="ko-KR" altLang="en-US" dirty="0" smtClean="0">
-                <a:ea typeface="배달의민족 한나는 열한살" panose="020B0600000101010101"/>
-              </a:rPr>
-              <a:t>을 걸어 </a:t>
+              <a:t>옵션을 사용해야 하지만 </a:t>
             </a:r>
             <a:r>
               <a:rPr lang="en-US" altLang="ko-KR" dirty="0" smtClean="0">
@@ -6963,16 +7046,28 @@
               </a:rPr>
             </a:br>
             <a:r>
+              <a:rPr lang="en-US" altLang="ko-KR" dirty="0" smtClean="0">
+                <a:ea typeface="배달의민족 한나는 열한살" panose="020B0600000101010101"/>
+              </a:rPr>
+              <a:t>“NOORDER” </a:t>
+            </a:r>
+            <a:r>
+              <a:rPr lang="ko-KR" altLang="en-US" dirty="0" err="1" smtClean="0">
+                <a:ea typeface="배달의민족 한나는 열한살" panose="020B0600000101010101"/>
+              </a:rPr>
+              <a:t>명령를</a:t>
+            </a:r>
+            <a:r>
               <a:rPr lang="ko-KR" altLang="en-US" dirty="0" smtClean="0">
                 <a:ea typeface="배달의민족 한나는 열한살" panose="020B0600000101010101"/>
               </a:rPr>
-              <a:t>최대 글자수 </a:t>
-            </a:r>
-            <a:r>
-              <a:rPr lang="ko-KR" altLang="en-US" dirty="0" smtClean="0">
-                <a:ea typeface="배달의민족 한나는 열한살" panose="020B0600000101010101"/>
-              </a:rPr>
-              <a:t>지정해서 해결했습니다</a:t>
+              <a:t> 사용한 것이 </a:t>
+            </a:r>
+            <a:r>
+              <a:rPr lang="ko-KR" altLang="en-US" dirty="0" err="1" smtClean="0">
+                <a:ea typeface="배달의민족 한나는 열한살" panose="020B0600000101010101"/>
+              </a:rPr>
+              <a:t>원인이였습니다</a:t>
             </a:r>
             <a:r>
               <a:rPr lang="en-US" altLang="ko-KR" dirty="0" smtClean="0">
@@ -6989,7 +7084,7 @@
     </p:spTree>
     <p:extLst>
       <p:ext uri="{BB962C8B-B14F-4D97-AF65-F5344CB8AC3E}">
-        <p14:creationId xmlns:p14="http://schemas.microsoft.com/office/powerpoint/2010/main" val="1299164167"/>
+        <p14:creationId xmlns:p14="http://schemas.microsoft.com/office/powerpoint/2010/main" val="38606277"/>
       </p:ext>
     </p:extLst>
   </p:cSld>
@@ -7058,12 +7153,14 @@
         </p:nvSpPr>
         <p:spPr>
           <a:xfrm>
-            <a:off x="838200" y="1920875"/>
+            <a:off x="838200" y="1776095"/>
             <a:ext cx="10515600" cy="4351338"/>
           </a:xfrm>
         </p:spPr>
         <p:txBody>
-          <a:bodyPr/>
+          <a:bodyPr>
+            <a:normAutofit fontScale="85000" lnSpcReduction="20000"/>
+          </a:bodyPr>
           <a:lstStyle/>
           <a:p>
             <a:pPr marL="514350" indent="-514350">
@@ -7074,8 +7171,56 @@
               <a:buAutoNum type="arabicPeriod"/>
             </a:pPr>
             <a:r>
+              <a:rPr lang="ko-KR" altLang="en-US" dirty="0"/>
+              <a:t>개발 </a:t>
+            </a:r>
+            <a:r>
               <a:rPr lang="ko-KR" altLang="en-US" dirty="0" smtClean="0"/>
-              <a:t>게시판 기능 설명</a:t>
+              <a:t>환경</a:t>
+            </a:r>
+            <a:endParaRPr lang="en-US" altLang="ko-KR" dirty="0" smtClean="0"/>
+          </a:p>
+          <a:p>
+            <a:pPr marL="514350" indent="-514350">
+              <a:lnSpc>
+                <a:spcPct val="150000"/>
+              </a:lnSpc>
+              <a:buFont typeface="+mj-lt"/>
+              <a:buAutoNum type="arabicPeriod"/>
+            </a:pPr>
+            <a:r>
+              <a:rPr lang="ko-KR" altLang="en-US" dirty="0" smtClean="0"/>
+              <a:t>게시판 </a:t>
+            </a:r>
+            <a:r>
+              <a:rPr lang="ko-KR" altLang="en-US" dirty="0" smtClean="0"/>
+              <a:t>기능 </a:t>
+            </a:r>
+            <a:r>
+              <a:rPr lang="ko-KR" altLang="en-US" dirty="0" smtClean="0"/>
+              <a:t>설명</a:t>
+            </a:r>
+            <a:endParaRPr lang="en-US" altLang="ko-KR" dirty="0" smtClean="0"/>
+          </a:p>
+          <a:p>
+            <a:pPr marL="514350" indent="-514350">
+              <a:lnSpc>
+                <a:spcPct val="150000"/>
+              </a:lnSpc>
+              <a:buFont typeface="+mj-lt"/>
+              <a:buAutoNum type="arabicPeriod"/>
+            </a:pPr>
+            <a:r>
+              <a:rPr lang="ko-KR" altLang="en-US" dirty="0" smtClean="0"/>
+              <a:t>시스템 및 </a:t>
+            </a:r>
+            <a:r>
+              <a:rPr lang="en-US" altLang="ko-KR" dirty="0" smtClean="0"/>
+              <a:t>DB </a:t>
+            </a:r>
+            <a:r>
+              <a:rPr lang="ko-KR" altLang="en-US" dirty="0" smtClean="0"/>
+              <a:t>구성도</a:t>
             </a:r>
             <a:endParaRPr lang="en-US" altLang="ko-KR" dirty="0" smtClean="0"/>
           </a:p>
@@ -7190,12 +7335,8 @@
           <a:lstStyle/>
           <a:p>
             <a:r>
-              <a:rPr lang="en-US" altLang="ko-KR" dirty="0" smtClean="0"/>
-              <a:t>Mapper </a:t>
-            </a:r>
-            <a:r>
               <a:rPr lang="ko-KR" altLang="en-US" dirty="0" smtClean="0"/>
-              <a:t>문제</a:t>
+              <a:t>등록 문제</a:t>
             </a:r>
             <a:endParaRPr lang="ko-KR" altLang="en-US" dirty="0"/>
           </a:p>
@@ -7214,7 +7355,7 @@
         <p:spPr/>
         <p:txBody>
           <a:bodyPr>
-            <a:normAutofit fontScale="92500"/>
+            <a:normAutofit/>
           </a:bodyPr>
           <a:lstStyle/>
           <a:p>
@@ -7225,12 +7366,12 @@
               <a:buNone/>
             </a:pPr>
             <a:r>
-              <a:rPr lang="ko-KR" altLang="en-US" sz="3600" dirty="0" smtClean="0">
+              <a:rPr lang="ko-KR" altLang="en-US" sz="3600" dirty="0">
                 <a:ea typeface="배달의민족 한나는 열한살" panose="020B0600000101010101"/>
               </a:rPr>
               <a:t>문제</a:t>
             </a:r>
-            <a:endParaRPr lang="en-US" altLang="ko-KR" sz="3600" dirty="0" smtClean="0">
+            <a:endParaRPr lang="en-US" altLang="ko-KR" sz="3600" dirty="0">
               <a:ea typeface="배달의민족 한나는 열한살" panose="020B0600000101010101"/>
             </a:endParaRPr>
           </a:p>
@@ -7243,99 +7384,40 @@
               <a:buChar char="§"/>
             </a:pPr>
             <a:r>
+              <a:rPr lang="ko-KR" altLang="en-US" dirty="0" smtClean="0">
+                <a:ea typeface="배달의민족 한나는 열한살" panose="020B0600000101010101"/>
+              </a:rPr>
+              <a:t>글 </a:t>
+            </a:r>
+            <a:r>
+              <a:rPr lang="ko-KR" altLang="en-US" dirty="0" err="1" smtClean="0">
+                <a:ea typeface="배달의민족 한나는 열한살" panose="020B0600000101010101"/>
+              </a:rPr>
+              <a:t>등록시</a:t>
+            </a:r>
+            <a:r>
+              <a:rPr lang="ko-KR" altLang="en-US" dirty="0" smtClean="0">
+                <a:ea typeface="배달의민족 한나는 열한살" panose="020B0600000101010101"/>
+              </a:rPr>
+              <a:t> </a:t>
+            </a:r>
+            <a:r>
               <a:rPr lang="en-US" altLang="ko-KR" dirty="0" smtClean="0">
                 <a:ea typeface="배달의민족 한나는 열한살" panose="020B0600000101010101"/>
               </a:rPr>
-              <a:t>Mapper</a:t>
+              <a:t>Title</a:t>
             </a:r>
             <a:r>
               <a:rPr lang="ko-KR" altLang="en-US" dirty="0" smtClean="0">
                 <a:ea typeface="배달의민족 한나는 열한살" panose="020B0600000101010101"/>
               </a:rPr>
-              <a:t>에서 </a:t>
+              <a:t>에 공백문자가 들어가게 된다면 </a:t>
             </a:r>
             <a:r>
               <a:rPr lang="en-US" altLang="ko-KR" dirty="0" smtClean="0">
                 <a:ea typeface="배달의민족 한나는 열한살" panose="020B0600000101010101"/>
               </a:rPr>
-              <a:t>DB</a:t>
-            </a:r>
-            <a:r>
-              <a:rPr lang="ko-KR" altLang="en-US" dirty="0" smtClean="0">
-                <a:ea typeface="배달의민족 한나는 열한살" panose="020B0600000101010101"/>
-              </a:rPr>
-              <a:t>로 값을 </a:t>
-            </a:r>
-            <a:r>
-              <a:rPr lang="ko-KR" altLang="en-US" dirty="0" err="1" smtClean="0">
-                <a:ea typeface="배달의민족 한나는 열한살" panose="020B0600000101010101"/>
-              </a:rPr>
-              <a:t>넘길때</a:t>
-            </a:r>
-            <a:r>
-              <a:rPr lang="ko-KR" altLang="en-US" dirty="0" smtClean="0">
-                <a:ea typeface="배달의민족 한나는 열한살" panose="020B0600000101010101"/>
-              </a:rPr>
-              <a:t> </a:t>
-            </a:r>
-            <a:r>
-              <a:rPr lang="ko-KR" altLang="en-US" dirty="0" err="1" smtClean="0">
-                <a:ea typeface="배달의민족 한나는 열한살" panose="020B0600000101010101"/>
-              </a:rPr>
-              <a:t>쿼리문에서</a:t>
-            </a:r>
-            <a:r>
-              <a:rPr lang="en-US" altLang="ko-KR" dirty="0">
-                <a:ea typeface="배달의민족 한나는 열한살" panose="020B0600000101010101"/>
-              </a:rPr>
               <a:t/>
-            </a:r>
-            <a:br>
-              <a:rPr lang="en-US" altLang="ko-KR" dirty="0">
-                <a:ea typeface="배달의민족 한나는 열한살" panose="020B0600000101010101"/>
-              </a:rPr>
-            </a:br>
-            <a:r>
-              <a:rPr lang="en-US" altLang="ko-KR" dirty="0" smtClean="0">
-                <a:ea typeface="배달의민족 한나는 열한살" panose="020B0600000101010101"/>
-              </a:rPr>
-              <a:t>“’</a:t>
-            </a:r>
-            <a:r>
-              <a:rPr lang="en-US" altLang="ko-KR" dirty="0" err="1" smtClean="0">
-                <a:ea typeface="배달의민족 한나는 열한살" panose="020B0600000101010101"/>
-              </a:rPr>
-              <a:t>java.sql.SQLException</a:t>
-            </a:r>
-            <a:r>
-              <a:rPr lang="en-US" altLang="ko-KR" dirty="0" smtClean="0">
-                <a:ea typeface="배달의민족 한나는 열한살" panose="020B0600000101010101"/>
-              </a:rPr>
-              <a:t>’: </a:t>
-            </a:r>
-            <a:r>
-              <a:rPr lang="en-US" altLang="ko-KR" dirty="0">
-                <a:ea typeface="배달의민족 한나는 열한살" panose="020B0600000101010101"/>
-              </a:rPr>
-              <a:t>ORA-17004: </a:t>
-            </a:r>
-            <a:r>
-              <a:rPr lang="ko-KR" altLang="en-US" dirty="0">
-                <a:ea typeface="배달의민족 한나는 열한살" panose="020B0600000101010101"/>
-              </a:rPr>
-              <a:t>열 유형이 </a:t>
-            </a:r>
-            <a:r>
-              <a:rPr lang="ko-KR" altLang="en-US" dirty="0" smtClean="0">
-                <a:ea typeface="배달의민족 한나는 열한살" panose="020B0600000101010101"/>
-              </a:rPr>
-              <a:t>부적합합니다</a:t>
-            </a:r>
-            <a:r>
-              <a:rPr lang="en-US" altLang="ko-KR" dirty="0" smtClean="0">
-                <a:ea typeface="배달의민족 한나는 열한살" panose="020B0600000101010101"/>
-              </a:rPr>
-              <a:t>.”</a:t>
             </a:r>
             <a:br>
               <a:rPr lang="en-US" altLang="ko-KR" dirty="0" smtClean="0">
@@ -7343,16 +7425,16 @@
               </a:rPr>
             </a:br>
             <a:r>
+              <a:rPr lang="en-US" altLang="ko-KR" dirty="0" smtClean="0">
+                <a:ea typeface="배달의민족 한나는 열한살" panose="020B0600000101010101"/>
+              </a:rPr>
+              <a:t>SQL </a:t>
+            </a:r>
+            <a:r>
               <a:rPr lang="ko-KR" altLang="en-US" dirty="0" smtClean="0">
                 <a:ea typeface="배달의민족 한나는 열한살" panose="020B0600000101010101"/>
               </a:rPr>
-              <a:t>문제 </a:t>
-            </a:r>
-            <a:r>
-              <a:rPr lang="ko-KR" altLang="en-US" dirty="0" smtClean="0">
-                <a:ea typeface="배달의민족 한나는 열한살" panose="020B0600000101010101"/>
-              </a:rPr>
-              <a:t>발생했습니다</a:t>
+              <a:t>오류나 조회 페이지로 이동 못하는 상황이 발생했습니다</a:t>
             </a:r>
             <a:r>
               <a:rPr lang="en-US" altLang="ko-KR" dirty="0" smtClean="0">
@@ -7360,9 +7442,6 @@
               </a:rPr>
               <a:t>.</a:t>
             </a:r>
-            <a:endParaRPr lang="en-US" altLang="ko-KR" dirty="0" smtClean="0">
-              <a:ea typeface="배달의민족 한나는 열한살" panose="020B0600000101010101"/>
-            </a:endParaRPr>
           </a:p>
           <a:p>
             <a:pPr marL="457200" lvl="1" indent="0">
@@ -7375,9 +7454,15 @@
               <a:rPr lang="ko-KR" altLang="en-US" sz="3600" dirty="0" smtClean="0">
                 <a:ea typeface="배달의민족 한나는 열한살" panose="020B0600000101010101"/>
               </a:rPr>
-              <a:t>해결 방법</a:t>
-            </a:r>
-            <a:endParaRPr lang="en-US" altLang="ko-KR" sz="3600" dirty="0" smtClean="0">
+              <a:t>해결 </a:t>
+            </a:r>
+            <a:r>
+              <a:rPr lang="ko-KR" altLang="en-US" sz="3600" dirty="0">
+                <a:ea typeface="배달의민족 한나는 열한살" panose="020B0600000101010101"/>
+              </a:rPr>
+              <a:t>방법</a:t>
+            </a:r>
+            <a:endParaRPr lang="en-US" altLang="ko-KR" sz="3600" dirty="0">
               <a:ea typeface="배달의민족 한나는 열한살" panose="020B0600000101010101"/>
             </a:endParaRPr>
           </a:p>
@@ -7390,9 +7475,567 @@
               <a:buChar char="§"/>
             </a:pPr>
             <a:r>
+              <a:rPr lang="ko-KR" altLang="en-US" dirty="0" smtClean="0">
+                <a:ea typeface="배달의민족 한나는 열한살" panose="020B0600000101010101"/>
+              </a:rPr>
+              <a:t>글 </a:t>
+            </a:r>
+            <a:r>
               <a:rPr lang="ko-KR" altLang="en-US" dirty="0" err="1" smtClean="0">
                 <a:ea typeface="배달의민족 한나는 열한살" panose="020B0600000101010101"/>
               </a:rPr>
+              <a:t>등록시</a:t>
+            </a:r>
+            <a:r>
+              <a:rPr lang="ko-KR" altLang="en-US" dirty="0" smtClean="0">
+                <a:ea typeface="배달의민족 한나는 열한살" panose="020B0600000101010101"/>
+              </a:rPr>
+              <a:t> </a:t>
+            </a:r>
+            <a:r>
+              <a:rPr lang="en-US" altLang="ko-KR" dirty="0" smtClean="0">
+                <a:ea typeface="배달의민족 한나는 열한살" panose="020B0600000101010101"/>
+              </a:rPr>
+              <a:t>“trim()” </a:t>
+            </a:r>
+            <a:r>
+              <a:rPr lang="ko-KR" altLang="en-US" dirty="0" smtClean="0">
+                <a:ea typeface="배달의민족 한나는 열한살" panose="020B0600000101010101"/>
+              </a:rPr>
+              <a:t>함수를 사용하여 공백을 방지했습니다</a:t>
+            </a:r>
+            <a:r>
+              <a:rPr lang="en-US" altLang="ko-KR" dirty="0" smtClean="0">
+                <a:ea typeface="배달의민족 한나는 열한살" panose="020B0600000101010101"/>
+              </a:rPr>
+              <a:t>.</a:t>
+            </a:r>
+            <a:endParaRPr lang="ko-KR" altLang="en-US" dirty="0">
+              <a:ea typeface="배달의민족 한나는 열한살" panose="020B0600000101010101"/>
+            </a:endParaRPr>
+          </a:p>
+        </p:txBody>
+      </p:sp>
+    </p:spTree>
+    <p:extLst>
+      <p:ext uri="{BB962C8B-B14F-4D97-AF65-F5344CB8AC3E}">
+        <p14:creationId xmlns:p14="http://schemas.microsoft.com/office/powerpoint/2010/main" val="3548614160"/>
+      </p:ext>
+    </p:extLst>
+  </p:cSld>
+  <p:clrMapOvr>
+    <a:masterClrMapping/>
+  </p:clrMapOvr>
+  <p:timing>
+    <p:tnLst>
+      <p:par>
+        <p:cTn id="1" dur="indefinite" restart="never" nodeType="tmRoot"/>
+      </p:par>
+    </p:tnLst>
+  </p:timing>
+</p:sld>
+</file>
+
+<file path=ppt/slides/slide21.xml><?xml version="1.0" encoding="utf-8"?>
+<p:sld xmlns:a="http://schemas.openxmlformats.org/drawingml/2006/main" xmlns:r="http://schemas.openxmlformats.org/officeDocument/2006/relationships" xmlns:p="http://schemas.openxmlformats.org/presentationml/2006/main">
+  <p:cSld>
+    <p:spTree>
+      <p:nvGrpSpPr>
+        <p:cNvPr id="1" name=""/>
+        <p:cNvGrpSpPr/>
+        <p:nvPr/>
+      </p:nvGrpSpPr>
+      <p:grpSpPr>
+        <a:xfrm>
+          <a:off x="0" y="0"/>
+          <a:ext cx="0" cy="0"/>
+          <a:chOff x="0" y="0"/>
+          <a:chExt cx="0" cy="0"/>
+        </a:xfrm>
+      </p:grpSpPr>
+      <p:sp>
+        <p:nvSpPr>
+          <p:cNvPr id="2" name="제목 1"/>
+          <p:cNvSpPr>
+            <a:spLocks noGrp="1"/>
+          </p:cNvSpPr>
+          <p:nvPr>
+            <p:ph type="title"/>
+          </p:nvPr>
+        </p:nvSpPr>
+        <p:spPr/>
+        <p:txBody>
+          <a:bodyPr/>
+          <a:lstStyle/>
+          <a:p>
+            <a:r>
+              <a:rPr lang="ko-KR" altLang="en-US" dirty="0" smtClean="0"/>
+              <a:t>등록 문제</a:t>
+            </a:r>
+            <a:endParaRPr lang="ko-KR" altLang="en-US" dirty="0"/>
+          </a:p>
+        </p:txBody>
+      </p:sp>
+      <p:sp>
+        <p:nvSpPr>
+          <p:cNvPr id="3" name="내용 개체 틀 2"/>
+          <p:cNvSpPr>
+            <a:spLocks noGrp="1"/>
+          </p:cNvSpPr>
+          <p:nvPr>
+            <p:ph idx="1"/>
+          </p:nvPr>
+        </p:nvSpPr>
+        <p:spPr/>
+        <p:txBody>
+          <a:bodyPr>
+            <a:normAutofit/>
+          </a:bodyPr>
+          <a:lstStyle/>
+          <a:p>
+            <a:pPr marL="457200" lvl="1" indent="0">
+              <a:lnSpc>
+                <a:spcPct val="150000"/>
+              </a:lnSpc>
+              <a:buNone/>
+            </a:pPr>
+            <a:r>
+              <a:rPr lang="ko-KR" altLang="en-US" sz="3600" dirty="0">
+                <a:ea typeface="배달의민족 한나는 열한살" panose="020B0600000101010101"/>
+              </a:rPr>
+              <a:t>문제</a:t>
+            </a:r>
+            <a:endParaRPr lang="en-US" altLang="ko-KR" sz="3600" dirty="0">
+              <a:ea typeface="배달의민족 한나는 열한살" panose="020B0600000101010101"/>
+            </a:endParaRPr>
+          </a:p>
+          <a:p>
+            <a:pPr lvl="1">
+              <a:lnSpc>
+                <a:spcPct val="150000"/>
+              </a:lnSpc>
+              <a:buFont typeface="Wingdings" panose="05000000000000000000" pitchFamily="2" charset="2"/>
+              <a:buChar char="§"/>
+            </a:pPr>
+            <a:r>
+              <a:rPr lang="ko-KR" altLang="en-US" dirty="0" smtClean="0">
+                <a:ea typeface="배달의민족 한나는 열한살" panose="020B0600000101010101"/>
+              </a:rPr>
+              <a:t>글 </a:t>
+            </a:r>
+            <a:r>
+              <a:rPr lang="ko-KR" altLang="en-US" dirty="0" err="1" smtClean="0">
+                <a:ea typeface="배달의민족 한나는 열한살" panose="020B0600000101010101"/>
+              </a:rPr>
+              <a:t>등록시</a:t>
+            </a:r>
+            <a:r>
+              <a:rPr lang="ko-KR" altLang="en-US" dirty="0" smtClean="0">
+                <a:ea typeface="배달의민족 한나는 열한살" panose="020B0600000101010101"/>
+              </a:rPr>
+              <a:t> </a:t>
+            </a:r>
+            <a:r>
+              <a:rPr lang="en-US" altLang="ko-KR" dirty="0" smtClean="0">
+                <a:ea typeface="배달의민족 한나는 열한살" panose="020B0600000101010101"/>
+              </a:rPr>
+              <a:t>DB</a:t>
+            </a:r>
+            <a:r>
+              <a:rPr lang="ko-KR" altLang="en-US" dirty="0" smtClean="0">
+                <a:ea typeface="배달의민족 한나는 열한살" panose="020B0600000101010101"/>
+              </a:rPr>
+              <a:t>에서 정의한 </a:t>
+            </a:r>
+            <a:r>
+              <a:rPr lang="en-US" altLang="ko-KR" dirty="0" smtClean="0">
+                <a:ea typeface="배달의민족 한나는 열한살" panose="020B0600000101010101"/>
+              </a:rPr>
+              <a:t>Byte</a:t>
+            </a:r>
+            <a:r>
+              <a:rPr lang="ko-KR" altLang="en-US" dirty="0" smtClean="0">
+                <a:ea typeface="배달의민족 한나는 열한살" panose="020B0600000101010101"/>
+              </a:rPr>
+              <a:t>보다 크면 </a:t>
+            </a:r>
+            <a:r>
+              <a:rPr lang="en-US" altLang="ko-KR" dirty="0" smtClean="0">
+                <a:ea typeface="배달의민족 한나는 열한살" panose="020B0600000101010101"/>
+              </a:rPr>
+              <a:t>SQL </a:t>
+            </a:r>
+            <a:r>
+              <a:rPr lang="ko-KR" altLang="en-US" dirty="0" smtClean="0">
+                <a:ea typeface="배달의민족 한나는 열한살" panose="020B0600000101010101"/>
+              </a:rPr>
+              <a:t>오류 발생했습니다</a:t>
+            </a:r>
+            <a:r>
+              <a:rPr lang="en-US" altLang="ko-KR" dirty="0" smtClean="0">
+                <a:ea typeface="배달의민족 한나는 열한살" panose="020B0600000101010101"/>
+              </a:rPr>
+              <a:t>.</a:t>
+            </a:r>
+            <a:r>
+              <a:rPr lang="ko-KR" altLang="en-US" dirty="0" smtClean="0">
+                <a:ea typeface="배달의민족 한나는 열한살" panose="020B0600000101010101"/>
+              </a:rPr>
+              <a:t> </a:t>
+            </a:r>
+            <a:endParaRPr lang="en-US" altLang="ko-KR" dirty="0" smtClean="0">
+              <a:ea typeface="배달의민족 한나는 열한살" panose="020B0600000101010101"/>
+            </a:endParaRPr>
+          </a:p>
+          <a:p>
+            <a:pPr marL="457200" lvl="1" indent="0">
+              <a:lnSpc>
+                <a:spcPct val="150000"/>
+              </a:lnSpc>
+              <a:buNone/>
+            </a:pPr>
+            <a:r>
+              <a:rPr lang="ko-KR" altLang="en-US" sz="3600" dirty="0" smtClean="0">
+                <a:ea typeface="배달의민족 한나는 열한살" panose="020B0600000101010101"/>
+              </a:rPr>
+              <a:t>해결 방법</a:t>
+            </a:r>
+            <a:endParaRPr lang="en-US" altLang="ko-KR" sz="3600" dirty="0" smtClean="0">
+              <a:ea typeface="배달의민족 한나는 열한살" panose="020B0600000101010101"/>
+            </a:endParaRPr>
+          </a:p>
+          <a:p>
+            <a:pPr lvl="1">
+              <a:lnSpc>
+                <a:spcPct val="150000"/>
+              </a:lnSpc>
+              <a:buFont typeface="Wingdings" panose="05000000000000000000" pitchFamily="2" charset="2"/>
+              <a:buChar char="§"/>
+            </a:pPr>
+            <a:r>
+              <a:rPr lang="en-US" altLang="ko-KR" dirty="0" smtClean="0">
+                <a:ea typeface="배달의민족 한나는 열한살" panose="020B0600000101010101"/>
+              </a:rPr>
+              <a:t>“Input” </a:t>
+            </a:r>
+            <a:r>
+              <a:rPr lang="ko-KR" altLang="en-US" dirty="0" smtClean="0">
+                <a:ea typeface="배달의민족 한나는 열한살" panose="020B0600000101010101"/>
+              </a:rPr>
+              <a:t>태그와 </a:t>
+            </a:r>
+            <a:r>
+              <a:rPr lang="en-US" altLang="ko-KR" dirty="0" smtClean="0">
+                <a:ea typeface="배달의민족 한나는 열한살" panose="020B0600000101010101"/>
+              </a:rPr>
+              <a:t>“</a:t>
+            </a:r>
+            <a:r>
+              <a:rPr lang="en-US" altLang="ko-KR" dirty="0" err="1" smtClean="0">
+                <a:ea typeface="배달의민족 한나는 열한살" panose="020B0600000101010101"/>
+              </a:rPr>
+              <a:t>Textarea</a:t>
+            </a:r>
+            <a:r>
+              <a:rPr lang="en-US" altLang="ko-KR" dirty="0" smtClean="0">
+                <a:ea typeface="배달의민족 한나는 열한살" panose="020B0600000101010101"/>
+              </a:rPr>
+              <a:t>” </a:t>
+            </a:r>
+            <a:r>
+              <a:rPr lang="ko-KR" altLang="en-US" dirty="0" smtClean="0">
+                <a:ea typeface="배달의민족 한나는 열한살" panose="020B0600000101010101"/>
+              </a:rPr>
+              <a:t>태그에 </a:t>
+            </a:r>
+            <a:r>
+              <a:rPr lang="en-US" altLang="ko-KR" dirty="0" smtClean="0">
+                <a:ea typeface="배달의민족 한나는 열한살" panose="020B0600000101010101"/>
+              </a:rPr>
+              <a:t>limit</a:t>
+            </a:r>
+            <a:r>
+              <a:rPr lang="ko-KR" altLang="en-US" dirty="0" smtClean="0">
+                <a:ea typeface="배달의민족 한나는 열한살" panose="020B0600000101010101"/>
+              </a:rPr>
+              <a:t>을 걸어 </a:t>
+            </a:r>
+            <a:r>
+              <a:rPr lang="en-US" altLang="ko-KR" dirty="0" smtClean="0">
+                <a:ea typeface="배달의민족 한나는 열한살" panose="020B0600000101010101"/>
+              </a:rPr>
+              <a:t/>
+            </a:r>
+            <a:br>
+              <a:rPr lang="en-US" altLang="ko-KR" dirty="0" smtClean="0">
+                <a:ea typeface="배달의민족 한나는 열한살" panose="020B0600000101010101"/>
+              </a:rPr>
+            </a:br>
+            <a:r>
+              <a:rPr lang="ko-KR" altLang="en-US" dirty="0" smtClean="0">
+                <a:ea typeface="배달의민족 한나는 열한살" panose="020B0600000101010101"/>
+              </a:rPr>
+              <a:t>최대 글자수 지정해서 해결했습니다</a:t>
+            </a:r>
+            <a:r>
+              <a:rPr lang="en-US" altLang="ko-KR" dirty="0" smtClean="0">
+                <a:ea typeface="배달의민족 한나는 열한살" panose="020B0600000101010101"/>
+              </a:rPr>
+              <a:t>.</a:t>
+            </a:r>
+            <a:endParaRPr lang="ko-KR" altLang="en-US" dirty="0">
+              <a:ea typeface="배달의민족 한나는 열한살" panose="020B0600000101010101"/>
+            </a:endParaRPr>
+          </a:p>
+        </p:txBody>
+      </p:sp>
+    </p:spTree>
+    <p:extLst>
+      <p:ext uri="{BB962C8B-B14F-4D97-AF65-F5344CB8AC3E}">
+        <p14:creationId xmlns:p14="http://schemas.microsoft.com/office/powerpoint/2010/main" val="1299164167"/>
+      </p:ext>
+    </p:extLst>
+  </p:cSld>
+  <p:clrMapOvr>
+    <a:masterClrMapping/>
+  </p:clrMapOvr>
+  <p:timing>
+    <p:tnLst>
+      <p:par>
+        <p:cTn id="1" dur="indefinite" restart="never" nodeType="tmRoot"/>
+      </p:par>
+    </p:tnLst>
+  </p:timing>
+</p:sld>
+</file>
+
+<file path=ppt/slides/slide22.xml><?xml version="1.0" encoding="utf-8"?>
+<p:sld xmlns:a="http://schemas.openxmlformats.org/drawingml/2006/main" xmlns:r="http://schemas.openxmlformats.org/officeDocument/2006/relationships" xmlns:p="http://schemas.openxmlformats.org/presentationml/2006/main">
+  <p:cSld>
+    <p:spTree>
+      <p:nvGrpSpPr>
+        <p:cNvPr id="1" name=""/>
+        <p:cNvGrpSpPr/>
+        <p:nvPr/>
+      </p:nvGrpSpPr>
+      <p:grpSpPr>
+        <a:xfrm>
+          <a:off x="0" y="0"/>
+          <a:ext cx="0" cy="0"/>
+          <a:chOff x="0" y="0"/>
+          <a:chExt cx="0" cy="0"/>
+        </a:xfrm>
+      </p:grpSpPr>
+      <p:sp>
+        <p:nvSpPr>
+          <p:cNvPr id="2" name="제목 1"/>
+          <p:cNvSpPr>
+            <a:spLocks noGrp="1"/>
+          </p:cNvSpPr>
+          <p:nvPr>
+            <p:ph type="title"/>
+          </p:nvPr>
+        </p:nvSpPr>
+        <p:spPr/>
+        <p:txBody>
+          <a:bodyPr/>
+          <a:lstStyle/>
+          <a:p>
+            <a:r>
+              <a:rPr lang="en-US" altLang="ko-KR" dirty="0" smtClean="0"/>
+              <a:t>Mapper </a:t>
+            </a:r>
+            <a:r>
+              <a:rPr lang="ko-KR" altLang="en-US" dirty="0" smtClean="0"/>
+              <a:t>문제</a:t>
+            </a:r>
+            <a:endParaRPr lang="ko-KR" altLang="en-US" dirty="0"/>
+          </a:p>
+        </p:txBody>
+      </p:sp>
+      <p:sp>
+        <p:nvSpPr>
+          <p:cNvPr id="3" name="내용 개체 틀 2"/>
+          <p:cNvSpPr>
+            <a:spLocks noGrp="1"/>
+          </p:cNvSpPr>
+          <p:nvPr>
+            <p:ph idx="1"/>
+          </p:nvPr>
+        </p:nvSpPr>
+        <p:spPr/>
+        <p:txBody>
+          <a:bodyPr>
+            <a:normAutofit fontScale="92500"/>
+          </a:bodyPr>
+          <a:lstStyle/>
+          <a:p>
+            <a:pPr marL="457200" lvl="1" indent="0">
+              <a:lnSpc>
+                <a:spcPct val="150000"/>
+              </a:lnSpc>
+              <a:buNone/>
+            </a:pPr>
+            <a:r>
+              <a:rPr lang="ko-KR" altLang="en-US" sz="3600" dirty="0" smtClean="0">
+                <a:ea typeface="배달의민족 한나는 열한살" panose="020B0600000101010101"/>
+              </a:rPr>
+              <a:t>문제</a:t>
+            </a:r>
+            <a:endParaRPr lang="en-US" altLang="ko-KR" sz="3600" dirty="0" smtClean="0">
+              <a:ea typeface="배달의민족 한나는 열한살" panose="020B0600000101010101"/>
+            </a:endParaRPr>
+          </a:p>
+          <a:p>
+            <a:pPr lvl="1">
+              <a:lnSpc>
+                <a:spcPct val="150000"/>
+              </a:lnSpc>
+              <a:buFont typeface="Wingdings" panose="05000000000000000000" pitchFamily="2" charset="2"/>
+              <a:buChar char="§"/>
+            </a:pPr>
+            <a:r>
+              <a:rPr lang="en-US" altLang="ko-KR" dirty="0" smtClean="0">
+                <a:ea typeface="배달의민족 한나는 열한살" panose="020B0600000101010101"/>
+              </a:rPr>
+              <a:t>Mapper</a:t>
+            </a:r>
+            <a:r>
+              <a:rPr lang="ko-KR" altLang="en-US" dirty="0" smtClean="0">
+                <a:ea typeface="배달의민족 한나는 열한살" panose="020B0600000101010101"/>
+              </a:rPr>
+              <a:t>에서 </a:t>
+            </a:r>
+            <a:r>
+              <a:rPr lang="en-US" altLang="ko-KR" dirty="0" smtClean="0">
+                <a:ea typeface="배달의민족 한나는 열한살" panose="020B0600000101010101"/>
+              </a:rPr>
+              <a:t>DB</a:t>
+            </a:r>
+            <a:r>
+              <a:rPr lang="ko-KR" altLang="en-US" dirty="0" smtClean="0">
+                <a:ea typeface="배달의민족 한나는 열한살" panose="020B0600000101010101"/>
+              </a:rPr>
+              <a:t>로 값을 </a:t>
+            </a:r>
+            <a:r>
+              <a:rPr lang="ko-KR" altLang="en-US" dirty="0" err="1" smtClean="0">
+                <a:ea typeface="배달의민족 한나는 열한살" panose="020B0600000101010101"/>
+              </a:rPr>
+              <a:t>넘길때</a:t>
+            </a:r>
+            <a:r>
+              <a:rPr lang="ko-KR" altLang="en-US" dirty="0" smtClean="0">
+                <a:ea typeface="배달의민족 한나는 열한살" panose="020B0600000101010101"/>
+              </a:rPr>
+              <a:t> </a:t>
+            </a:r>
+            <a:r>
+              <a:rPr lang="ko-KR" altLang="en-US" dirty="0" err="1" smtClean="0">
+                <a:ea typeface="배달의민족 한나는 열한살" panose="020B0600000101010101"/>
+              </a:rPr>
+              <a:t>쿼리문에서</a:t>
+            </a:r>
+            <a:r>
+              <a:rPr lang="en-US" altLang="ko-KR" dirty="0">
+                <a:ea typeface="배달의민족 한나는 열한살" panose="020B0600000101010101"/>
+              </a:rPr>
+              <a:t/>
+            </a:r>
+            <a:br>
+              <a:rPr lang="en-US" altLang="ko-KR" dirty="0">
+                <a:ea typeface="배달의민족 한나는 열한살" panose="020B0600000101010101"/>
+              </a:rPr>
+            </a:br>
+            <a:r>
+              <a:rPr lang="en-US" altLang="ko-KR" dirty="0" smtClean="0">
+                <a:ea typeface="배달의민족 한나는 열한살" panose="020B0600000101010101"/>
+              </a:rPr>
+              <a:t>“’</a:t>
+            </a:r>
+            <a:r>
+              <a:rPr lang="en-US" altLang="ko-KR" dirty="0" err="1" smtClean="0">
+                <a:ea typeface="배달의민족 한나는 열한살" panose="020B0600000101010101"/>
+              </a:rPr>
+              <a:t>java.sql.SQLException</a:t>
+            </a:r>
+            <a:r>
+              <a:rPr lang="en-US" altLang="ko-KR" dirty="0" smtClean="0">
+                <a:ea typeface="배달의민족 한나는 열한살" panose="020B0600000101010101"/>
+              </a:rPr>
+              <a:t>’: </a:t>
+            </a:r>
+            <a:r>
+              <a:rPr lang="en-US" altLang="ko-KR" dirty="0">
+                <a:ea typeface="배달의민족 한나는 열한살" panose="020B0600000101010101"/>
+              </a:rPr>
+              <a:t>ORA-17004: </a:t>
+            </a:r>
+            <a:r>
+              <a:rPr lang="ko-KR" altLang="en-US" dirty="0">
+                <a:ea typeface="배달의민족 한나는 열한살" panose="020B0600000101010101"/>
+              </a:rPr>
+              <a:t>열 유형이 </a:t>
+            </a:r>
+            <a:r>
+              <a:rPr lang="ko-KR" altLang="en-US" dirty="0" smtClean="0">
+                <a:ea typeface="배달의민족 한나는 열한살" panose="020B0600000101010101"/>
+              </a:rPr>
+              <a:t>부적합합니다</a:t>
+            </a:r>
+            <a:r>
+              <a:rPr lang="en-US" altLang="ko-KR" dirty="0" smtClean="0">
+                <a:ea typeface="배달의민족 한나는 열한살" panose="020B0600000101010101"/>
+              </a:rPr>
+              <a:t>.”</a:t>
+            </a:r>
+            <a:br>
+              <a:rPr lang="en-US" altLang="ko-KR" dirty="0" smtClean="0">
+                <a:ea typeface="배달의민족 한나는 열한살" panose="020B0600000101010101"/>
+              </a:rPr>
+            </a:br>
+            <a:r>
+              <a:rPr lang="ko-KR" altLang="en-US" dirty="0" smtClean="0">
+                <a:ea typeface="배달의민족 한나는 열한살" panose="020B0600000101010101"/>
+              </a:rPr>
+              <a:t>문제 발생했습니다</a:t>
+            </a:r>
+            <a:r>
+              <a:rPr lang="en-US" altLang="ko-KR" dirty="0" smtClean="0">
+                <a:ea typeface="배달의민족 한나는 열한살" panose="020B0600000101010101"/>
+              </a:rPr>
+              <a:t>.</a:t>
+            </a:r>
+          </a:p>
+          <a:p>
+            <a:pPr marL="457200" lvl="1" indent="0">
+              <a:lnSpc>
+                <a:spcPct val="150000"/>
+              </a:lnSpc>
+              <a:buNone/>
+            </a:pPr>
+            <a:r>
+              <a:rPr lang="ko-KR" altLang="en-US" sz="3600" dirty="0" smtClean="0">
+                <a:ea typeface="배달의민족 한나는 열한살" panose="020B0600000101010101"/>
+              </a:rPr>
+              <a:t>해결 방법</a:t>
+            </a:r>
+            <a:endParaRPr lang="en-US" altLang="ko-KR" sz="3600" dirty="0" smtClean="0">
+              <a:ea typeface="배달의민족 한나는 열한살" panose="020B0600000101010101"/>
+            </a:endParaRPr>
+          </a:p>
+          <a:p>
+            <a:pPr lvl="1">
+              <a:lnSpc>
+                <a:spcPct val="150000"/>
+              </a:lnSpc>
+              <a:buFont typeface="Wingdings" panose="05000000000000000000" pitchFamily="2" charset="2"/>
+              <a:buChar char="§"/>
+            </a:pPr>
+            <a:r>
+              <a:rPr lang="ko-KR" altLang="en-US" dirty="0" err="1" smtClean="0">
+                <a:ea typeface="배달의민족 한나는 열한살" panose="020B0600000101010101"/>
+              </a:rPr>
               <a:t>쿼리문에</a:t>
             </a:r>
             <a:r>
@@ -7423,13 +8066,7 @@
               <a:rPr lang="ko-KR" altLang="en-US" dirty="0" smtClean="0">
                 <a:ea typeface="배달의민족 한나는 열한살" panose="020B0600000101010101"/>
               </a:rPr>
-              <a:t>을 지정해서 타입 변환 후 입력하여 문제 </a:t>
-            </a:r>
-            <a:r>
-              <a:rPr lang="ko-KR" altLang="en-US" dirty="0" smtClean="0">
-                <a:ea typeface="배달의민족 한나는 열한살" panose="020B0600000101010101"/>
-              </a:rPr>
-              <a:t>해결했습니다</a:t>
+              <a:t>을 지정해서 타입 변환 후 입력하여 문제 해결했습니다</a:t>
             </a:r>
             <a:r>
               <a:rPr lang="en-US" altLang="ko-KR" dirty="0" smtClean="0">
@@ -7463,7 +8100,7 @@
 </p:sld>
 </file>
 
-<file path=ppt/slides/slide21.xml><?xml version="1.0" encoding="utf-8"?>
+<file path=ppt/slides/slide23.xml><?xml version="1.0" encoding="utf-8"?>
 <p:sld xmlns:a="http://schemas.openxmlformats.org/drawingml/2006/main" xmlns:r="http://schemas.openxmlformats.org/officeDocument/2006/relationships" xmlns:p="http://schemas.openxmlformats.org/presentationml/2006/main">
   <p:cSld>
     <p:spTree>
@@ -7573,441 +8210,905 @@
           <a:p>
             <a:r>
               <a:rPr lang="ko-KR" altLang="en-US" dirty="0" smtClean="0"/>
-              <a:t>게시판 기능 설명</a:t>
+              <a:t>개발 환경</a:t>
             </a:r>
             <a:endParaRPr lang="ko-KR" altLang="en-US" dirty="0"/>
           </a:p>
         </p:txBody>
       </p:sp>
-      <p:sp>
-        <p:nvSpPr>
-          <p:cNvPr id="3" name="내용 개체 틀 2"/>
-          <p:cNvSpPr>
-            <a:spLocks noGrp="1"/>
-          </p:cNvSpPr>
+      <p:graphicFrame>
+        <p:nvGraphicFramePr>
+          <p:cNvPr id="4" name="표 3"/>
+          <p:cNvGraphicFramePr>
+            <a:graphicFrameLocks noGrp="1"/>
+          </p:cNvGraphicFramePr>
           <p:nvPr>
-            <p:ph idx="1"/>
+            <p:extLst>
+              <p:ext uri="{D42A27DB-BD31-4B8C-83A1-F6EECF244321}">
+                <p14:modId xmlns:p14="http://schemas.microsoft.com/office/powerpoint/2010/main" val="78893565"/>
+              </p:ext>
+            </p:extLst>
           </p:nvPr>
-        </p:nvSpPr>
-        <p:spPr>
+        </p:nvGraphicFramePr>
+        <p:xfrm>
+          <a:off x="627148" y="2107891"/>
+          <a:ext cx="10726653" cy="2937049"/>
+        </p:xfrm>
+        <a:graphic>
+          <a:graphicData uri="http://schemas.openxmlformats.org/drawingml/2006/table">
+            <a:tbl>
+              <a:tblPr>
+                <a:tableStyleId>{5C22544A-7EE6-4342-B048-85BDC9FD1C3A}</a:tableStyleId>
+              </a:tblPr>
+              <a:tblGrid>
+                <a:gridCol w="2639754"/>
+                <a:gridCol w="4511348"/>
+                <a:gridCol w="3575551"/>
+              </a:tblGrid>
+              <a:tr h="898660">
+                <a:tc>
+                  <a:txBody>
+                    <a:bodyPr/>
+                    <a:lstStyle/>
+                    <a:p>
+                      <a:pPr algn="ctr" latinLnBrk="1"/>
+                      <a:r>
+                        <a:rPr lang="en-US" altLang="ko-KR" dirty="0" err="1" smtClean="0"/>
+                        <a:t>FrontEnd</a:t>
+                      </a:r>
+                      <a:endParaRPr lang="ko-KR" altLang="en-US" dirty="0"/>
+                    </a:p>
+                  </a:txBody>
+                  <a:tcPr anchor="ctr">
+                    <a:lnL w="12700" cap="flat" cmpd="sng" algn="ctr">
+                      <a:solidFill>
+                        <a:schemeClr val="tx1"/>
+                      </a:solidFill>
+                      <a:prstDash val="solid"/>
+                      <a:round/>
+                      <a:headEnd type="none" w="med" len="med"/>
+                      <a:tailEnd type="none" w="med" len="med"/>
+                    </a:lnL>
+                    <a:lnR w="12700" cap="flat" cmpd="sng" algn="ctr">
+                      <a:solidFill>
+                        <a:schemeClr val="tx1"/>
+                      </a:solidFill>
+                      <a:prstDash val="solid"/>
+                      <a:round/>
+                      <a:headEnd type="none" w="med" len="med"/>
+                      <a:tailEnd type="none" w="med" len="med"/>
+                    </a:lnR>
+                    <a:lnT w="12700" cap="flat" cmpd="sng" algn="ctr">
+                      <a:solidFill>
+                        <a:schemeClr val="tx1"/>
+                      </a:solidFill>
+                      <a:prstDash val="solid"/>
+                      <a:round/>
+                      <a:headEnd type="none" w="med" len="med"/>
+                      <a:tailEnd type="none" w="med" len="med"/>
+                    </a:lnT>
+                    <a:lnB w="12700" cap="flat" cmpd="sng" algn="ctr">
+                      <a:solidFill>
+                        <a:schemeClr val="tx1"/>
+                      </a:solidFill>
+                      <a:prstDash val="solid"/>
+                      <a:round/>
+                      <a:headEnd type="none" w="med" len="med"/>
+                      <a:tailEnd type="none" w="med" len="med"/>
+                    </a:lnB>
+                    <a:solidFill>
+                      <a:schemeClr val="bg1"/>
+                    </a:solidFill>
+                  </a:tcPr>
+                </a:tc>
+                <a:tc>
+                  <a:txBody>
+                    <a:bodyPr/>
+                    <a:lstStyle/>
+                    <a:p>
+                      <a:pPr algn="ctr" latinLnBrk="1"/>
+                      <a:endParaRPr lang="ko-KR" altLang="en-US" dirty="0"/>
+                    </a:p>
+                  </a:txBody>
+                  <a:tcPr anchor="ctr">
+                    <a:lnL w="12700" cap="flat" cmpd="sng" algn="ctr">
+                      <a:solidFill>
+                        <a:schemeClr val="tx1"/>
+                      </a:solidFill>
+                      <a:prstDash val="solid"/>
+                      <a:round/>
+                      <a:headEnd type="none" w="med" len="med"/>
+                      <a:tailEnd type="none" w="med" len="med"/>
+                    </a:lnL>
+                    <a:lnR w="12700" cap="flat" cmpd="sng" algn="ctr">
+                      <a:solidFill>
+                        <a:schemeClr val="tx1"/>
+                      </a:solidFill>
+                      <a:prstDash val="solid"/>
+                      <a:round/>
+                      <a:headEnd type="none" w="med" len="med"/>
+                      <a:tailEnd type="none" w="med" len="med"/>
+                    </a:lnR>
+                    <a:lnT w="12700" cap="flat" cmpd="sng" algn="ctr">
+                      <a:solidFill>
+                        <a:schemeClr val="tx1"/>
+                      </a:solidFill>
+                      <a:prstDash val="solid"/>
+                      <a:round/>
+                      <a:headEnd type="none" w="med" len="med"/>
+                      <a:tailEnd type="none" w="med" len="med"/>
+                    </a:lnT>
+                    <a:lnB w="12700" cap="flat" cmpd="sng" algn="ctr">
+                      <a:solidFill>
+                        <a:schemeClr val="tx1"/>
+                      </a:solidFill>
+                      <a:prstDash val="solid"/>
+                      <a:round/>
+                      <a:headEnd type="none" w="med" len="med"/>
+                      <a:tailEnd type="none" w="med" len="med"/>
+                    </a:lnB>
+                    <a:solidFill>
+                      <a:schemeClr val="bg1"/>
+                    </a:solidFill>
+                  </a:tcPr>
+                </a:tc>
+                <a:tc rowSpan="2">
+                  <a:txBody>
+                    <a:bodyPr/>
+                    <a:lstStyle/>
+                    <a:p>
+                      <a:pPr algn="ctr" latinLnBrk="1"/>
+                      <a:endParaRPr lang="ko-KR" altLang="en-US" dirty="0"/>
+                    </a:p>
+                  </a:txBody>
+                  <a:tcPr anchor="ctr">
+                    <a:lnL w="12700" cap="flat" cmpd="sng" algn="ctr">
+                      <a:solidFill>
+                        <a:schemeClr val="tx1"/>
+                      </a:solidFill>
+                      <a:prstDash val="solid"/>
+                      <a:round/>
+                      <a:headEnd type="none" w="med" len="med"/>
+                      <a:tailEnd type="none" w="med" len="med"/>
+                    </a:lnL>
+                    <a:lnR w="12700" cap="flat" cmpd="sng" algn="ctr">
+                      <a:solidFill>
+                        <a:schemeClr val="tx1"/>
+                      </a:solidFill>
+                      <a:prstDash val="solid"/>
+                      <a:round/>
+                      <a:headEnd type="none" w="med" len="med"/>
+                      <a:tailEnd type="none" w="med" len="med"/>
+                    </a:lnR>
+                    <a:lnT w="12700" cap="flat" cmpd="sng" algn="ctr">
+                      <a:solidFill>
+                        <a:schemeClr val="tx1"/>
+                      </a:solidFill>
+                      <a:prstDash val="solid"/>
+                      <a:round/>
+                      <a:headEnd type="none" w="med" len="med"/>
+                      <a:tailEnd type="none" w="med" len="med"/>
+                    </a:lnT>
+                    <a:lnB w="12700" cap="flat" cmpd="sng" algn="ctr">
+                      <a:solidFill>
+                        <a:schemeClr val="tx1"/>
+                      </a:solidFill>
+                      <a:prstDash val="solid"/>
+                      <a:round/>
+                      <a:headEnd type="none" w="med" len="med"/>
+                      <a:tailEnd type="none" w="med" len="med"/>
+                    </a:lnB>
+                    <a:solidFill>
+                      <a:schemeClr val="bg1"/>
+                    </a:solidFill>
+                  </a:tcPr>
+                </a:tc>
+              </a:tr>
+              <a:tr h="898660">
+                <a:tc>
+                  <a:txBody>
+                    <a:bodyPr/>
+                    <a:lstStyle/>
+                    <a:p>
+                      <a:pPr algn="ctr" latinLnBrk="1"/>
+                      <a:r>
+                        <a:rPr lang="en-US" altLang="ko-KR" dirty="0" err="1" smtClean="0"/>
+                        <a:t>BackEnd</a:t>
+                      </a:r>
+                      <a:endParaRPr lang="ko-KR" altLang="en-US" dirty="0"/>
+                    </a:p>
+                  </a:txBody>
+                  <a:tcPr anchor="ctr">
+                    <a:lnL w="12700" cap="flat" cmpd="sng" algn="ctr">
+                      <a:solidFill>
+                        <a:schemeClr val="tx1"/>
+                      </a:solidFill>
+                      <a:prstDash val="solid"/>
+                      <a:round/>
+                      <a:headEnd type="none" w="med" len="med"/>
+                      <a:tailEnd type="none" w="med" len="med"/>
+                    </a:lnL>
+                    <a:lnR w="12700" cap="flat" cmpd="sng" algn="ctr">
+                      <a:solidFill>
+                        <a:schemeClr val="tx1"/>
+                      </a:solidFill>
+                      <a:prstDash val="solid"/>
+                      <a:round/>
+                      <a:headEnd type="none" w="med" len="med"/>
+                      <a:tailEnd type="none" w="med" len="med"/>
+                    </a:lnR>
+                    <a:lnT w="12700" cap="flat" cmpd="sng" algn="ctr">
+                      <a:solidFill>
+                        <a:schemeClr val="tx1"/>
+                      </a:solidFill>
+                      <a:prstDash val="solid"/>
+                      <a:round/>
+                      <a:headEnd type="none" w="med" len="med"/>
+                      <a:tailEnd type="none" w="med" len="med"/>
+                    </a:lnT>
+                    <a:lnB w="12700" cap="flat" cmpd="sng" algn="ctr">
+                      <a:solidFill>
+                        <a:schemeClr val="tx1"/>
+                      </a:solidFill>
+                      <a:prstDash val="solid"/>
+                      <a:round/>
+                      <a:headEnd type="none" w="med" len="med"/>
+                      <a:tailEnd type="none" w="med" len="med"/>
+                    </a:lnB>
+                    <a:solidFill>
+                      <a:schemeClr val="bg1"/>
+                    </a:solidFill>
+                  </a:tcPr>
+                </a:tc>
+                <a:tc>
+                  <a:txBody>
+                    <a:bodyPr/>
+                    <a:lstStyle/>
+                    <a:p>
+                      <a:pPr algn="ctr" latinLnBrk="1"/>
+                      <a:endParaRPr lang="ko-KR" altLang="en-US" dirty="0"/>
+                    </a:p>
+                  </a:txBody>
+                  <a:tcPr anchor="ctr">
+                    <a:lnL w="12700" cap="flat" cmpd="sng" algn="ctr">
+                      <a:solidFill>
+                        <a:schemeClr val="tx1"/>
+                      </a:solidFill>
+                      <a:prstDash val="solid"/>
+                      <a:round/>
+                      <a:headEnd type="none" w="med" len="med"/>
+                      <a:tailEnd type="none" w="med" len="med"/>
+                    </a:lnL>
+                    <a:lnR w="12700" cap="flat" cmpd="sng" algn="ctr">
+                      <a:solidFill>
+                        <a:schemeClr val="tx1"/>
+                      </a:solidFill>
+                      <a:prstDash val="solid"/>
+                      <a:round/>
+                      <a:headEnd type="none" w="med" len="med"/>
+                      <a:tailEnd type="none" w="med" len="med"/>
+                    </a:lnR>
+                    <a:lnT w="12700" cap="flat" cmpd="sng" algn="ctr">
+                      <a:solidFill>
+                        <a:schemeClr val="tx1"/>
+                      </a:solidFill>
+                      <a:prstDash val="solid"/>
+                      <a:round/>
+                      <a:headEnd type="none" w="med" len="med"/>
+                      <a:tailEnd type="none" w="med" len="med"/>
+                    </a:lnT>
+                    <a:lnB w="12700" cap="flat" cmpd="sng" algn="ctr">
+                      <a:solidFill>
+                        <a:schemeClr val="tx1"/>
+                      </a:solidFill>
+                      <a:prstDash val="solid"/>
+                      <a:round/>
+                      <a:headEnd type="none" w="med" len="med"/>
+                      <a:tailEnd type="none" w="med" len="med"/>
+                    </a:lnB>
+                    <a:solidFill>
+                      <a:schemeClr val="bg1"/>
+                    </a:solidFill>
+                  </a:tcPr>
+                </a:tc>
+                <a:tc vMerge="1">
+                  <a:txBody>
+                    <a:bodyPr/>
+                    <a:lstStyle/>
+                    <a:p>
+                      <a:pPr latinLnBrk="1"/>
+                      <a:endParaRPr lang="ko-KR" altLang="en-US" dirty="0"/>
+                    </a:p>
+                  </a:txBody>
+                  <a:tcPr>
+                    <a:lnL w="12700" cap="flat" cmpd="sng" algn="ctr">
+                      <a:solidFill>
+                        <a:schemeClr val="tx1"/>
+                      </a:solidFill>
+                      <a:prstDash val="solid"/>
+                      <a:round/>
+                      <a:headEnd type="none" w="med" len="med"/>
+                      <a:tailEnd type="none" w="med" len="med"/>
+                    </a:lnL>
+                    <a:lnR w="12700" cap="flat" cmpd="sng" algn="ctr">
+                      <a:solidFill>
+                        <a:schemeClr val="tx1"/>
+                      </a:solidFill>
+                      <a:prstDash val="solid"/>
+                      <a:round/>
+                      <a:headEnd type="none" w="med" len="med"/>
+                      <a:tailEnd type="none" w="med" len="med"/>
+                    </a:lnR>
+                    <a:lnT w="12700" cap="flat" cmpd="sng" algn="ctr">
+                      <a:solidFill>
+                        <a:schemeClr val="tx1"/>
+                      </a:solidFill>
+                      <a:prstDash val="solid"/>
+                      <a:round/>
+                      <a:headEnd type="none" w="med" len="med"/>
+                      <a:tailEnd type="none" w="med" len="med"/>
+                    </a:lnT>
+                    <a:lnB w="12700" cap="flat" cmpd="sng" algn="ctr">
+                      <a:solidFill>
+                        <a:schemeClr val="tx1"/>
+                      </a:solidFill>
+                      <a:prstDash val="solid"/>
+                      <a:round/>
+                      <a:headEnd type="none" w="med" len="med"/>
+                      <a:tailEnd type="none" w="med" len="med"/>
+                    </a:lnB>
+                  </a:tcPr>
+                </a:tc>
+              </a:tr>
+              <a:tr h="1139729">
+                <a:tc>
+                  <a:txBody>
+                    <a:bodyPr/>
+                    <a:lstStyle/>
+                    <a:p>
+                      <a:pPr algn="ctr" latinLnBrk="1"/>
+                      <a:r>
+                        <a:rPr lang="en-US" altLang="ko-KR" dirty="0" err="1" smtClean="0"/>
+                        <a:t>DataBase</a:t>
+                      </a:r>
+                      <a:endParaRPr lang="ko-KR" altLang="en-US" dirty="0"/>
+                    </a:p>
+                  </a:txBody>
+                  <a:tcPr anchor="ctr">
+                    <a:lnL w="12700" cap="flat" cmpd="sng" algn="ctr">
+                      <a:solidFill>
+                        <a:schemeClr val="tx1"/>
+                      </a:solidFill>
+                      <a:prstDash val="solid"/>
+                      <a:round/>
+                      <a:headEnd type="none" w="med" len="med"/>
+                      <a:tailEnd type="none" w="med" len="med"/>
+                    </a:lnL>
+                    <a:lnR w="12700" cap="flat" cmpd="sng" algn="ctr">
+                      <a:solidFill>
+                        <a:schemeClr val="tx1"/>
+                      </a:solidFill>
+                      <a:prstDash val="solid"/>
+                      <a:round/>
+                      <a:headEnd type="none" w="med" len="med"/>
+                      <a:tailEnd type="none" w="med" len="med"/>
+                    </a:lnR>
+                    <a:lnT w="12700" cap="flat" cmpd="sng" algn="ctr">
+                      <a:solidFill>
+                        <a:schemeClr val="tx1"/>
+                      </a:solidFill>
+                      <a:prstDash val="solid"/>
+                      <a:round/>
+                      <a:headEnd type="none" w="med" len="med"/>
+                      <a:tailEnd type="none" w="med" len="med"/>
+                    </a:lnT>
+                    <a:lnB w="12700" cap="flat" cmpd="sng" algn="ctr">
+                      <a:solidFill>
+                        <a:schemeClr val="tx1"/>
+                      </a:solidFill>
+                      <a:prstDash val="solid"/>
+                      <a:round/>
+                      <a:headEnd type="none" w="med" len="med"/>
+                      <a:tailEnd type="none" w="med" len="med"/>
+                    </a:lnB>
+                    <a:solidFill>
+                      <a:schemeClr val="bg1"/>
+                    </a:solidFill>
+                  </a:tcPr>
+                </a:tc>
+                <a:tc>
+                  <a:txBody>
+                    <a:bodyPr/>
+                    <a:lstStyle/>
+                    <a:p>
+                      <a:pPr algn="ctr" latinLnBrk="1"/>
+                      <a:endParaRPr lang="ko-KR" altLang="en-US" dirty="0"/>
+                    </a:p>
+                  </a:txBody>
+                  <a:tcPr anchor="ctr">
+                    <a:lnL w="12700" cap="flat" cmpd="sng" algn="ctr">
+                      <a:solidFill>
+                        <a:schemeClr val="tx1"/>
+                      </a:solidFill>
+                      <a:prstDash val="solid"/>
+                      <a:round/>
+                      <a:headEnd type="none" w="med" len="med"/>
+                      <a:tailEnd type="none" w="med" len="med"/>
+                    </a:lnL>
+                    <a:lnR w="12700" cap="flat" cmpd="sng" algn="ctr">
+                      <a:solidFill>
+                        <a:schemeClr val="tx1"/>
+                      </a:solidFill>
+                      <a:prstDash val="solid"/>
+                      <a:round/>
+                      <a:headEnd type="none" w="med" len="med"/>
+                      <a:tailEnd type="none" w="med" len="med"/>
+                    </a:lnR>
+                    <a:lnT w="12700" cap="flat" cmpd="sng" algn="ctr">
+                      <a:solidFill>
+                        <a:schemeClr val="tx1"/>
+                      </a:solidFill>
+                      <a:prstDash val="solid"/>
+                      <a:round/>
+                      <a:headEnd type="none" w="med" len="med"/>
+                      <a:tailEnd type="none" w="med" len="med"/>
+                    </a:lnT>
+                    <a:lnB w="12700" cap="flat" cmpd="sng" algn="ctr">
+                      <a:solidFill>
+                        <a:schemeClr val="tx1"/>
+                      </a:solidFill>
+                      <a:prstDash val="solid"/>
+                      <a:round/>
+                      <a:headEnd type="none" w="med" len="med"/>
+                      <a:tailEnd type="none" w="med" len="med"/>
+                    </a:lnB>
+                    <a:solidFill>
+                      <a:schemeClr val="bg1"/>
+                    </a:solidFill>
+                  </a:tcPr>
+                </a:tc>
+                <a:tc>
+                  <a:txBody>
+                    <a:bodyPr/>
+                    <a:lstStyle/>
+                    <a:p>
+                      <a:pPr algn="ctr" latinLnBrk="1"/>
+                      <a:endParaRPr lang="ko-KR" altLang="en-US" dirty="0"/>
+                    </a:p>
+                  </a:txBody>
+                  <a:tcPr anchor="ctr">
+                    <a:lnL w="12700" cap="flat" cmpd="sng" algn="ctr">
+                      <a:solidFill>
+                        <a:schemeClr val="tx1"/>
+                      </a:solidFill>
+                      <a:prstDash val="solid"/>
+                      <a:round/>
+                      <a:headEnd type="none" w="med" len="med"/>
+                      <a:tailEnd type="none" w="med" len="med"/>
+                    </a:lnL>
+                    <a:lnR w="12700" cap="flat" cmpd="sng" algn="ctr">
+                      <a:solidFill>
+                        <a:schemeClr val="tx1"/>
+                      </a:solidFill>
+                      <a:prstDash val="solid"/>
+                      <a:round/>
+                      <a:headEnd type="none" w="med" len="med"/>
+                      <a:tailEnd type="none" w="med" len="med"/>
+                    </a:lnR>
+                    <a:lnT w="12700" cap="flat" cmpd="sng" algn="ctr">
+                      <a:solidFill>
+                        <a:schemeClr val="tx1"/>
+                      </a:solidFill>
+                      <a:prstDash val="solid"/>
+                      <a:round/>
+                      <a:headEnd type="none" w="med" len="med"/>
+                      <a:tailEnd type="none" w="med" len="med"/>
+                    </a:lnT>
+                    <a:lnB w="12700" cap="flat" cmpd="sng" algn="ctr">
+                      <a:solidFill>
+                        <a:schemeClr val="tx1"/>
+                      </a:solidFill>
+                      <a:prstDash val="solid"/>
+                      <a:round/>
+                      <a:headEnd type="none" w="med" len="med"/>
+                      <a:tailEnd type="none" w="med" len="med"/>
+                    </a:lnB>
+                    <a:solidFill>
+                      <a:schemeClr val="bg1"/>
+                    </a:solidFill>
+                  </a:tcPr>
+                </a:tc>
+              </a:tr>
+            </a:tbl>
+          </a:graphicData>
+        </a:graphic>
+      </p:graphicFrame>
+      <p:pic>
+        <p:nvPicPr>
+          <p:cNvPr id="1042" name="Picture 18" descr="JS] 자바스크립트 공식사이트"/>
+          <p:cNvPicPr>
+            <a:picLocks noChangeAspect="1" noChangeArrowheads="1"/>
+          </p:cNvPicPr>
+          <p:nvPr/>
+        </p:nvPicPr>
+        <p:blipFill>
+          <a:blip r:embed="rId2" cstate="print">
+            <a:extLst>
+              <a:ext uri="{28A0092B-C50C-407E-A947-70E740481C1C}">
+                <a14:useLocalDpi xmlns:a14="http://schemas.microsoft.com/office/drawing/2010/main" val="0"/>
+              </a:ext>
+            </a:extLst>
+          </a:blip>
+          <a:srcRect/>
+          <a:stretch>
+            <a:fillRect/>
+          </a:stretch>
+        </p:blipFill>
+        <p:spPr bwMode="auto">
           <a:xfrm>
-            <a:off x="571500" y="1825624"/>
-            <a:ext cx="5143500" cy="4797598"/>
-          </a:xfrm>
-        </p:spPr>
-        <p:txBody>
-          <a:bodyPr>
-            <a:normAutofit/>
-          </a:bodyPr>
-          <a:lstStyle/>
-          <a:p>
-            <a:pPr>
-              <a:lnSpc>
-                <a:spcPct val="150000"/>
-              </a:lnSpc>
-            </a:pPr>
-            <a:r>
-              <a:rPr lang="ko-KR" altLang="en-US" sz="2400" dirty="0" smtClean="0"/>
-              <a:t>게시물</a:t>
-            </a:r>
-            <a:endParaRPr lang="en-US" altLang="ko-KR" sz="2400" dirty="0" smtClean="0"/>
-          </a:p>
-          <a:p>
-            <a:pPr lvl="1">
-              <a:lnSpc>
-                <a:spcPct val="150000"/>
-              </a:lnSpc>
-            </a:pPr>
-            <a:r>
-              <a:rPr lang="ko-KR" altLang="en-US" sz="2000" dirty="0" smtClean="0"/>
-              <a:t>등록 </a:t>
-            </a:r>
-            <a:r>
-              <a:rPr lang="en-US" altLang="ko-KR" sz="2000" dirty="0" smtClean="0"/>
-              <a:t>(</a:t>
-            </a:r>
-            <a:r>
-              <a:rPr lang="ko-KR" altLang="en-US" sz="2000" dirty="0" smtClean="0"/>
-              <a:t>제목과 내용을 등록</a:t>
-            </a:r>
-            <a:r>
-              <a:rPr lang="en-US" altLang="ko-KR" sz="2000" dirty="0" smtClean="0"/>
-              <a:t>)</a:t>
-            </a:r>
-          </a:p>
-          <a:p>
-            <a:pPr lvl="1">
-              <a:lnSpc>
-                <a:spcPct val="150000"/>
-              </a:lnSpc>
-            </a:pPr>
-            <a:r>
-              <a:rPr lang="ko-KR" altLang="en-US" sz="2000" dirty="0" smtClean="0"/>
-              <a:t>조회 </a:t>
-            </a:r>
-            <a:r>
-              <a:rPr lang="en-US" altLang="ko-KR" sz="2000" dirty="0" smtClean="0"/>
-              <a:t>(</a:t>
-            </a:r>
-            <a:r>
-              <a:rPr lang="ko-KR" altLang="en-US" sz="2000" dirty="0" smtClean="0"/>
-              <a:t>제목과 내용</a:t>
-            </a:r>
-            <a:r>
-              <a:rPr lang="en-US" altLang="ko-KR" sz="2000" dirty="0"/>
-              <a:t> </a:t>
-            </a:r>
-            <a:r>
-              <a:rPr lang="ko-KR" altLang="en-US" sz="2000" dirty="0" smtClean="0"/>
-              <a:t>및 작성일과 수정일</a:t>
-            </a:r>
-            <a:r>
-              <a:rPr lang="en-US" altLang="ko-KR" sz="2000" dirty="0" smtClean="0"/>
-              <a:t>) </a:t>
-            </a:r>
-          </a:p>
-          <a:p>
-            <a:pPr lvl="1">
-              <a:lnSpc>
-                <a:spcPct val="150000"/>
-              </a:lnSpc>
-            </a:pPr>
-            <a:r>
-              <a:rPr lang="ko-KR" altLang="en-US" sz="2000" dirty="0" smtClean="0"/>
-              <a:t>수정 </a:t>
-            </a:r>
-            <a:r>
-              <a:rPr lang="en-US" altLang="ko-KR" sz="2000" dirty="0" smtClean="0"/>
-              <a:t>(</a:t>
-            </a:r>
-            <a:r>
-              <a:rPr lang="ko-KR" altLang="en-US" sz="2000" dirty="0" smtClean="0"/>
-              <a:t>제목과 내용을 수정</a:t>
-            </a:r>
-            <a:r>
-              <a:rPr lang="en-US" altLang="ko-KR" sz="2000" dirty="0" smtClean="0"/>
-              <a:t>)</a:t>
-            </a:r>
-          </a:p>
-          <a:p>
-            <a:pPr lvl="1">
-              <a:lnSpc>
-                <a:spcPct val="150000"/>
-              </a:lnSpc>
-            </a:pPr>
-            <a:r>
-              <a:rPr lang="ko-KR" altLang="en-US" sz="2000" dirty="0" smtClean="0"/>
-              <a:t>삭제</a:t>
-            </a:r>
-            <a:endParaRPr lang="en-US" altLang="ko-KR" sz="2000" dirty="0"/>
-          </a:p>
-          <a:p>
-            <a:pPr lvl="2">
-              <a:lnSpc>
-                <a:spcPct val="150000"/>
-              </a:lnSpc>
-            </a:pPr>
-            <a:r>
-              <a:rPr lang="ko-KR" altLang="en-US" sz="1800" dirty="0" smtClean="0"/>
-              <a:t>특정 번호 삭제</a:t>
-            </a:r>
-            <a:endParaRPr lang="en-US" altLang="ko-KR" sz="1800" dirty="0" smtClean="0"/>
-          </a:p>
-          <a:p>
-            <a:pPr lvl="2">
-              <a:lnSpc>
-                <a:spcPct val="150000"/>
-              </a:lnSpc>
-            </a:pPr>
-            <a:r>
-              <a:rPr lang="ko-KR" altLang="en-US" sz="1800" dirty="0" smtClean="0"/>
-              <a:t>전부 삭제</a:t>
-            </a:r>
-            <a:endParaRPr lang="en-US" altLang="ko-KR" sz="1800" dirty="0" smtClean="0"/>
-          </a:p>
-          <a:p>
-            <a:pPr lvl="1"/>
-            <a:endParaRPr lang="ko-KR" altLang="en-US" dirty="0"/>
-          </a:p>
-        </p:txBody>
-      </p:sp>
-      <p:sp>
-        <p:nvSpPr>
-          <p:cNvPr id="5" name="내용 개체 틀 2"/>
-          <p:cNvSpPr txBox="1">
-            <a:spLocks/>
-          </p:cNvSpPr>
-          <p:nvPr/>
-        </p:nvSpPr>
-        <p:spPr>
-          <a:xfrm>
-            <a:off x="6648450" y="1690688"/>
-            <a:ext cx="5143500" cy="4797598"/>
+            <a:off x="9860483" y="10305176"/>
+            <a:ext cx="148635" cy="148635"/>
           </a:xfrm>
           <a:prstGeom prst="rect">
             <a:avLst/>
           </a:prstGeom>
+          <a:noFill/>
+          <a:extLst>
+            <a:ext uri="{909E8E84-426E-40DD-AFC4-6F175D3DCCD1}">
+              <a14:hiddenFill xmlns:a14="http://schemas.microsoft.com/office/drawing/2010/main">
+                <a:solidFill>
+                  <a:srgbClr val="FFFFFF"/>
+                </a:solidFill>
+              </a14:hiddenFill>
+            </a:ext>
+          </a:extLst>
         </p:spPr>
-        <p:txBody>
-          <a:bodyPr vert="horz" lIns="91440" tIns="45720" rIns="91440" bIns="45720" rtlCol="0">
-            <a:normAutofit/>
-          </a:bodyPr>
-          <a:lstStyle>
-            <a:lvl1pPr marL="228600" indent="-228600" algn="l" defTabSz="914400" rtl="0" eaLnBrk="1" latinLnBrk="1" hangingPunct="1">
-              <a:lnSpc>
-                <a:spcPct val="90000"/>
-              </a:lnSpc>
-              <a:spcBef>
-                <a:spcPts val="1000"/>
-              </a:spcBef>
-              <a:buFont typeface="Arial" panose="020B0604020202020204" pitchFamily="34" charset="0"/>
-              <a:buChar char="•"/>
-              <a:defRPr sz="2800" kern="1200">
-                <a:solidFill>
-                  <a:schemeClr val="bg1">
-                    <a:lumMod val="85000"/>
-                  </a:schemeClr>
-                </a:solidFill>
-                <a:latin typeface="배달의민족 한나체 Air" panose="020B0600000101010101" pitchFamily="50" charset="-127"/>
-                <a:ea typeface="배달의민족 한나체 Air" panose="020B0600000101010101" pitchFamily="50" charset="-127"/>
-                <a:cs typeface="+mn-cs"/>
-              </a:defRPr>
-            </a:lvl1pPr>
-            <a:lvl2pPr marL="685800" indent="-228600" algn="l" defTabSz="914400" rtl="0" eaLnBrk="1" latinLnBrk="1" hangingPunct="1">
-              <a:lnSpc>
-                <a:spcPct val="90000"/>
-              </a:lnSpc>
-              <a:spcBef>
-                <a:spcPts val="500"/>
-              </a:spcBef>
-              <a:buFont typeface="Arial" panose="020B0604020202020204" pitchFamily="34" charset="0"/>
-              <a:buChar char="•"/>
-              <a:defRPr sz="2400" kern="1200">
-                <a:solidFill>
-                  <a:schemeClr val="bg1">
-                    <a:lumMod val="85000"/>
-                  </a:schemeClr>
-                </a:solidFill>
-                <a:latin typeface="배달의민족 한나체 Air" panose="020B0600000101010101" pitchFamily="50" charset="-127"/>
-                <a:ea typeface="배달의민족 한나체 Air" panose="020B0600000101010101" pitchFamily="50" charset="-127"/>
-                <a:cs typeface="+mn-cs"/>
-              </a:defRPr>
-            </a:lvl2pPr>
-            <a:lvl3pPr marL="1143000" indent="-228600" algn="l" defTabSz="914400" rtl="0" eaLnBrk="1" latinLnBrk="1" hangingPunct="1">
-              <a:lnSpc>
-                <a:spcPct val="90000"/>
-              </a:lnSpc>
-              <a:spcBef>
-                <a:spcPts val="500"/>
-              </a:spcBef>
-              <a:buFont typeface="Arial" panose="020B0604020202020204" pitchFamily="34" charset="0"/>
-              <a:buChar char="•"/>
-              <a:defRPr sz="2000" kern="1200">
-                <a:solidFill>
-                  <a:schemeClr val="bg1">
-                    <a:lumMod val="85000"/>
-                  </a:schemeClr>
-                </a:solidFill>
-                <a:latin typeface="배달의민족 한나체 Air" panose="020B0600000101010101" pitchFamily="50" charset="-127"/>
-                <a:ea typeface="배달의민족 한나체 Air" panose="020B0600000101010101" pitchFamily="50" charset="-127"/>
-                <a:cs typeface="+mn-cs"/>
-              </a:defRPr>
-            </a:lvl3pPr>
-            <a:lvl4pPr marL="1600200" indent="-228600" algn="l" defTabSz="914400" rtl="0" eaLnBrk="1" latinLnBrk="1" hangingPunct="1">
-              <a:lnSpc>
-                <a:spcPct val="90000"/>
-              </a:lnSpc>
-              <a:spcBef>
-                <a:spcPts val="500"/>
-              </a:spcBef>
-              <a:buFont typeface="Arial" panose="020B0604020202020204" pitchFamily="34" charset="0"/>
-              <a:buChar char="•"/>
-              <a:defRPr sz="1800" kern="1200">
-                <a:solidFill>
-                  <a:schemeClr val="bg1">
-                    <a:lumMod val="85000"/>
-                  </a:schemeClr>
-                </a:solidFill>
-                <a:latin typeface="배달의민족 한나체 Air" panose="020B0600000101010101" pitchFamily="50" charset="-127"/>
-                <a:ea typeface="배달의민족 한나체 Air" panose="020B0600000101010101" pitchFamily="50" charset="-127"/>
-                <a:cs typeface="+mn-cs"/>
-              </a:defRPr>
-            </a:lvl4pPr>
-            <a:lvl5pPr marL="2057400" indent="-228600" algn="l" defTabSz="914400" rtl="0" eaLnBrk="1" latinLnBrk="1" hangingPunct="1">
-              <a:lnSpc>
-                <a:spcPct val="90000"/>
-              </a:lnSpc>
-              <a:spcBef>
-                <a:spcPts val="500"/>
-              </a:spcBef>
-              <a:buFont typeface="Arial" panose="020B0604020202020204" pitchFamily="34" charset="0"/>
-              <a:buChar char="•"/>
-              <a:defRPr sz="1800" kern="1200">
-                <a:solidFill>
-                  <a:schemeClr val="bg1">
-                    <a:lumMod val="85000"/>
-                  </a:schemeClr>
-                </a:solidFill>
-                <a:latin typeface="배달의민족 한나체 Air" panose="020B0600000101010101" pitchFamily="50" charset="-127"/>
-                <a:ea typeface="배달의민족 한나체 Air" panose="020B0600000101010101" pitchFamily="50" charset="-127"/>
-                <a:cs typeface="+mn-cs"/>
-              </a:defRPr>
-            </a:lvl5pPr>
-            <a:lvl6pPr marL="2514600" indent="-228600" algn="l" defTabSz="914400" rtl="0" eaLnBrk="1" latinLnBrk="1" hangingPunct="1">
-              <a:lnSpc>
-                <a:spcPct val="90000"/>
-              </a:lnSpc>
-              <a:spcBef>
-                <a:spcPts val="500"/>
-              </a:spcBef>
-              <a:buFont typeface="Arial" panose="020B0604020202020204" pitchFamily="34" charset="0"/>
-              <a:buChar char="•"/>
-              <a:defRPr sz="1800" kern="1200">
-                <a:solidFill>
-                  <a:schemeClr val="tx1"/>
-                </a:solidFill>
-                <a:latin typeface="+mn-lt"/>
-                <a:ea typeface="+mn-ea"/>
-                <a:cs typeface="+mn-cs"/>
-              </a:defRPr>
-            </a:lvl6pPr>
-            <a:lvl7pPr marL="2971800" indent="-228600" algn="l" defTabSz="914400" rtl="0" eaLnBrk="1" latinLnBrk="1" hangingPunct="1">
-              <a:lnSpc>
-                <a:spcPct val="90000"/>
-              </a:lnSpc>
-              <a:spcBef>
-                <a:spcPts val="500"/>
-              </a:spcBef>
-              <a:buFont typeface="Arial" panose="020B0604020202020204" pitchFamily="34" charset="0"/>
-              <a:buChar char="•"/>
-              <a:defRPr sz="1800" kern="1200">
-                <a:solidFill>
-                  <a:schemeClr val="tx1"/>
-                </a:solidFill>
-                <a:latin typeface="+mn-lt"/>
-                <a:ea typeface="+mn-ea"/>
-                <a:cs typeface="+mn-cs"/>
-              </a:defRPr>
-            </a:lvl7pPr>
-            <a:lvl8pPr marL="3429000" indent="-228600" algn="l" defTabSz="914400" rtl="0" eaLnBrk="1" latinLnBrk="1" hangingPunct="1">
-              <a:lnSpc>
-                <a:spcPct val="90000"/>
-              </a:lnSpc>
-              <a:spcBef>
-                <a:spcPts val="500"/>
-              </a:spcBef>
-              <a:buFont typeface="Arial" panose="020B0604020202020204" pitchFamily="34" charset="0"/>
-              <a:buChar char="•"/>
-              <a:defRPr sz="1800" kern="1200">
-                <a:solidFill>
-                  <a:schemeClr val="tx1"/>
-                </a:solidFill>
-                <a:latin typeface="+mn-lt"/>
-                <a:ea typeface="+mn-ea"/>
-                <a:cs typeface="+mn-cs"/>
-              </a:defRPr>
-            </a:lvl8pPr>
-            <a:lvl9pPr marL="3886200" indent="-228600" algn="l" defTabSz="914400" rtl="0" eaLnBrk="1" latinLnBrk="1" hangingPunct="1">
-              <a:lnSpc>
-                <a:spcPct val="90000"/>
-              </a:lnSpc>
-              <a:spcBef>
-                <a:spcPts val="500"/>
-              </a:spcBef>
-              <a:buFont typeface="Arial" panose="020B0604020202020204" pitchFamily="34" charset="0"/>
-              <a:buChar char="•"/>
-              <a:defRPr sz="1800" kern="1200">
-                <a:solidFill>
-                  <a:schemeClr val="tx1"/>
-                </a:solidFill>
-                <a:latin typeface="+mn-lt"/>
-                <a:ea typeface="+mn-ea"/>
-                <a:cs typeface="+mn-cs"/>
-              </a:defRPr>
-            </a:lvl9pPr>
-          </a:lstStyle>
-          <a:p>
-            <a:pPr>
-              <a:lnSpc>
-                <a:spcPct val="150000"/>
-              </a:lnSpc>
-            </a:pPr>
-            <a:r>
-              <a:rPr lang="ko-KR" altLang="en-US" sz="2400" dirty="0"/>
-              <a:t>첨부파일</a:t>
-            </a:r>
-            <a:endParaRPr lang="en-US" altLang="ko-KR" sz="2400" dirty="0"/>
-          </a:p>
-          <a:p>
-            <a:pPr lvl="1">
-              <a:lnSpc>
-                <a:spcPct val="150000"/>
-              </a:lnSpc>
-            </a:pPr>
-            <a:r>
-              <a:rPr lang="ko-KR" altLang="en-US" sz="2000" dirty="0"/>
-              <a:t>업로드</a:t>
-            </a:r>
-            <a:endParaRPr lang="en-US" altLang="ko-KR" sz="2000" dirty="0"/>
-          </a:p>
-          <a:p>
-            <a:pPr lvl="1">
-              <a:lnSpc>
-                <a:spcPct val="150000"/>
-              </a:lnSpc>
-            </a:pPr>
-            <a:r>
-              <a:rPr lang="ko-KR" altLang="en-US" sz="2000" dirty="0"/>
-              <a:t>수정</a:t>
-            </a:r>
-            <a:endParaRPr lang="en-US" altLang="ko-KR" sz="2000" dirty="0"/>
-          </a:p>
-          <a:p>
-            <a:pPr lvl="1">
-              <a:lnSpc>
-                <a:spcPct val="150000"/>
-              </a:lnSpc>
-            </a:pPr>
-            <a:r>
-              <a:rPr lang="ko-KR" altLang="en-US" sz="2000" dirty="0" smtClean="0"/>
-              <a:t>삭제</a:t>
-            </a:r>
-            <a:endParaRPr lang="en-US" altLang="ko-KR" sz="2000" dirty="0" smtClean="0"/>
-          </a:p>
-          <a:p>
-            <a:pPr lvl="2">
-              <a:lnSpc>
-                <a:spcPct val="150000"/>
-              </a:lnSpc>
-            </a:pPr>
-            <a:r>
-              <a:rPr lang="ko-KR" altLang="en-US" sz="1600" dirty="0" smtClean="0"/>
-              <a:t>특정 번호 삭제</a:t>
-            </a:r>
-            <a:endParaRPr lang="en-US" altLang="ko-KR" sz="1600" dirty="0" smtClean="0"/>
-          </a:p>
-          <a:p>
-            <a:pPr lvl="2">
-              <a:lnSpc>
-                <a:spcPct val="150000"/>
-              </a:lnSpc>
-            </a:pPr>
-            <a:r>
-              <a:rPr lang="ko-KR" altLang="en-US" sz="1600" dirty="0" smtClean="0"/>
-              <a:t>특정 파일 삭제</a:t>
-            </a:r>
-            <a:endParaRPr lang="en-US" altLang="ko-KR" sz="1600" dirty="0"/>
-          </a:p>
-          <a:p>
-            <a:pPr lvl="1"/>
-            <a:endParaRPr lang="ko-KR" altLang="en-US" dirty="0"/>
-          </a:p>
-        </p:txBody>
-      </p:sp>
+      </p:pic>
+      <p:grpSp>
+        <p:nvGrpSpPr>
+          <p:cNvPr id="11" name="그룹 10"/>
+          <p:cNvGrpSpPr/>
+          <p:nvPr/>
+        </p:nvGrpSpPr>
+        <p:grpSpPr>
+          <a:xfrm>
+            <a:off x="3548497" y="2218169"/>
+            <a:ext cx="7670119" cy="2797103"/>
+            <a:chOff x="3548497" y="2218169"/>
+            <a:chExt cx="7670119" cy="2797103"/>
+          </a:xfrm>
+        </p:grpSpPr>
+        <p:pic>
+          <p:nvPicPr>
+            <p:cNvPr id="1026" name="Picture 2" descr="JAVA] 클래스"/>
+            <p:cNvPicPr>
+              <a:picLocks noChangeAspect="1" noChangeArrowheads="1"/>
+            </p:cNvPicPr>
+            <p:nvPr/>
+          </p:nvPicPr>
+          <p:blipFill>
+            <a:blip r:embed="rId3" cstate="print">
+              <a:extLst>
+                <a:ext uri="{28A0092B-C50C-407E-A947-70E740481C1C}">
+                  <a14:useLocalDpi xmlns:a14="http://schemas.microsoft.com/office/drawing/2010/main" val="0"/>
+                </a:ext>
+              </a:extLst>
+            </a:blip>
+            <a:srcRect/>
+            <a:stretch>
+              <a:fillRect/>
+            </a:stretch>
+          </p:blipFill>
+          <p:spPr bwMode="auto">
+            <a:xfrm>
+              <a:off x="3548497" y="3078844"/>
+              <a:ext cx="1255422" cy="784639"/>
+            </a:xfrm>
+            <a:prstGeom prst="rect">
+              <a:avLst/>
+            </a:prstGeom>
+            <a:noFill/>
+            <a:extLst>
+              <a:ext uri="{909E8E84-426E-40DD-AFC4-6F175D3DCCD1}">
+                <a14:hiddenFill xmlns:a14="http://schemas.microsoft.com/office/drawing/2010/main">
+                  <a:solidFill>
+                    <a:srgbClr val="FFFFFF"/>
+                  </a:solidFill>
+                </a14:hiddenFill>
+              </a:ext>
+            </a:extLst>
+          </p:spPr>
+        </p:pic>
+        <p:pic>
+          <p:nvPicPr>
+            <p:cNvPr id="1028" name="Picture 4" descr="@projectlombok"/>
+            <p:cNvPicPr>
+              <a:picLocks noChangeAspect="1" noChangeArrowheads="1"/>
+            </p:cNvPicPr>
+            <p:nvPr/>
+          </p:nvPicPr>
+          <p:blipFill>
+            <a:blip r:embed="rId4" cstate="print">
+              <a:extLst>
+                <a:ext uri="{28A0092B-C50C-407E-A947-70E740481C1C}">
+                  <a14:useLocalDpi xmlns:a14="http://schemas.microsoft.com/office/drawing/2010/main" val="0"/>
+                </a:ext>
+              </a:extLst>
+            </a:blip>
+            <a:srcRect/>
+            <a:stretch>
+              <a:fillRect/>
+            </a:stretch>
+          </p:blipFill>
+          <p:spPr bwMode="auto">
+            <a:xfrm>
+              <a:off x="6434672" y="3078844"/>
+              <a:ext cx="742834" cy="742834"/>
+            </a:xfrm>
+            <a:prstGeom prst="rect">
+              <a:avLst/>
+            </a:prstGeom>
+            <a:noFill/>
+            <a:extLst>
+              <a:ext uri="{909E8E84-426E-40DD-AFC4-6F175D3DCCD1}">
+                <a14:hiddenFill xmlns:a14="http://schemas.microsoft.com/office/drawing/2010/main">
+                  <a:solidFill>
+                    <a:srgbClr val="FFFFFF"/>
+                  </a:solidFill>
+                </a14:hiddenFill>
+              </a:ext>
+            </a:extLst>
+          </p:spPr>
+        </p:pic>
+        <p:pic>
+          <p:nvPicPr>
+            <p:cNvPr id="1032" name="Picture 8" descr="Spring Legacy &amp; Spring Boot"/>
+            <p:cNvPicPr>
+              <a:picLocks noChangeAspect="1" noChangeArrowheads="1"/>
+            </p:cNvPicPr>
+            <p:nvPr/>
+          </p:nvPicPr>
+          <p:blipFill rotWithShape="1">
+            <a:blip r:embed="rId5" cstate="print">
+              <a:extLst>
+                <a:ext uri="{28A0092B-C50C-407E-A947-70E740481C1C}">
+                  <a14:useLocalDpi xmlns:a14="http://schemas.microsoft.com/office/drawing/2010/main" val="0"/>
+                </a:ext>
+              </a:extLst>
+            </a:blip>
+            <a:srcRect l="23678" r="24005"/>
+            <a:stretch/>
+          </p:blipFill>
+          <p:spPr bwMode="auto">
+            <a:xfrm>
+              <a:off x="5023514" y="3070253"/>
+              <a:ext cx="980901" cy="793230"/>
+            </a:xfrm>
+            <a:prstGeom prst="rect">
+              <a:avLst/>
+            </a:prstGeom>
+            <a:noFill/>
+            <a:extLst>
+              <a:ext uri="{909E8E84-426E-40DD-AFC4-6F175D3DCCD1}">
+                <a14:hiddenFill xmlns:a14="http://schemas.microsoft.com/office/drawing/2010/main">
+                  <a:solidFill>
+                    <a:srgbClr val="FFFFFF"/>
+                  </a:solidFill>
+                </a14:hiddenFill>
+              </a:ext>
+            </a:extLst>
+          </p:spPr>
+        </p:pic>
+        <p:pic>
+          <p:nvPicPr>
+            <p:cNvPr id="1038" name="Picture 14" descr="JSP] JSP파일 기본 구조 + page지시어"/>
+            <p:cNvPicPr>
+              <a:picLocks noChangeAspect="1" noChangeArrowheads="1"/>
+            </p:cNvPicPr>
+            <p:nvPr/>
+          </p:nvPicPr>
+          <p:blipFill>
+            <a:blip r:embed="rId6" cstate="print">
+              <a:extLst>
+                <a:ext uri="{28A0092B-C50C-407E-A947-70E740481C1C}">
+                  <a14:useLocalDpi xmlns:a14="http://schemas.microsoft.com/office/drawing/2010/main" val="0"/>
+                </a:ext>
+              </a:extLst>
+            </a:blip>
+            <a:srcRect/>
+            <a:stretch>
+              <a:fillRect/>
+            </a:stretch>
+          </p:blipFill>
+          <p:spPr bwMode="auto">
+            <a:xfrm>
+              <a:off x="4371653" y="2218169"/>
+              <a:ext cx="356066" cy="652073"/>
+            </a:xfrm>
+            <a:prstGeom prst="rect">
+              <a:avLst/>
+            </a:prstGeom>
+            <a:noFill/>
+            <a:extLst>
+              <a:ext uri="{909E8E84-426E-40DD-AFC4-6F175D3DCCD1}">
+                <a14:hiddenFill xmlns:a14="http://schemas.microsoft.com/office/drawing/2010/main">
+                  <a:solidFill>
+                    <a:srgbClr val="FFFFFF"/>
+                  </a:solidFill>
+                </a14:hiddenFill>
+              </a:ext>
+            </a:extLst>
+          </p:spPr>
+        </p:pic>
+        <p:pic>
+          <p:nvPicPr>
+            <p:cNvPr id="1048" name="Picture 24" descr="Oracle]데이터베이스 유저(스키마) 생성 생성 명령어"/>
+            <p:cNvPicPr>
+              <a:picLocks noChangeAspect="1" noChangeArrowheads="1"/>
+            </p:cNvPicPr>
+            <p:nvPr/>
+          </p:nvPicPr>
+          <p:blipFill>
+            <a:blip r:embed="rId7" cstate="print">
+              <a:extLst>
+                <a:ext uri="{28A0092B-C50C-407E-A947-70E740481C1C}">
+                  <a14:useLocalDpi xmlns:a14="http://schemas.microsoft.com/office/drawing/2010/main" val="0"/>
+                </a:ext>
+              </a:extLst>
+            </a:blip>
+            <a:srcRect/>
+            <a:stretch>
+              <a:fillRect/>
+            </a:stretch>
+          </p:blipFill>
+          <p:spPr bwMode="auto">
+            <a:xfrm>
+              <a:off x="4447853" y="3953082"/>
+              <a:ext cx="1844157" cy="1002259"/>
+            </a:xfrm>
+            <a:prstGeom prst="rect">
+              <a:avLst/>
+            </a:prstGeom>
+            <a:noFill/>
+            <a:extLst>
+              <a:ext uri="{909E8E84-426E-40DD-AFC4-6F175D3DCCD1}">
+                <a14:hiddenFill xmlns:a14="http://schemas.microsoft.com/office/drawing/2010/main">
+                  <a:solidFill>
+                    <a:srgbClr val="FFFFFF"/>
+                  </a:solidFill>
+                </a14:hiddenFill>
+              </a:ext>
+            </a:extLst>
+          </p:spPr>
+        </p:pic>
+        <p:pic>
+          <p:nvPicPr>
+            <p:cNvPr id="1050" name="Picture 26" descr="Eclipse] 이클립스 내부 UI 아이콘 크기 조절하기 (ft. eclipse.ini)"/>
+            <p:cNvPicPr>
+              <a:picLocks noChangeAspect="1" noChangeArrowheads="1"/>
+            </p:cNvPicPr>
+            <p:nvPr/>
+          </p:nvPicPr>
+          <p:blipFill>
+            <a:blip r:embed="rId8">
+              <a:extLst>
+                <a:ext uri="{28A0092B-C50C-407E-A947-70E740481C1C}">
+                  <a14:useLocalDpi xmlns:a14="http://schemas.microsoft.com/office/drawing/2010/main" val="0"/>
+                </a:ext>
+              </a:extLst>
+            </a:blip>
+            <a:srcRect/>
+            <a:stretch>
+              <a:fillRect/>
+            </a:stretch>
+          </p:blipFill>
+          <p:spPr bwMode="auto">
+            <a:xfrm>
+              <a:off x="8092130" y="2299604"/>
+              <a:ext cx="1390042" cy="1397557"/>
+            </a:xfrm>
+            <a:prstGeom prst="rect">
+              <a:avLst/>
+            </a:prstGeom>
+            <a:noFill/>
+            <a:extLst>
+              <a:ext uri="{909E8E84-426E-40DD-AFC4-6F175D3DCCD1}">
+                <a14:hiddenFill xmlns:a14="http://schemas.microsoft.com/office/drawing/2010/main">
+                  <a:solidFill>
+                    <a:srgbClr val="FFFFFF"/>
+                  </a:solidFill>
+                </a14:hiddenFill>
+              </a:ext>
+            </a:extLst>
+          </p:spPr>
+        </p:pic>
+        <p:pic>
+          <p:nvPicPr>
+            <p:cNvPr id="1052" name="Picture 28" descr="Visual Studio Code 기능 - gaussian37"/>
+            <p:cNvPicPr>
+              <a:picLocks noChangeAspect="1" noChangeArrowheads="1"/>
+            </p:cNvPicPr>
+            <p:nvPr/>
+          </p:nvPicPr>
+          <p:blipFill>
+            <a:blip r:embed="rId9" cstate="print">
+              <a:extLst>
+                <a:ext uri="{28A0092B-C50C-407E-A947-70E740481C1C}">
+                  <a14:useLocalDpi xmlns:a14="http://schemas.microsoft.com/office/drawing/2010/main" val="0"/>
+                </a:ext>
+              </a:extLst>
+            </a:blip>
+            <a:srcRect/>
+            <a:stretch>
+              <a:fillRect/>
+            </a:stretch>
+          </p:blipFill>
+          <p:spPr bwMode="auto">
+            <a:xfrm>
+              <a:off x="9617357" y="2599886"/>
+              <a:ext cx="1601259" cy="800630"/>
+            </a:xfrm>
+            <a:prstGeom prst="rect">
+              <a:avLst/>
+            </a:prstGeom>
+            <a:noFill/>
+            <a:extLst>
+              <a:ext uri="{909E8E84-426E-40DD-AFC4-6F175D3DCCD1}">
+                <a14:hiddenFill xmlns:a14="http://schemas.microsoft.com/office/drawing/2010/main">
+                  <a:solidFill>
+                    <a:srgbClr val="FFFFFF"/>
+                  </a:solidFill>
+                </a14:hiddenFill>
+              </a:ext>
+            </a:extLst>
+          </p:spPr>
+        </p:pic>
+        <p:pic>
+          <p:nvPicPr>
+            <p:cNvPr id="1056" name="Picture 32" descr="DataGrip: JetBrains가 만든 데이터베이스 및 SQL용 크로스 플랫폼 IDE"/>
+            <p:cNvPicPr>
+              <a:picLocks noChangeAspect="1" noChangeArrowheads="1"/>
+            </p:cNvPicPr>
+            <p:nvPr/>
+          </p:nvPicPr>
+          <p:blipFill>
+            <a:blip r:embed="rId10" cstate="print">
+              <a:extLst>
+                <a:ext uri="{28A0092B-C50C-407E-A947-70E740481C1C}">
+                  <a14:useLocalDpi xmlns:a14="http://schemas.microsoft.com/office/drawing/2010/main" val="0"/>
+                </a:ext>
+              </a:extLst>
+            </a:blip>
+            <a:srcRect/>
+            <a:stretch>
+              <a:fillRect/>
+            </a:stretch>
+          </p:blipFill>
+          <p:spPr bwMode="auto">
+            <a:xfrm>
+              <a:off x="9114437" y="4009432"/>
+              <a:ext cx="1005840" cy="1005840"/>
+            </a:xfrm>
+            <a:prstGeom prst="rect">
+              <a:avLst/>
+            </a:prstGeom>
+            <a:noFill/>
+            <a:extLst>
+              <a:ext uri="{909E8E84-426E-40DD-AFC4-6F175D3DCCD1}">
+                <a14:hiddenFill xmlns:a14="http://schemas.microsoft.com/office/drawing/2010/main">
+                  <a:solidFill>
+                    <a:srgbClr val="FFFFFF"/>
+                  </a:solidFill>
+                </a14:hiddenFill>
+              </a:ext>
+            </a:extLst>
+          </p:spPr>
+        </p:pic>
+      </p:grpSp>
     </p:spTree>
     <p:extLst>
       <p:ext uri="{BB962C8B-B14F-4D97-AF65-F5344CB8AC3E}">
-        <p14:creationId xmlns:p14="http://schemas.microsoft.com/office/powerpoint/2010/main" val="4191162171"/>
+        <p14:creationId xmlns:p14="http://schemas.microsoft.com/office/powerpoint/2010/main" val="663214156"/>
       </p:ext>
     </p:extLst>
   </p:cSld>
@@ -8043,49 +9144,456 @@
       </p:grpSpPr>
       <p:sp>
         <p:nvSpPr>
-          <p:cNvPr id="2" name="TextBox 1"/>
-          <p:cNvSpPr txBox="1"/>
-          <p:nvPr/>
+          <p:cNvPr id="2" name="제목 1"/>
+          <p:cNvSpPr>
+            <a:spLocks noGrp="1"/>
+          </p:cNvSpPr>
+          <p:nvPr>
+            <p:ph type="title"/>
+          </p:nvPr>
+        </p:nvSpPr>
+        <p:spPr/>
+        <p:txBody>
+          <a:bodyPr/>
+          <a:lstStyle/>
+          <a:p>
+            <a:r>
+              <a:rPr lang="ko-KR" altLang="en-US" dirty="0" smtClean="0"/>
+              <a:t>게시판 기능 설명</a:t>
+            </a:r>
+            <a:endParaRPr lang="ko-KR" altLang="en-US" dirty="0"/>
+          </a:p>
+        </p:txBody>
+      </p:sp>
+      <p:sp>
+        <p:nvSpPr>
+          <p:cNvPr id="3" name="내용 개체 틀 2"/>
+          <p:cNvSpPr>
+            <a:spLocks noGrp="1"/>
+          </p:cNvSpPr>
+          <p:nvPr>
+            <p:ph idx="1"/>
+          </p:nvPr>
         </p:nvSpPr>
         <p:spPr>
           <a:xfrm>
-            <a:off x="3793524" y="2248930"/>
-            <a:ext cx="4646140" cy="1862048"/>
+            <a:off x="571500" y="1825624"/>
+            <a:ext cx="5143500" cy="4797598"/>
+          </a:xfrm>
+        </p:spPr>
+        <p:txBody>
+          <a:bodyPr>
+            <a:normAutofit/>
+          </a:bodyPr>
+          <a:lstStyle/>
+          <a:p>
+            <a:pPr>
+              <a:lnSpc>
+                <a:spcPct val="150000"/>
+              </a:lnSpc>
+            </a:pPr>
+            <a:r>
+              <a:rPr lang="ko-KR" altLang="en-US" sz="2400" dirty="0" smtClean="0"/>
+              <a:t>게시물</a:t>
+            </a:r>
+            <a:endParaRPr lang="en-US" altLang="ko-KR" sz="2400" dirty="0" smtClean="0"/>
+          </a:p>
+          <a:p>
+            <a:pPr lvl="1">
+              <a:lnSpc>
+                <a:spcPct val="150000"/>
+              </a:lnSpc>
+            </a:pPr>
+            <a:r>
+              <a:rPr lang="ko-KR" altLang="en-US" sz="2000" dirty="0" smtClean="0"/>
+              <a:t>등록 </a:t>
+            </a:r>
+            <a:r>
+              <a:rPr lang="en-US" altLang="ko-KR" sz="2000" dirty="0" smtClean="0"/>
+              <a:t>(</a:t>
+            </a:r>
+            <a:r>
+              <a:rPr lang="ko-KR" altLang="en-US" sz="2000" dirty="0" smtClean="0"/>
+              <a:t>제목과 내용을 등록</a:t>
+            </a:r>
+            <a:r>
+              <a:rPr lang="en-US" altLang="ko-KR" sz="2000" dirty="0" smtClean="0"/>
+              <a:t>)</a:t>
+            </a:r>
+          </a:p>
+          <a:p>
+            <a:pPr lvl="1">
+              <a:lnSpc>
+                <a:spcPct val="150000"/>
+              </a:lnSpc>
+            </a:pPr>
+            <a:r>
+              <a:rPr lang="ko-KR" altLang="en-US" sz="2000" dirty="0" smtClean="0"/>
+              <a:t>조회 </a:t>
+            </a:r>
+            <a:r>
+              <a:rPr lang="en-US" altLang="ko-KR" sz="2000" dirty="0" smtClean="0"/>
+              <a:t>(</a:t>
+            </a:r>
+            <a:r>
+              <a:rPr lang="ko-KR" altLang="en-US" sz="2000" dirty="0" smtClean="0"/>
+              <a:t>제목과 내용</a:t>
+            </a:r>
+            <a:r>
+              <a:rPr lang="en-US" altLang="ko-KR" sz="2000" dirty="0"/>
+              <a:t> </a:t>
+            </a:r>
+            <a:r>
+              <a:rPr lang="ko-KR" altLang="en-US" sz="2000" dirty="0" smtClean="0"/>
+              <a:t>및 작성일과 수정일</a:t>
+            </a:r>
+            <a:r>
+              <a:rPr lang="en-US" altLang="ko-KR" sz="2000" dirty="0" smtClean="0"/>
+              <a:t>) </a:t>
+            </a:r>
+          </a:p>
+          <a:p>
+            <a:pPr lvl="1">
+              <a:lnSpc>
+                <a:spcPct val="150000"/>
+              </a:lnSpc>
+            </a:pPr>
+            <a:r>
+              <a:rPr lang="ko-KR" altLang="en-US" sz="2000" dirty="0" smtClean="0"/>
+              <a:t>수정 </a:t>
+            </a:r>
+            <a:r>
+              <a:rPr lang="en-US" altLang="ko-KR" sz="2000" dirty="0" smtClean="0"/>
+              <a:t>(</a:t>
+            </a:r>
+            <a:r>
+              <a:rPr lang="ko-KR" altLang="en-US" sz="2000" dirty="0" smtClean="0"/>
+              <a:t>제목과 내용을 수정</a:t>
+            </a:r>
+            <a:r>
+              <a:rPr lang="en-US" altLang="ko-KR" sz="2000" dirty="0" smtClean="0"/>
+              <a:t>)</a:t>
+            </a:r>
+          </a:p>
+          <a:p>
+            <a:pPr lvl="1">
+              <a:lnSpc>
+                <a:spcPct val="150000"/>
+              </a:lnSpc>
+            </a:pPr>
+            <a:r>
+              <a:rPr lang="ko-KR" altLang="en-US" sz="2000" dirty="0" smtClean="0"/>
+              <a:t>삭제</a:t>
+            </a:r>
+            <a:endParaRPr lang="en-US" altLang="ko-KR" sz="2000" dirty="0"/>
+          </a:p>
+          <a:p>
+            <a:pPr lvl="2">
+              <a:lnSpc>
+                <a:spcPct val="150000"/>
+              </a:lnSpc>
+            </a:pPr>
+            <a:r>
+              <a:rPr lang="ko-KR" altLang="en-US" sz="1800" dirty="0" smtClean="0"/>
+              <a:t>특정 번호 삭제</a:t>
+            </a:r>
+            <a:endParaRPr lang="en-US" altLang="ko-KR" sz="1800" dirty="0" smtClean="0"/>
+          </a:p>
+          <a:p>
+            <a:pPr lvl="2">
+              <a:lnSpc>
+                <a:spcPct val="150000"/>
+              </a:lnSpc>
+            </a:pPr>
+            <a:r>
+              <a:rPr lang="ko-KR" altLang="en-US" sz="1800" dirty="0" smtClean="0"/>
+              <a:t>전부 삭제</a:t>
+            </a:r>
+            <a:endParaRPr lang="en-US" altLang="ko-KR" sz="1800" dirty="0" smtClean="0"/>
+          </a:p>
+          <a:p>
+            <a:pPr lvl="1"/>
+            <a:endParaRPr lang="ko-KR" altLang="en-US" dirty="0"/>
+          </a:p>
+        </p:txBody>
+      </p:sp>
+      <p:sp>
+        <p:nvSpPr>
+          <p:cNvPr id="5" name="내용 개체 틀 2"/>
+          <p:cNvSpPr txBox="1">
+            <a:spLocks/>
+          </p:cNvSpPr>
+          <p:nvPr/>
+        </p:nvSpPr>
+        <p:spPr>
+          <a:xfrm>
+            <a:off x="6648450" y="1690688"/>
+            <a:ext cx="5143500" cy="4797598"/>
           </a:xfrm>
           <a:prstGeom prst="rect">
             <a:avLst/>
           </a:prstGeom>
-          <a:noFill/>
         </p:spPr>
         <p:txBody>
-          <a:bodyPr wrap="square" rtlCol="0">
-            <a:spAutoFit/>
+          <a:bodyPr vert="horz" lIns="91440" tIns="45720" rIns="91440" bIns="45720" rtlCol="0">
+            <a:normAutofit/>
           </a:bodyPr>
-          <a:lstStyle/>
-          <a:p>
-            <a:pPr algn="ctr"/>
-            <a:r>
-              <a:rPr lang="ko-KR" altLang="en-US" sz="11500" dirty="0" smtClean="0">
-                <a:solidFill>
-                  <a:schemeClr val="bg1"/>
-                </a:solidFill>
-                <a:ea typeface="배달의민족 한나는 열한살" panose="020B0600000101010101"/>
-              </a:rPr>
-              <a:t>시연</a:t>
-            </a:r>
-            <a:endParaRPr lang="ko-KR" altLang="en-US" sz="11500" dirty="0">
-              <a:solidFill>
-                <a:schemeClr val="bg1"/>
-              </a:solidFill>
-              <a:ea typeface="배달의민족 한나는 열한살" panose="020B0600000101010101"/>
-            </a:endParaRPr>
+          <a:lstStyle>
+            <a:lvl1pPr marL="228600" indent="-228600" algn="l" defTabSz="914400" rtl="0" eaLnBrk="1" latinLnBrk="1" hangingPunct="1">
+              <a:lnSpc>
+                <a:spcPct val="90000"/>
+              </a:lnSpc>
+              <a:spcBef>
+                <a:spcPts val="1000"/>
+              </a:spcBef>
+              <a:buFont typeface="Arial" panose="020B0604020202020204" pitchFamily="34" charset="0"/>
+              <a:buChar char="•"/>
+              <a:defRPr sz="2800" kern="1200">
+                <a:solidFill>
+                  <a:schemeClr val="bg1">
+                    <a:lumMod val="85000"/>
+                  </a:schemeClr>
+                </a:solidFill>
+                <a:latin typeface="배달의민족 한나체 Air" panose="020B0600000101010101" pitchFamily="50" charset="-127"/>
+                <a:ea typeface="배달의민족 한나체 Air" panose="020B0600000101010101" pitchFamily="50" charset="-127"/>
+                <a:cs typeface="+mn-cs"/>
+              </a:defRPr>
+            </a:lvl1pPr>
+            <a:lvl2pPr marL="685800" indent="-228600" algn="l" defTabSz="914400" rtl="0" eaLnBrk="1" latinLnBrk="1" hangingPunct="1">
+              <a:lnSpc>
+                <a:spcPct val="90000"/>
+              </a:lnSpc>
+              <a:spcBef>
+                <a:spcPts val="500"/>
+              </a:spcBef>
+              <a:buFont typeface="Arial" panose="020B0604020202020204" pitchFamily="34" charset="0"/>
+              <a:buChar char="•"/>
+              <a:defRPr sz="2400" kern="1200">
+                <a:solidFill>
+                  <a:schemeClr val="bg1">
+                    <a:lumMod val="85000"/>
+                  </a:schemeClr>
+                </a:solidFill>
+                <a:latin typeface="배달의민족 한나체 Air" panose="020B0600000101010101" pitchFamily="50" charset="-127"/>
+                <a:ea typeface="배달의민족 한나체 Air" panose="020B0600000101010101" pitchFamily="50" charset="-127"/>
+                <a:cs typeface="+mn-cs"/>
+              </a:defRPr>
+            </a:lvl2pPr>
+            <a:lvl3pPr marL="1143000" indent="-228600" algn="l" defTabSz="914400" rtl="0" eaLnBrk="1" latinLnBrk="1" hangingPunct="1">
+              <a:lnSpc>
+                <a:spcPct val="90000"/>
+              </a:lnSpc>
+              <a:spcBef>
+                <a:spcPts val="500"/>
+              </a:spcBef>
+              <a:buFont typeface="Arial" panose="020B0604020202020204" pitchFamily="34" charset="0"/>
+              <a:buChar char="•"/>
+              <a:defRPr sz="2000" kern="1200">
+                <a:solidFill>
+                  <a:schemeClr val="bg1">
+                    <a:lumMod val="85000"/>
+                  </a:schemeClr>
+                </a:solidFill>
+                <a:latin typeface="배달의민족 한나체 Air" panose="020B0600000101010101" pitchFamily="50" charset="-127"/>
+                <a:ea typeface="배달의민족 한나체 Air" panose="020B0600000101010101" pitchFamily="50" charset="-127"/>
+                <a:cs typeface="+mn-cs"/>
+              </a:defRPr>
+            </a:lvl3pPr>
+            <a:lvl4pPr marL="1600200" indent="-228600" algn="l" defTabSz="914400" rtl="0" eaLnBrk="1" latinLnBrk="1" hangingPunct="1">
+              <a:lnSpc>
+                <a:spcPct val="90000"/>
+              </a:lnSpc>
+              <a:spcBef>
+                <a:spcPts val="500"/>
+              </a:spcBef>
+              <a:buFont typeface="Arial" panose="020B0604020202020204" pitchFamily="34" charset="0"/>
+              <a:buChar char="•"/>
+              <a:defRPr sz="1800" kern="1200">
+                <a:solidFill>
+                  <a:schemeClr val="bg1">
+                    <a:lumMod val="85000"/>
+                  </a:schemeClr>
+                </a:solidFill>
+                <a:latin typeface="배달의민족 한나체 Air" panose="020B0600000101010101" pitchFamily="50" charset="-127"/>
+                <a:ea typeface="배달의민족 한나체 Air" panose="020B0600000101010101" pitchFamily="50" charset="-127"/>
+                <a:cs typeface="+mn-cs"/>
+              </a:defRPr>
+            </a:lvl4pPr>
+            <a:lvl5pPr marL="2057400" indent="-228600" algn="l" defTabSz="914400" rtl="0" eaLnBrk="1" latinLnBrk="1" hangingPunct="1">
+              <a:lnSpc>
+                <a:spcPct val="90000"/>
+              </a:lnSpc>
+              <a:spcBef>
+                <a:spcPts val="500"/>
+              </a:spcBef>
+              <a:buFont typeface="Arial" panose="020B0604020202020204" pitchFamily="34" charset="0"/>
+              <a:buChar char="•"/>
+              <a:defRPr sz="1800" kern="1200">
+                <a:solidFill>
+                  <a:schemeClr val="bg1">
+                    <a:lumMod val="85000"/>
+                  </a:schemeClr>
+                </a:solidFill>
+                <a:latin typeface="배달의민족 한나체 Air" panose="020B0600000101010101" pitchFamily="50" charset="-127"/>
+                <a:ea typeface="배달의민족 한나체 Air" panose="020B0600000101010101" pitchFamily="50" charset="-127"/>
+                <a:cs typeface="+mn-cs"/>
+              </a:defRPr>
+            </a:lvl5pPr>
+            <a:lvl6pPr marL="2514600" indent="-228600" algn="l" defTabSz="914400" rtl="0" eaLnBrk="1" latinLnBrk="1" hangingPunct="1">
+              <a:lnSpc>
+                <a:spcPct val="90000"/>
+              </a:lnSpc>
+              <a:spcBef>
+                <a:spcPts val="500"/>
+              </a:spcBef>
+              <a:buFont typeface="Arial" panose="020B0604020202020204" pitchFamily="34" charset="0"/>
+              <a:buChar char="•"/>
+              <a:defRPr sz="1800" kern="1200">
+                <a:solidFill>
+                  <a:schemeClr val="tx1"/>
+                </a:solidFill>
+                <a:latin typeface="+mn-lt"/>
+                <a:ea typeface="+mn-ea"/>
+                <a:cs typeface="+mn-cs"/>
+              </a:defRPr>
+            </a:lvl6pPr>
+            <a:lvl7pPr marL="2971800" indent="-228600" algn="l" defTabSz="914400" rtl="0" eaLnBrk="1" latinLnBrk="1" hangingPunct="1">
+              <a:lnSpc>
+                <a:spcPct val="90000"/>
+              </a:lnSpc>
+              <a:spcBef>
+                <a:spcPts val="500"/>
+              </a:spcBef>
+              <a:buFont typeface="Arial" panose="020B0604020202020204" pitchFamily="34" charset="0"/>
+              <a:buChar char="•"/>
+              <a:defRPr sz="1800" kern="1200">
+                <a:solidFill>
+                  <a:schemeClr val="tx1"/>
+                </a:solidFill>
+                <a:latin typeface="+mn-lt"/>
+                <a:ea typeface="+mn-ea"/>
+                <a:cs typeface="+mn-cs"/>
+              </a:defRPr>
+            </a:lvl7pPr>
+            <a:lvl8pPr marL="3429000" indent="-228600" algn="l" defTabSz="914400" rtl="0" eaLnBrk="1" latinLnBrk="1" hangingPunct="1">
+              <a:lnSpc>
+                <a:spcPct val="90000"/>
+              </a:lnSpc>
+              <a:spcBef>
+                <a:spcPts val="500"/>
+              </a:spcBef>
+              <a:buFont typeface="Arial" panose="020B0604020202020204" pitchFamily="34" charset="0"/>
+              <a:buChar char="•"/>
+              <a:defRPr sz="1800" kern="1200">
+                <a:solidFill>
+                  <a:schemeClr val="tx1"/>
+                </a:solidFill>
+                <a:latin typeface="+mn-lt"/>
+                <a:ea typeface="+mn-ea"/>
+                <a:cs typeface="+mn-cs"/>
+              </a:defRPr>
+            </a:lvl8pPr>
+            <a:lvl9pPr marL="3886200" indent="-228600" algn="l" defTabSz="914400" rtl="0" eaLnBrk="1" latinLnBrk="1" hangingPunct="1">
+              <a:lnSpc>
+                <a:spcPct val="90000"/>
+              </a:lnSpc>
+              <a:spcBef>
+                <a:spcPts val="500"/>
+              </a:spcBef>
+              <a:buFont typeface="Arial" panose="020B0604020202020204" pitchFamily="34" charset="0"/>
+              <a:buChar char="•"/>
+              <a:defRPr sz="1800" kern="1200">
+                <a:solidFill>
+                  <a:schemeClr val="tx1"/>
+                </a:solidFill>
+                <a:latin typeface="+mn-lt"/>
+                <a:ea typeface="+mn-ea"/>
+                <a:cs typeface="+mn-cs"/>
+              </a:defRPr>
+            </a:lvl9pPr>
+          </a:lstStyle>
+          <a:p>
+            <a:pPr>
+              <a:lnSpc>
+                <a:spcPct val="150000"/>
+              </a:lnSpc>
+            </a:pPr>
+            <a:r>
+              <a:rPr lang="ko-KR" altLang="en-US" sz="2400" dirty="0"/>
+              <a:t>첨부파일</a:t>
+            </a:r>
+            <a:endParaRPr lang="en-US" altLang="ko-KR" sz="2400" dirty="0"/>
+          </a:p>
+          <a:p>
+            <a:pPr lvl="1">
+              <a:lnSpc>
+                <a:spcPct val="150000"/>
+              </a:lnSpc>
+            </a:pPr>
+            <a:r>
+              <a:rPr lang="ko-KR" altLang="en-US" sz="2000" dirty="0"/>
+              <a:t>업로드</a:t>
+            </a:r>
+            <a:endParaRPr lang="en-US" altLang="ko-KR" sz="2000" dirty="0"/>
+          </a:p>
+          <a:p>
+            <a:pPr lvl="1">
+              <a:lnSpc>
+                <a:spcPct val="150000"/>
+              </a:lnSpc>
+            </a:pPr>
+            <a:r>
+              <a:rPr lang="ko-KR" altLang="en-US" sz="2000" dirty="0"/>
+              <a:t>수정</a:t>
+            </a:r>
+            <a:endParaRPr lang="en-US" altLang="ko-KR" sz="2000" dirty="0"/>
+          </a:p>
+          <a:p>
+            <a:pPr lvl="1">
+              <a:lnSpc>
+                <a:spcPct val="150000"/>
+              </a:lnSpc>
+            </a:pPr>
+            <a:r>
+              <a:rPr lang="ko-KR" altLang="en-US" sz="2000" dirty="0" smtClean="0"/>
+              <a:t>삭제</a:t>
+            </a:r>
+            <a:endParaRPr lang="en-US" altLang="ko-KR" sz="2000" dirty="0" smtClean="0"/>
+          </a:p>
+          <a:p>
+            <a:pPr lvl="2">
+              <a:lnSpc>
+                <a:spcPct val="150000"/>
+              </a:lnSpc>
+            </a:pPr>
+            <a:r>
+              <a:rPr lang="ko-KR" altLang="en-US" sz="1600" dirty="0" smtClean="0"/>
+              <a:t>특정 번호 삭제</a:t>
+            </a:r>
+            <a:endParaRPr lang="en-US" altLang="ko-KR" sz="1600" dirty="0" smtClean="0"/>
+          </a:p>
+          <a:p>
+            <a:pPr lvl="2">
+              <a:lnSpc>
+                <a:spcPct val="150000"/>
+              </a:lnSpc>
+            </a:pPr>
+            <a:r>
+              <a:rPr lang="ko-KR" altLang="en-US" sz="1600" dirty="0" smtClean="0"/>
+              <a:t>특정 파일 삭제</a:t>
+            </a:r>
+            <a:endParaRPr lang="en-US" altLang="ko-KR" sz="1600" dirty="0"/>
+          </a:p>
+          <a:p>
+            <a:pPr lvl="1"/>
+            <a:endParaRPr lang="ko-KR" altLang="en-US" dirty="0"/>
           </a:p>
         </p:txBody>
       </p:sp>
     </p:spTree>
     <p:extLst>
       <p:ext uri="{BB962C8B-B14F-4D97-AF65-F5344CB8AC3E}">
-        <p14:creationId xmlns:p14="http://schemas.microsoft.com/office/powerpoint/2010/main" val="1110613632"/>
+        <p14:creationId xmlns:p14="http://schemas.microsoft.com/office/powerpoint/2010/main" val="4191162171"/>
       </p:ext>
     </p:extLst>
   </p:cSld>
@@ -8121,6 +9629,212 @@
       </p:grpSpPr>
       <p:sp>
         <p:nvSpPr>
+          <p:cNvPr id="2" name="제목 1"/>
+          <p:cNvSpPr>
+            <a:spLocks noGrp="1"/>
+          </p:cNvSpPr>
+          <p:nvPr>
+            <p:ph type="title"/>
+          </p:nvPr>
+        </p:nvSpPr>
+        <p:spPr/>
+        <p:txBody>
+          <a:bodyPr/>
+          <a:lstStyle/>
+          <a:p>
+            <a:r>
+              <a:rPr lang="ko-KR" altLang="en-US" dirty="0" smtClean="0"/>
+              <a:t>시스템 및 </a:t>
+            </a:r>
+            <a:r>
+              <a:rPr lang="en-US" altLang="ko-KR" dirty="0" smtClean="0"/>
+              <a:t>DB </a:t>
+            </a:r>
+            <a:r>
+              <a:rPr lang="ko-KR" altLang="en-US" dirty="0" smtClean="0"/>
+              <a:t>구성도</a:t>
+            </a:r>
+            <a:endParaRPr lang="ko-KR" altLang="en-US" dirty="0"/>
+          </a:p>
+        </p:txBody>
+      </p:sp>
+      <p:pic>
+        <p:nvPicPr>
+          <p:cNvPr id="7" name="그림 6"/>
+          <p:cNvPicPr>
+            <a:picLocks noChangeAspect="1"/>
+          </p:cNvPicPr>
+          <p:nvPr/>
+        </p:nvPicPr>
+        <p:blipFill>
+          <a:blip r:embed="rId2">
+            <a:extLst>
+              <a:ext uri="{28A0092B-C50C-407E-A947-70E740481C1C}">
+                <a14:useLocalDpi xmlns:a14="http://schemas.microsoft.com/office/drawing/2010/main" val="0"/>
+              </a:ext>
+            </a:extLst>
+          </a:blip>
+          <a:stretch>
+            <a:fillRect/>
+          </a:stretch>
+        </p:blipFill>
+        <p:spPr>
+          <a:xfrm>
+            <a:off x="1078316" y="1690688"/>
+            <a:ext cx="3710989" cy="4829470"/>
+          </a:xfrm>
+          <a:prstGeom prst="rect">
+            <a:avLst/>
+          </a:prstGeom>
+        </p:spPr>
+      </p:pic>
+      <p:pic>
+        <p:nvPicPr>
+          <p:cNvPr id="8" name="그림 7"/>
+          <p:cNvPicPr>
+            <a:picLocks noChangeAspect="1"/>
+          </p:cNvPicPr>
+          <p:nvPr/>
+        </p:nvPicPr>
+        <p:blipFill>
+          <a:blip r:embed="rId3">
+            <a:extLst>
+              <a:ext uri="{28A0092B-C50C-407E-A947-70E740481C1C}">
+                <a14:useLocalDpi xmlns:a14="http://schemas.microsoft.com/office/drawing/2010/main" val="0"/>
+              </a:ext>
+            </a:extLst>
+          </a:blip>
+          <a:stretch>
+            <a:fillRect/>
+          </a:stretch>
+        </p:blipFill>
+        <p:spPr>
+          <a:xfrm>
+            <a:off x="6910632" y="365125"/>
+            <a:ext cx="4666244" cy="5686540"/>
+          </a:xfrm>
+          <a:prstGeom prst="rect">
+            <a:avLst/>
+          </a:prstGeom>
+        </p:spPr>
+      </p:pic>
+    </p:spTree>
+    <p:extLst>
+      <p:ext uri="{BB962C8B-B14F-4D97-AF65-F5344CB8AC3E}">
+        <p14:creationId xmlns:p14="http://schemas.microsoft.com/office/powerpoint/2010/main" val="2975657809"/>
+      </p:ext>
+    </p:extLst>
+  </p:cSld>
+  <p:clrMapOvr>
+    <a:masterClrMapping/>
+  </p:clrMapOvr>
+  <p:timing>
+    <p:tnLst>
+      <p:par>
+        <p:cTn id="1" dur="indefinite" restart="never" nodeType="tmRoot"/>
+      </p:par>
+    </p:tnLst>
+  </p:timing>
+</p:sld>
+</file>
+
+<file path=ppt/slides/slide6.xml><?xml version="1.0" encoding="utf-8"?>
+<p:sld xmlns:a="http://schemas.openxmlformats.org/drawingml/2006/main" xmlns:r="http://schemas.openxmlformats.org/officeDocument/2006/relationships" xmlns:p="http://schemas.openxmlformats.org/presentationml/2006/main">
+  <p:cSld>
+    <p:spTree>
+      <p:nvGrpSpPr>
+        <p:cNvPr id="1" name=""/>
+        <p:cNvGrpSpPr/>
+        <p:nvPr/>
+      </p:nvGrpSpPr>
+      <p:grpSpPr>
+        <a:xfrm>
+          <a:off x="0" y="0"/>
+          <a:ext cx="0" cy="0"/>
+          <a:chOff x="0" y="0"/>
+          <a:chExt cx="0" cy="0"/>
+        </a:xfrm>
+      </p:grpSpPr>
+      <p:sp>
+        <p:nvSpPr>
+          <p:cNvPr id="2" name="TextBox 1"/>
+          <p:cNvSpPr txBox="1"/>
+          <p:nvPr/>
+        </p:nvSpPr>
+        <p:spPr>
+          <a:xfrm>
+            <a:off x="3793524" y="2248930"/>
+            <a:ext cx="4646140" cy="1862048"/>
+          </a:xfrm>
+          <a:prstGeom prst="rect">
+            <a:avLst/>
+          </a:prstGeom>
+          <a:noFill/>
+        </p:spPr>
+        <p:txBody>
+          <a:bodyPr wrap="square" rtlCol="0">
+            <a:spAutoFit/>
+          </a:bodyPr>
+          <a:lstStyle/>
+          <a:p>
+            <a:pPr algn="ctr"/>
+            <a:r>
+              <a:rPr lang="ko-KR" altLang="en-US" sz="11500" dirty="0" smtClean="0">
+                <a:solidFill>
+                  <a:schemeClr val="bg1"/>
+                </a:solidFill>
+                <a:ea typeface="배달의민족 한나는 열한살" panose="020B0600000101010101"/>
+              </a:rPr>
+              <a:t>시연</a:t>
+            </a:r>
+            <a:endParaRPr lang="ko-KR" altLang="en-US" sz="11500" dirty="0">
+              <a:solidFill>
+                <a:schemeClr val="bg1"/>
+              </a:solidFill>
+              <a:ea typeface="배달의민족 한나는 열한살" panose="020B0600000101010101"/>
+            </a:endParaRPr>
+          </a:p>
+        </p:txBody>
+      </p:sp>
+    </p:spTree>
+    <p:extLst>
+      <p:ext uri="{BB962C8B-B14F-4D97-AF65-F5344CB8AC3E}">
+        <p14:creationId xmlns:p14="http://schemas.microsoft.com/office/powerpoint/2010/main" val="1110613632"/>
+      </p:ext>
+    </p:extLst>
+  </p:cSld>
+  <p:clrMapOvr>
+    <a:masterClrMapping/>
+  </p:clrMapOvr>
+  <p:timing>
+    <p:tnLst>
+      <p:par>
+        <p:cTn id="1" dur="indefinite" restart="never" nodeType="tmRoot"/>
+      </p:par>
+    </p:tnLst>
+  </p:timing>
+</p:sld>
+</file>
+
+<file path=ppt/slides/slide7.xml><?xml version="1.0" encoding="utf-8"?>
+<p:sld xmlns:a="http://schemas.openxmlformats.org/drawingml/2006/main" xmlns:r="http://schemas.openxmlformats.org/officeDocument/2006/relationships" xmlns:p="http://schemas.openxmlformats.org/presentationml/2006/main">
+  <p:cSld>
+    <p:spTree>
+      <p:nvGrpSpPr>
+        <p:cNvPr id="1" name=""/>
+        <p:cNvGrpSpPr/>
+        <p:nvPr/>
+      </p:nvGrpSpPr>
+      <p:grpSpPr>
+        <a:xfrm>
+          <a:off x="0" y="0"/>
+          <a:ext cx="0" cy="0"/>
+          <a:chOff x="0" y="0"/>
+          <a:chExt cx="0" cy="0"/>
+        </a:xfrm>
+      </p:grpSpPr>
+      <p:sp>
+        <p:nvSpPr>
           <p:cNvPr id="2" name="TextBox 1"/>
           <p:cNvSpPr txBox="1">
             <a:spLocks/>
@@ -8182,7 +9896,7 @@
 </p:sld>
 </file>
 
-<file path=ppt/slides/slide6.xml><?xml version="1.0" encoding="utf-8"?>
+<file path=ppt/slides/slide8.xml><?xml version="1.0" encoding="utf-8"?>
 <p:sld xmlns:a="http://schemas.openxmlformats.org/drawingml/2006/main" xmlns:r="http://schemas.openxmlformats.org/officeDocument/2006/relationships" xmlns:p="http://schemas.openxmlformats.org/presentationml/2006/main">
   <p:cSld>
     <p:spTree>
@@ -8534,7 +10248,7 @@
 </p:sld>
 </file>
 
-<file path=ppt/slides/slide7.xml><?xml version="1.0" encoding="utf-8"?>
+<file path=ppt/slides/slide9.xml><?xml version="1.0" encoding="utf-8"?>
 <p:sld xmlns:a="http://schemas.openxmlformats.org/drawingml/2006/main" xmlns:r="http://schemas.openxmlformats.org/officeDocument/2006/relationships" xmlns:p="http://schemas.openxmlformats.org/presentationml/2006/main">
   <p:cSld>
     <p:spTree>
@@ -8630,673 +10344,6 @@
     <p:extLst>
       <p:ext uri="{BB962C8B-B14F-4D97-AF65-F5344CB8AC3E}">
         <p14:creationId xmlns:p14="http://schemas.microsoft.com/office/powerpoint/2010/main" val="3100086570"/>
-      </p:ext>
-    </p:extLst>
-  </p:cSld>
-  <p:clrMapOvr>
-    <a:masterClrMapping/>
-  </p:clrMapOvr>
-  <p:timing>
-    <p:tnLst>
-      <p:par>
-        <p:cTn id="1" dur="indefinite" restart="never" nodeType="tmRoot"/>
-      </p:par>
-    </p:tnLst>
-  </p:timing>
-</p:sld>
-</file>
-
-<file path=ppt/slides/slide8.xml><?xml version="1.0" encoding="utf-8"?>
-<p:sld xmlns:a="http://schemas.openxmlformats.org/drawingml/2006/main" xmlns:r="http://schemas.openxmlformats.org/officeDocument/2006/relationships" xmlns:p="http://schemas.openxmlformats.org/presentationml/2006/main">
-  <p:cSld>
-    <p:spTree>
-      <p:nvGrpSpPr>
-        <p:cNvPr id="1" name=""/>
-        <p:cNvGrpSpPr/>
-        <p:nvPr/>
-      </p:nvGrpSpPr>
-      <p:grpSpPr>
-        <a:xfrm>
-          <a:off x="0" y="0"/>
-          <a:ext cx="0" cy="0"/>
-          <a:chOff x="0" y="0"/>
-          <a:chExt cx="0" cy="0"/>
-        </a:xfrm>
-      </p:grpSpPr>
-      <p:sp>
-        <p:nvSpPr>
-          <p:cNvPr id="2" name="제목 1"/>
-          <p:cNvSpPr>
-            <a:spLocks noGrp="1"/>
-          </p:cNvSpPr>
-          <p:nvPr>
-            <p:ph type="title"/>
-          </p:nvPr>
-        </p:nvSpPr>
-        <p:spPr>
-          <a:xfrm>
-            <a:off x="838200" y="365125"/>
-            <a:ext cx="5678978" cy="1325563"/>
-          </a:xfrm>
-        </p:spPr>
-        <p:txBody>
-          <a:bodyPr/>
-          <a:lstStyle/>
-          <a:p>
-            <a:r>
-              <a:rPr lang="en-US" altLang="ko-KR" dirty="0" smtClean="0"/>
-              <a:t>Register Page</a:t>
-            </a:r>
-            <a:endParaRPr lang="ko-KR" altLang="en-US" dirty="0"/>
-          </a:p>
-        </p:txBody>
-      </p:sp>
-      <p:sp>
-        <p:nvSpPr>
-          <p:cNvPr id="5" name="TextBox 4"/>
-          <p:cNvSpPr txBox="1"/>
-          <p:nvPr/>
-        </p:nvSpPr>
-        <p:spPr>
-          <a:xfrm>
-            <a:off x="510581" y="2531630"/>
-            <a:ext cx="5554286" cy="2116285"/>
-          </a:xfrm>
-          <a:prstGeom prst="rect">
-            <a:avLst/>
-          </a:prstGeom>
-          <a:noFill/>
-        </p:spPr>
-        <p:txBody>
-          <a:bodyPr wrap="square" rtlCol="0">
-            <a:spAutoFit/>
-          </a:bodyPr>
-          <a:lstStyle/>
-          <a:p>
-            <a:pPr>
-              <a:lnSpc>
-                <a:spcPct val="150000"/>
-              </a:lnSpc>
-            </a:pPr>
-            <a:r>
-              <a:rPr lang="en-US" altLang="ko-KR" dirty="0" smtClean="0">
-                <a:solidFill>
-                  <a:schemeClr val="bg1"/>
-                </a:solidFill>
-                <a:ea typeface="배달의민족 한나는 열한살" panose="020B0600000101010101"/>
-              </a:rPr>
-              <a:t>Register </a:t>
-            </a:r>
-            <a:r>
-              <a:rPr lang="en-US" altLang="ko-KR" dirty="0">
-                <a:solidFill>
-                  <a:schemeClr val="bg1"/>
-                </a:solidFill>
-                <a:ea typeface="배달의민족 한나는 열한살" panose="020B0600000101010101"/>
-              </a:rPr>
-              <a:t>Page</a:t>
-            </a:r>
-            <a:r>
-              <a:rPr lang="ko-KR" altLang="en-US" dirty="0">
-                <a:solidFill>
-                  <a:schemeClr val="bg1"/>
-                </a:solidFill>
-                <a:ea typeface="배달의민족 한나는 열한살" panose="020B0600000101010101"/>
-              </a:rPr>
-              <a:t>를 불러오기 위해 </a:t>
-            </a:r>
-            <a:r>
-              <a:rPr lang="en-US" altLang="ko-KR" dirty="0" err="1" smtClean="0">
-                <a:solidFill>
-                  <a:schemeClr val="bg1"/>
-                </a:solidFill>
-                <a:ea typeface="배달의민족 한나는 열한살" panose="020B0600000101010101"/>
-              </a:rPr>
-              <a:t>ModelAndView</a:t>
-            </a:r>
-            <a:r>
-              <a:rPr lang="ko-KR" altLang="en-US" dirty="0">
-                <a:solidFill>
-                  <a:schemeClr val="bg1"/>
-                </a:solidFill>
-                <a:ea typeface="배달의민족 한나는 열한살" panose="020B0600000101010101"/>
-              </a:rPr>
-              <a:t>를 </a:t>
-            </a:r>
-            <a:r>
-              <a:rPr lang="en-US" altLang="ko-KR" dirty="0" smtClean="0">
-                <a:solidFill>
-                  <a:schemeClr val="bg1"/>
-                </a:solidFill>
-                <a:ea typeface="배달의민족 한나는 열한살" panose="020B0600000101010101"/>
-              </a:rPr>
-              <a:t/>
-            </a:r>
-            <a:br>
-              <a:rPr lang="en-US" altLang="ko-KR" dirty="0" smtClean="0">
-                <a:solidFill>
-                  <a:schemeClr val="bg1"/>
-                </a:solidFill>
-                <a:ea typeface="배달의민족 한나는 열한살" panose="020B0600000101010101"/>
-              </a:rPr>
-            </a:br>
-            <a:r>
-              <a:rPr lang="ko-KR" altLang="en-US" dirty="0" smtClean="0">
-                <a:solidFill>
-                  <a:schemeClr val="bg1"/>
-                </a:solidFill>
-                <a:ea typeface="배달의민족 한나는 열한살" panose="020B0600000101010101"/>
-              </a:rPr>
-              <a:t>사용하여 </a:t>
-            </a:r>
-            <a:r>
-              <a:rPr lang="en-US" altLang="ko-KR" dirty="0" err="1" smtClean="0">
-                <a:solidFill>
-                  <a:schemeClr val="bg1"/>
-                </a:solidFill>
-                <a:ea typeface="배달의민족 한나는 열한살" panose="020B0600000101010101"/>
-              </a:rPr>
-              <a:t>register.jsp</a:t>
-            </a:r>
-            <a:r>
-              <a:rPr lang="ko-KR" altLang="en-US" dirty="0">
-                <a:solidFill>
-                  <a:schemeClr val="bg1"/>
-                </a:solidFill>
-                <a:ea typeface="배달의민족 한나는 열한살" panose="020B0600000101010101"/>
-              </a:rPr>
-              <a:t>를 </a:t>
-            </a:r>
-            <a:r>
-              <a:rPr lang="ko-KR" altLang="en-US" dirty="0" smtClean="0">
-                <a:solidFill>
-                  <a:schemeClr val="bg1"/>
-                </a:solidFill>
-                <a:ea typeface="배달의민족 한나는 열한살" panose="020B0600000101010101"/>
-              </a:rPr>
-              <a:t>불러왔습니다</a:t>
-            </a:r>
-            <a:r>
-              <a:rPr lang="en-US" altLang="ko-KR" dirty="0" smtClean="0">
-                <a:solidFill>
-                  <a:schemeClr val="bg1"/>
-                </a:solidFill>
-                <a:ea typeface="배달의민족 한나는 열한살" panose="020B0600000101010101"/>
-              </a:rPr>
-              <a:t>.</a:t>
-            </a:r>
-            <a:endParaRPr lang="en-US" altLang="ko-KR" dirty="0">
-              <a:solidFill>
-                <a:schemeClr val="bg1"/>
-              </a:solidFill>
-              <a:ea typeface="배달의민족 한나는 열한살" panose="020B0600000101010101"/>
-            </a:endParaRPr>
-          </a:p>
-          <a:p>
-            <a:pPr>
-              <a:lnSpc>
-                <a:spcPct val="150000"/>
-              </a:lnSpc>
-            </a:pPr>
-            <a:endParaRPr lang="en-US" altLang="ko-KR" dirty="0">
-              <a:solidFill>
-                <a:schemeClr val="bg1"/>
-              </a:solidFill>
-              <a:ea typeface="배달의민족 한나는 열한살" panose="020B0600000101010101"/>
-            </a:endParaRPr>
-          </a:p>
-          <a:p>
-            <a:pPr>
-              <a:lnSpc>
-                <a:spcPct val="150000"/>
-              </a:lnSpc>
-            </a:pPr>
-            <a:r>
-              <a:rPr lang="ko-KR" altLang="en-US" dirty="0" smtClean="0">
-                <a:solidFill>
-                  <a:schemeClr val="bg1"/>
-                </a:solidFill>
-                <a:ea typeface="배달의민족 한나는 열한살" panose="020B0600000101010101"/>
-              </a:rPr>
-              <a:t>데이터를 서버에 </a:t>
-            </a:r>
-            <a:r>
-              <a:rPr lang="ko-KR" altLang="en-US" dirty="0" err="1" smtClean="0">
-                <a:solidFill>
-                  <a:schemeClr val="bg1"/>
-                </a:solidFill>
-                <a:ea typeface="배달의민족 한나는 열한살" panose="020B0600000101010101"/>
-              </a:rPr>
-              <a:t>넘기기위해</a:t>
-            </a:r>
-            <a:r>
-              <a:rPr lang="ko-KR" altLang="en-US" dirty="0" smtClean="0">
-                <a:solidFill>
-                  <a:schemeClr val="bg1"/>
-                </a:solidFill>
-                <a:ea typeface="배달의민족 한나는 열한살" panose="020B0600000101010101"/>
-              </a:rPr>
-              <a:t> </a:t>
-            </a:r>
-            <a:r>
-              <a:rPr lang="en-US" altLang="ko-KR" dirty="0" smtClean="0">
-                <a:solidFill>
-                  <a:schemeClr val="bg1"/>
-                </a:solidFill>
-                <a:ea typeface="배달의민족 한나는 열한살" panose="020B0600000101010101"/>
-              </a:rPr>
-              <a:t>Post</a:t>
-            </a:r>
-            <a:r>
-              <a:rPr lang="ko-KR" altLang="en-US" dirty="0" smtClean="0">
-                <a:solidFill>
-                  <a:schemeClr val="bg1"/>
-                </a:solidFill>
-                <a:ea typeface="배달의민족 한나는 열한살" panose="020B0600000101010101"/>
-              </a:rPr>
-              <a:t>를 사용하여</a:t>
-            </a:r>
-            <a:r>
-              <a:rPr lang="en-US" altLang="ko-KR" dirty="0" smtClean="0">
-                <a:solidFill>
-                  <a:schemeClr val="bg1"/>
-                </a:solidFill>
-                <a:ea typeface="배달의민족 한나는 열한살" panose="020B0600000101010101"/>
-              </a:rPr>
-              <a:t/>
-            </a:r>
-            <a:br>
-              <a:rPr lang="en-US" altLang="ko-KR" dirty="0" smtClean="0">
-                <a:solidFill>
-                  <a:schemeClr val="bg1"/>
-                </a:solidFill>
-                <a:ea typeface="배달의민족 한나는 열한살" panose="020B0600000101010101"/>
-              </a:rPr>
-            </a:br>
-            <a:r>
-              <a:rPr lang="en-US" altLang="ko-KR" dirty="0" smtClean="0">
-                <a:solidFill>
-                  <a:schemeClr val="bg1"/>
-                </a:solidFill>
-                <a:ea typeface="배달의민족 한나는 열한살" panose="020B0600000101010101"/>
-              </a:rPr>
-              <a:t>board </a:t>
-            </a:r>
-            <a:r>
-              <a:rPr lang="ko-KR" altLang="en-US" dirty="0" smtClean="0">
-                <a:solidFill>
-                  <a:schemeClr val="bg1"/>
-                </a:solidFill>
-                <a:ea typeface="배달의민족 한나는 열한살" panose="020B0600000101010101"/>
-              </a:rPr>
-              <a:t>데이터를 넘겼습니다</a:t>
-            </a:r>
-            <a:r>
-              <a:rPr lang="en-US" altLang="ko-KR" dirty="0" smtClean="0">
-                <a:solidFill>
-                  <a:schemeClr val="bg1"/>
-                </a:solidFill>
-                <a:ea typeface="배달의민족 한나는 열한살" panose="020B0600000101010101"/>
-              </a:rPr>
-              <a:t>.</a:t>
-            </a:r>
-            <a:endParaRPr lang="en-US" altLang="ko-KR" dirty="0">
-              <a:solidFill>
-                <a:schemeClr val="bg1"/>
-              </a:solidFill>
-              <a:ea typeface="배달의민족 한나는 열한살" panose="020B0600000101010101"/>
-            </a:endParaRPr>
-          </a:p>
-        </p:txBody>
-      </p:sp>
-      <p:pic>
-        <p:nvPicPr>
-          <p:cNvPr id="8" name="그림 7"/>
-          <p:cNvPicPr>
-            <a:picLocks noChangeAspect="1"/>
-          </p:cNvPicPr>
-          <p:nvPr/>
-        </p:nvPicPr>
-        <p:blipFill>
-          <a:blip r:embed="rId2"/>
-          <a:stretch>
-            <a:fillRect/>
-          </a:stretch>
-        </p:blipFill>
-        <p:spPr>
-          <a:xfrm>
-            <a:off x="5737247" y="1206067"/>
-            <a:ext cx="6329681" cy="4064202"/>
-          </a:xfrm>
-          <a:prstGeom prst="rect">
-            <a:avLst/>
-          </a:prstGeom>
-        </p:spPr>
-      </p:pic>
-    </p:spTree>
-    <p:extLst>
-      <p:ext uri="{BB962C8B-B14F-4D97-AF65-F5344CB8AC3E}">
-        <p14:creationId xmlns:p14="http://schemas.microsoft.com/office/powerpoint/2010/main" val="780426907"/>
-      </p:ext>
-    </p:extLst>
-  </p:cSld>
-  <p:clrMapOvr>
-    <a:masterClrMapping/>
-  </p:clrMapOvr>
-  <p:timing>
-    <p:tnLst>
-      <p:par>
-        <p:cTn id="1" dur="indefinite" restart="never" nodeType="tmRoot"/>
-      </p:par>
-    </p:tnLst>
-  </p:timing>
-</p:sld>
-</file>
-
-<file path=ppt/slides/slide9.xml><?xml version="1.0" encoding="utf-8"?>
-<p:sld xmlns:a="http://schemas.openxmlformats.org/drawingml/2006/main" xmlns:r="http://schemas.openxmlformats.org/officeDocument/2006/relationships" xmlns:p="http://schemas.openxmlformats.org/presentationml/2006/main">
-  <p:cSld>
-    <p:spTree>
-      <p:nvGrpSpPr>
-        <p:cNvPr id="1" name=""/>
-        <p:cNvGrpSpPr/>
-        <p:nvPr/>
-      </p:nvGrpSpPr>
-      <p:grpSpPr>
-        <a:xfrm>
-          <a:off x="0" y="0"/>
-          <a:ext cx="0" cy="0"/>
-          <a:chOff x="0" y="0"/>
-          <a:chExt cx="0" cy="0"/>
-        </a:xfrm>
-      </p:grpSpPr>
-      <p:sp>
-        <p:nvSpPr>
-          <p:cNvPr id="2" name="제목 1"/>
-          <p:cNvSpPr>
-            <a:spLocks noGrp="1"/>
-          </p:cNvSpPr>
-          <p:nvPr>
-            <p:ph type="title"/>
-          </p:nvPr>
-        </p:nvSpPr>
-        <p:spPr>
-          <a:xfrm>
-            <a:off x="838200" y="365125"/>
-            <a:ext cx="5678978" cy="1325563"/>
-          </a:xfrm>
-        </p:spPr>
-        <p:txBody>
-          <a:bodyPr/>
-          <a:lstStyle/>
-          <a:p>
-            <a:r>
-              <a:rPr lang="en-US" altLang="ko-KR" dirty="0" smtClean="0"/>
-              <a:t>Detail Page</a:t>
-            </a:r>
-            <a:endParaRPr lang="ko-KR" altLang="en-US" dirty="0"/>
-          </a:p>
-        </p:txBody>
-      </p:sp>
-      <p:sp>
-        <p:nvSpPr>
-          <p:cNvPr id="5" name="TextBox 4"/>
-          <p:cNvSpPr txBox="1"/>
-          <p:nvPr/>
-        </p:nvSpPr>
-        <p:spPr>
-          <a:xfrm>
-            <a:off x="592374" y="1756042"/>
-            <a:ext cx="4834847" cy="2947282"/>
-          </a:xfrm>
-          <a:prstGeom prst="rect">
-            <a:avLst/>
-          </a:prstGeom>
-          <a:noFill/>
-        </p:spPr>
-        <p:txBody>
-          <a:bodyPr wrap="square" rtlCol="0">
-            <a:spAutoFit/>
-          </a:bodyPr>
-          <a:lstStyle/>
-          <a:p>
-            <a:pPr>
-              <a:lnSpc>
-                <a:spcPct val="150000"/>
-              </a:lnSpc>
-            </a:pPr>
-            <a:r>
-              <a:rPr lang="en-US" altLang="ko-KR" dirty="0">
-                <a:solidFill>
-                  <a:schemeClr val="bg1"/>
-                </a:solidFill>
-                <a:ea typeface="배달의민족 한나는 열한살" panose="020B0600000101010101"/>
-              </a:rPr>
-              <a:t>Register Page</a:t>
-            </a:r>
-            <a:r>
-              <a:rPr lang="ko-KR" altLang="en-US" dirty="0">
-                <a:solidFill>
-                  <a:schemeClr val="bg1"/>
-                </a:solidFill>
-                <a:ea typeface="배달의민족 한나는 열한살" panose="020B0600000101010101"/>
-              </a:rPr>
-              <a:t>를 불러오기 위해 </a:t>
-            </a:r>
-            <a:r>
-              <a:rPr lang="en-US" altLang="ko-KR" dirty="0" err="1">
-                <a:solidFill>
-                  <a:schemeClr val="bg1"/>
-                </a:solidFill>
-                <a:ea typeface="배달의민족 한나는 열한살" panose="020B0600000101010101"/>
-              </a:rPr>
-              <a:t>ModelAndView</a:t>
-            </a:r>
-            <a:r>
-              <a:rPr lang="ko-KR" altLang="en-US" dirty="0">
-                <a:solidFill>
-                  <a:schemeClr val="bg1"/>
-                </a:solidFill>
-                <a:ea typeface="배달의민족 한나는 열한살" panose="020B0600000101010101"/>
-              </a:rPr>
-              <a:t>를 </a:t>
-            </a:r>
-            <a:r>
-              <a:rPr lang="ko-KR" altLang="en-US" dirty="0" smtClean="0">
-                <a:solidFill>
-                  <a:schemeClr val="bg1"/>
-                </a:solidFill>
-                <a:ea typeface="배달의민족 한나는 열한살" panose="020B0600000101010101"/>
-              </a:rPr>
-              <a:t>사용하여 </a:t>
-            </a:r>
-            <a:r>
-              <a:rPr lang="en-US" altLang="ko-KR" dirty="0" smtClean="0">
-                <a:solidFill>
-                  <a:schemeClr val="bg1"/>
-                </a:solidFill>
-                <a:ea typeface="배달의민족 한나는 열한살" panose="020B0600000101010101"/>
-              </a:rPr>
-              <a:t/>
-            </a:r>
-            <a:br>
-              <a:rPr lang="en-US" altLang="ko-KR" dirty="0" smtClean="0">
-                <a:solidFill>
-                  <a:schemeClr val="bg1"/>
-                </a:solidFill>
-                <a:ea typeface="배달의민족 한나는 열한살" panose="020B0600000101010101"/>
-              </a:rPr>
-            </a:br>
-            <a:r>
-              <a:rPr lang="en-US" altLang="ko-KR" dirty="0" err="1" smtClean="0">
-                <a:solidFill>
-                  <a:schemeClr val="bg1"/>
-                </a:solidFill>
-                <a:ea typeface="배달의민족 한나는 열한살" panose="020B0600000101010101"/>
-              </a:rPr>
-              <a:t>detail.jsp</a:t>
-            </a:r>
-            <a:r>
-              <a:rPr lang="ko-KR" altLang="en-US" dirty="0">
-                <a:solidFill>
-                  <a:schemeClr val="bg1"/>
-                </a:solidFill>
-                <a:ea typeface="배달의민족 한나는 열한살" panose="020B0600000101010101"/>
-              </a:rPr>
-              <a:t>를 </a:t>
-            </a:r>
-            <a:r>
-              <a:rPr lang="ko-KR" altLang="en-US" dirty="0" smtClean="0">
-                <a:solidFill>
-                  <a:schemeClr val="bg1"/>
-                </a:solidFill>
-                <a:ea typeface="배달의민족 한나는 열한살" panose="020B0600000101010101"/>
-              </a:rPr>
-              <a:t>불러오면서 </a:t>
-            </a:r>
-            <a:r>
-              <a:rPr lang="en-US" altLang="ko-KR" dirty="0" smtClean="0">
-                <a:solidFill>
-                  <a:schemeClr val="bg1"/>
-                </a:solidFill>
-                <a:ea typeface="배달의민족 한나는 열한살" panose="020B0600000101010101"/>
-              </a:rPr>
-              <a:t/>
-            </a:r>
-            <a:br>
-              <a:rPr lang="en-US" altLang="ko-KR" dirty="0" smtClean="0">
-                <a:solidFill>
-                  <a:schemeClr val="bg1"/>
-                </a:solidFill>
-                <a:ea typeface="배달의민족 한나는 열한살" panose="020B0600000101010101"/>
-              </a:rPr>
-            </a:br>
-            <a:r>
-              <a:rPr lang="ko-KR" altLang="en-US" dirty="0" smtClean="0">
-                <a:solidFill>
-                  <a:schemeClr val="bg1"/>
-                </a:solidFill>
-                <a:ea typeface="배달의민족 한나는 열한살" panose="020B0600000101010101"/>
-              </a:rPr>
-              <a:t>조회할 번호까지 같이 넘겨 줬습니다</a:t>
-            </a:r>
-            <a:r>
-              <a:rPr lang="en-US" altLang="ko-KR" dirty="0" smtClean="0">
-                <a:solidFill>
-                  <a:schemeClr val="bg1"/>
-                </a:solidFill>
-                <a:ea typeface="배달의민족 한나는 열한살" panose="020B0600000101010101"/>
-              </a:rPr>
-              <a:t>.</a:t>
-            </a:r>
-          </a:p>
-          <a:p>
-            <a:pPr>
-              <a:lnSpc>
-                <a:spcPct val="150000"/>
-              </a:lnSpc>
-            </a:pPr>
-            <a:endParaRPr lang="en-US" altLang="ko-KR" dirty="0">
-              <a:solidFill>
-                <a:schemeClr val="bg1"/>
-              </a:solidFill>
-              <a:ea typeface="배달의민족 한나는 열한살" panose="020B0600000101010101"/>
-            </a:endParaRPr>
-          </a:p>
-          <a:p>
-            <a:pPr>
-              <a:lnSpc>
-                <a:spcPct val="150000"/>
-              </a:lnSpc>
-            </a:pPr>
-            <a:r>
-              <a:rPr lang="en-US" altLang="ko-KR" dirty="0" smtClean="0">
-                <a:solidFill>
-                  <a:schemeClr val="bg1"/>
-                </a:solidFill>
-                <a:ea typeface="배달의민족 한나는 열한살" panose="020B0600000101010101"/>
-              </a:rPr>
-              <a:t>Get</a:t>
-            </a:r>
-            <a:r>
-              <a:rPr lang="ko-KR" altLang="en-US" dirty="0" smtClean="0">
-                <a:solidFill>
-                  <a:schemeClr val="bg1"/>
-                </a:solidFill>
-                <a:ea typeface="배달의민족 한나는 열한살" panose="020B0600000101010101"/>
-              </a:rPr>
-              <a:t>을 사용하여 번호에 해당하는 데이터를 가져왔습니다</a:t>
-            </a:r>
-            <a:r>
-              <a:rPr lang="en-US" altLang="ko-KR" dirty="0" smtClean="0">
-                <a:solidFill>
-                  <a:schemeClr val="bg1"/>
-                </a:solidFill>
-                <a:ea typeface="배달의민족 한나는 열한살" panose="020B0600000101010101"/>
-              </a:rPr>
-              <a:t>.</a:t>
-            </a:r>
-            <a:endParaRPr lang="en-US" altLang="ko-KR" dirty="0">
-              <a:solidFill>
-                <a:schemeClr val="bg1"/>
-              </a:solidFill>
-              <a:ea typeface="배달의민족 한나는 열한살" panose="020B0600000101010101"/>
-            </a:endParaRPr>
-          </a:p>
-        </p:txBody>
-      </p:sp>
-      <p:pic>
-        <p:nvPicPr>
-          <p:cNvPr id="8" name="그림 7"/>
-          <p:cNvPicPr>
-            <a:picLocks noChangeAspect="1"/>
-          </p:cNvPicPr>
-          <p:nvPr/>
-        </p:nvPicPr>
-        <p:blipFill>
-          <a:blip r:embed="rId2"/>
-          <a:stretch>
-            <a:fillRect/>
-          </a:stretch>
-        </p:blipFill>
-        <p:spPr>
-          <a:xfrm>
-            <a:off x="2432511" y="4369258"/>
-            <a:ext cx="2490355" cy="2074034"/>
-          </a:xfrm>
-          <a:prstGeom prst="rect">
-            <a:avLst/>
-          </a:prstGeom>
-        </p:spPr>
-      </p:pic>
-      <p:pic>
-        <p:nvPicPr>
-          <p:cNvPr id="10" name="그림 9"/>
-          <p:cNvPicPr>
-            <a:picLocks noChangeAspect="1"/>
-          </p:cNvPicPr>
-          <p:nvPr/>
-        </p:nvPicPr>
-        <p:blipFill>
-          <a:blip r:embed="rId3"/>
-          <a:stretch>
-            <a:fillRect/>
-          </a:stretch>
-        </p:blipFill>
-        <p:spPr>
-          <a:xfrm>
-            <a:off x="5181395" y="365126"/>
-            <a:ext cx="6848796" cy="5354030"/>
-          </a:xfrm>
-          <a:prstGeom prst="rect">
-            <a:avLst/>
-          </a:prstGeom>
-        </p:spPr>
-      </p:pic>
-    </p:spTree>
-    <p:extLst>
-      <p:ext uri="{BB962C8B-B14F-4D97-AF65-F5344CB8AC3E}">
-        <p14:creationId xmlns:p14="http://schemas.microsoft.com/office/powerpoint/2010/main" val="1427287141"/>
       </p:ext>
     </p:extLst>
   </p:cSld>
